--- a/Output_local/holding/figs/Figs_2.1.23.pptx
+++ b/Output_local/holding/figs/Figs_2.1.23.pptx
@@ -6,8 +6,13 @@
   </p:sldMasterIdLst>
   <p:sldIdLst>
     <p:sldId id="256" r:id="rId2"/>
-    <p:sldId id="257" r:id="rId3"/>
-    <p:sldId id="258" r:id="rId4"/>
+    <p:sldId id="259" r:id="rId3"/>
+    <p:sldId id="263" r:id="rId4"/>
+    <p:sldId id="262" r:id="rId5"/>
+    <p:sldId id="257" r:id="rId6"/>
+    <p:sldId id="258" r:id="rId7"/>
+    <p:sldId id="261" r:id="rId8"/>
+    <p:sldId id="260" r:id="rId9"/>
   </p:sldIdLst>
   <p:sldSz cx="12192000" cy="6858000"/>
   <p:notesSz cx="6858000" cy="9144000"/>
@@ -106,6 +111,11 @@
       </a:defRPr>
     </a:lvl9pPr>
   </p:defaultTextStyle>
+  <p:extLst>
+    <p:ext uri="{EFAFB233-063F-42B5-8137-9DF3F51BA10A}">
+      <p15:sldGuideLst xmlns:p15="http://schemas.microsoft.com/office/powerpoint/2012/main"/>
+    </p:ext>
+  </p:extLst>
 </p:presentation>
 </file>
 
@@ -3540,11 +3550,57 @@
                     <a:p>
                       <a:pPr algn="l" fontAlgn="b"/>
                       <a:r>
-                        <a:rPr lang="en-US" sz="800" u="none" strike="noStrike">
+                        <a:rPr lang="en-US" sz="800" u="none" strike="noStrike" dirty="0">
                           <a:effectLst/>
                         </a:rPr>
                         <a:t>summary</a:t>
                       </a:r>
+                      <a:endParaRPr lang="en-US" sz="800" b="1" i="0" u="none" strike="noStrike" dirty="0">
+                        <a:solidFill>
+                          <a:srgbClr val="000000"/>
+                        </a:solidFill>
+                        <a:effectLst/>
+                        <a:latin typeface="Calibri" panose="020F0502020204030204" pitchFamily="34" charset="0"/>
+                      </a:endParaRPr>
+                    </a:p>
+                  </a:txBody>
+                  <a:tcPr marL="0" marR="0" marT="0" marB="0" anchor="b"/>
+                </a:tc>
+                <a:tc>
+                  <a:txBody>
+                    <a:bodyPr/>
+                    <a:lstStyle/>
+                    <a:p>
+                      <a:pPr algn="l" fontAlgn="b"/>
+                      <a:r>
+                        <a:rPr lang="en-US" sz="800" u="none" strike="noStrike" dirty="0" err="1">
+                          <a:effectLst/>
+                        </a:rPr>
+                        <a:t>repsuc</a:t>
+                      </a:r>
+                      <a:endParaRPr lang="en-US" sz="800" b="1" i="0" u="none" strike="noStrike" dirty="0">
+                        <a:solidFill>
+                          <a:srgbClr val="000000"/>
+                        </a:solidFill>
+                        <a:effectLst/>
+                        <a:latin typeface="Calibri" panose="020F0502020204030204" pitchFamily="34" charset="0"/>
+                      </a:endParaRPr>
+                    </a:p>
+                  </a:txBody>
+                  <a:tcPr marL="0" marR="0" marT="0" marB="0" anchor="b"/>
+                </a:tc>
+                <a:tc>
+                  <a:txBody>
+                    <a:bodyPr/>
+                    <a:lstStyle/>
+                    <a:p>
+                      <a:pPr algn="l" fontAlgn="b"/>
+                      <a:r>
+                        <a:rPr lang="en-US" sz="800" u="none" strike="noStrike">
+                          <a:effectLst/>
+                        </a:rPr>
+                        <a:t>pop</a:t>
+                      </a:r>
                       <a:endParaRPr lang="en-US" sz="800" b="1" i="0" u="none" strike="noStrike">
                         <a:solidFill>
                           <a:srgbClr val="000000"/>
@@ -3563,10 +3619,56 @@
                     <a:p>
                       <a:pPr algn="l" fontAlgn="b"/>
                       <a:r>
-                        <a:rPr lang="en-US" sz="800" u="none" strike="noStrike">
-                          <a:effectLst/>
-                        </a:rPr>
-                        <a:t>repsuc</a:t>
+                        <a:rPr lang="en-US" sz="800" u="none" strike="noStrike" dirty="0">
+                          <a:effectLst/>
+                        </a:rPr>
+                        <a:t>parameters</a:t>
+                      </a:r>
+                      <a:endParaRPr lang="en-US" sz="800" b="1" i="0" u="none" strike="noStrike" dirty="0">
+                        <a:solidFill>
+                          <a:srgbClr val="000000"/>
+                        </a:solidFill>
+                        <a:effectLst/>
+                        <a:latin typeface="Calibri" panose="020F0502020204030204" pitchFamily="34" charset="0"/>
+                      </a:endParaRPr>
+                    </a:p>
+                  </a:txBody>
+                  <a:tcPr marL="0" marR="0" marT="0" marB="0" anchor="b"/>
+                </a:tc>
+                <a:tc>
+                  <a:txBody>
+                    <a:bodyPr/>
+                    <a:lstStyle/>
+                    <a:p>
+                      <a:pPr algn="l" fontAlgn="b"/>
+                      <a:r>
+                        <a:rPr lang="en-US" sz="800" u="none" strike="noStrike" dirty="0" err="1">
+                          <a:effectLst/>
+                        </a:rPr>
+                        <a:t>nmig</a:t>
+                      </a:r>
+                      <a:endParaRPr lang="en-US" sz="800" b="1" i="0" u="none" strike="noStrike" dirty="0">
+                        <a:solidFill>
+                          <a:srgbClr val="000000"/>
+                        </a:solidFill>
+                        <a:effectLst/>
+                        <a:latin typeface="Calibri" panose="020F0502020204030204" pitchFamily="34" charset="0"/>
+                      </a:endParaRPr>
+                    </a:p>
+                  </a:txBody>
+                  <a:tcPr marL="0" marR="0" marT="0" marB="0" anchor="b"/>
+                </a:tc>
+                <a:tc>
+                  <a:txBody>
+                    <a:bodyPr/>
+                    <a:lstStyle/>
+                    <a:p>
+                      <a:pPr algn="l" fontAlgn="b"/>
+                      <a:r>
+                        <a:rPr lang="en-US" sz="800" u="none" strike="noStrike">
+                          <a:effectLst/>
+                        </a:rPr>
+                        <a:t>heteroz of source</a:t>
                       </a:r>
                       <a:endParaRPr lang="en-US" sz="800" b="1" i="0" u="none" strike="noStrike">
                         <a:solidFill>
@@ -3589,7 +3691,7 @@
                         <a:rPr lang="en-US" sz="800" u="none" strike="noStrike">
                           <a:effectLst/>
                         </a:rPr>
-                        <a:t>pop</a:t>
+                        <a:t>minor allel freq FOCAL</a:t>
                       </a:r>
                       <a:endParaRPr lang="en-US" sz="800" b="1" i="0" u="none" strike="noStrike">
                         <a:solidFill>
@@ -3609,10 +3711,33 @@
                     <a:p>
                       <a:pPr algn="l" fontAlgn="b"/>
                       <a:r>
-                        <a:rPr lang="en-US" sz="800" u="none" strike="noStrike">
-                          <a:effectLst/>
-                        </a:rPr>
-                        <a:t>parameters</a:t>
+                        <a:rPr lang="en-US" sz="800" u="none" strike="noStrike" dirty="0">
+                          <a:effectLst/>
+                        </a:rPr>
+                        <a:t>n replicates</a:t>
+                      </a:r>
+                      <a:endParaRPr lang="en-US" sz="800" b="1" i="0" u="none" strike="noStrike" dirty="0">
+                        <a:solidFill>
+                          <a:srgbClr val="000000"/>
+                        </a:solidFill>
+                        <a:effectLst/>
+                        <a:latin typeface="Calibri" panose="020F0502020204030204" pitchFamily="34" charset="0"/>
+                      </a:endParaRPr>
+                    </a:p>
+                  </a:txBody>
+                  <a:tcPr marL="0" marR="0" marT="0" marB="0" anchor="b"/>
+                </a:tc>
+                <a:tc>
+                  <a:txBody>
+                    <a:bodyPr/>
+                    <a:lstStyle/>
+                    <a:p>
+                      <a:pPr algn="l" fontAlgn="b"/>
+                      <a:r>
+                        <a:rPr lang="en-US" sz="800" u="none" strike="noStrike">
+                          <a:effectLst/>
+                        </a:rPr>
+                        <a:t>dropK</a:t>
                       </a:r>
                       <a:endParaRPr lang="en-US" sz="800" b="1" i="0" u="none" strike="noStrike">
                         <a:solidFill>
@@ -3635,7 +3760,7 @@
                         <a:rPr lang="en-US" sz="800" u="none" strike="noStrike">
                           <a:effectLst/>
                         </a:rPr>
-                        <a:t>nmig</a:t>
+                        <a:t>k</a:t>
                       </a:r>
                       <a:endParaRPr lang="en-US" sz="800" b="1" i="0" u="none" strike="noStrike">
                         <a:solidFill>
@@ -3655,10 +3780,102 @@
                     <a:p>
                       <a:pPr algn="l" fontAlgn="b"/>
                       <a:r>
-                        <a:rPr lang="en-US" sz="800" u="none" strike="noStrike">
-                          <a:effectLst/>
-                        </a:rPr>
-                        <a:t>heteroz of source</a:t>
+                        <a:rPr lang="en-US" sz="800" u="none" strike="noStrike" dirty="0" err="1">
+                          <a:effectLst/>
+                        </a:rPr>
+                        <a:t>nSNP</a:t>
+                      </a:r>
+                      <a:endParaRPr lang="en-US" sz="800" b="1" i="0" u="none" strike="noStrike" dirty="0">
+                        <a:solidFill>
+                          <a:srgbClr val="000000"/>
+                        </a:solidFill>
+                        <a:effectLst/>
+                        <a:latin typeface="Calibri" panose="020F0502020204030204" pitchFamily="34" charset="0"/>
+                      </a:endParaRPr>
+                    </a:p>
+                  </a:txBody>
+                  <a:tcPr marL="0" marR="0" marT="0" marB="0" anchor="b"/>
+                </a:tc>
+                <a:tc>
+                  <a:txBody>
+                    <a:bodyPr/>
+                    <a:lstStyle/>
+                    <a:p>
+                      <a:pPr algn="l" fontAlgn="b"/>
+                      <a:r>
+                        <a:rPr lang="en-US" sz="800" u="none" strike="noStrike" dirty="0" err="1">
+                          <a:effectLst/>
+                        </a:rPr>
+                        <a:t>drp</a:t>
+                      </a:r>
+                      <a:endParaRPr lang="en-US" sz="800" b="1" i="0" u="none" strike="noStrike" dirty="0">
+                        <a:solidFill>
+                          <a:srgbClr val="000000"/>
+                        </a:solidFill>
+                        <a:effectLst/>
+                        <a:latin typeface="Calibri" panose="020F0502020204030204" pitchFamily="34" charset="0"/>
+                      </a:endParaRPr>
+                    </a:p>
+                  </a:txBody>
+                  <a:tcPr marL="0" marR="0" marT="0" marB="0" anchor="b"/>
+                </a:tc>
+                <a:tc>
+                  <a:txBody>
+                    <a:bodyPr/>
+                    <a:lstStyle/>
+                    <a:p>
+                      <a:pPr algn="l" fontAlgn="b"/>
+                      <a:r>
+                        <a:rPr lang="en-US" sz="800" u="none" strike="noStrike" dirty="0">
+                          <a:effectLst/>
+                        </a:rPr>
+                        <a:t>dur</a:t>
+                      </a:r>
+                      <a:endParaRPr lang="en-US" sz="800" b="1" i="0" u="none" strike="noStrike" dirty="0">
+                        <a:solidFill>
+                          <a:srgbClr val="000000"/>
+                        </a:solidFill>
+                        <a:effectLst/>
+                        <a:latin typeface="Calibri" panose="020F0502020204030204" pitchFamily="34" charset="0"/>
+                      </a:endParaRPr>
+                    </a:p>
+                  </a:txBody>
+                  <a:tcPr marL="0" marR="0" marT="0" marB="0" anchor="b"/>
+                </a:tc>
+                <a:tc>
+                  <a:txBody>
+                    <a:bodyPr/>
+                    <a:lstStyle/>
+                    <a:p>
+                      <a:pPr algn="l" fontAlgn="b"/>
+                      <a:r>
+                        <a:rPr lang="en-US" sz="800" u="none" strike="noStrike" dirty="0" err="1">
+                          <a:effectLst/>
+                        </a:rPr>
+                        <a:t>maxage</a:t>
+                      </a:r>
+                      <a:endParaRPr lang="en-US" sz="800" b="1" i="0" u="none" strike="noStrike" dirty="0">
+                        <a:solidFill>
+                          <a:srgbClr val="000000"/>
+                        </a:solidFill>
+                        <a:effectLst/>
+                        <a:latin typeface="Calibri" panose="020F0502020204030204" pitchFamily="34" charset="0"/>
+                      </a:endParaRPr>
+                    </a:p>
+                  </a:txBody>
+                  <a:tcPr marL="0" marR="0" marT="0" marB="0" anchor="b"/>
+                </a:tc>
+                <a:tc>
+                  <a:txBody>
+                    <a:bodyPr/>
+                    <a:lstStyle/>
+                    <a:p>
+                      <a:pPr algn="l" fontAlgn="b"/>
+                      <a:r>
+                        <a:rPr lang="en-US" sz="800" u="none" strike="noStrike">
+                          <a:effectLst/>
+                        </a:rPr>
+                        <a:t>broodsize</a:t>
                       </a:r>
                       <a:endParaRPr lang="en-US" sz="800" b="1" i="0" u="none" strike="noStrike">
                         <a:solidFill>
@@ -3678,10 +3895,56 @@
                     <a:p>
                       <a:pPr algn="l" fontAlgn="b"/>
                       <a:r>
-                        <a:rPr lang="en-US" sz="800" u="none" strike="noStrike">
-                          <a:effectLst/>
-                        </a:rPr>
-                        <a:t>minor allel freq FOCAL</a:t>
+                        <a:rPr lang="en-US" sz="800" u="none" strike="noStrike" dirty="0">
+                          <a:effectLst/>
+                        </a:rPr>
+                        <a:t>maturity</a:t>
+                      </a:r>
+                      <a:endParaRPr lang="en-US" sz="800" b="1" i="0" u="none" strike="noStrike" dirty="0">
+                        <a:solidFill>
+                          <a:srgbClr val="000000"/>
+                        </a:solidFill>
+                        <a:effectLst/>
+                        <a:latin typeface="Calibri" panose="020F0502020204030204" pitchFamily="34" charset="0"/>
+                      </a:endParaRPr>
+                    </a:p>
+                  </a:txBody>
+                  <a:tcPr marL="0" marR="0" marT="0" marB="0" anchor="b"/>
+                </a:tc>
+                <a:tc>
+                  <a:txBody>
+                    <a:bodyPr/>
+                    <a:lstStyle/>
+                    <a:p>
+                      <a:pPr algn="l" fontAlgn="b"/>
+                      <a:r>
+                        <a:rPr lang="en-US" sz="800" u="none" strike="noStrike" dirty="0">
+                          <a:effectLst/>
+                        </a:rPr>
+                        <a:t>years</a:t>
+                      </a:r>
+                      <a:endParaRPr lang="en-US" sz="800" b="1" i="0" u="none" strike="noStrike" dirty="0">
+                        <a:solidFill>
+                          <a:srgbClr val="000000"/>
+                        </a:solidFill>
+                        <a:effectLst/>
+                        <a:latin typeface="Calibri" panose="020F0502020204030204" pitchFamily="34" charset="0"/>
+                      </a:endParaRPr>
+                    </a:p>
+                  </a:txBody>
+                  <a:tcPr marL="0" marR="0" marT="0" marB="0" anchor="b"/>
+                </a:tc>
+                <a:tc>
+                  <a:txBody>
+                    <a:bodyPr/>
+                    <a:lstStyle/>
+                    <a:p>
+                      <a:pPr algn="l" fontAlgn="b"/>
+                      <a:r>
+                        <a:rPr lang="en-US" sz="800" u="none" strike="noStrike">
+                          <a:effectLst/>
+                        </a:rPr>
+                        <a:t>r0</a:t>
                       </a:r>
                       <a:endParaRPr lang="en-US" sz="800" b="1" i="0" u="none" strike="noStrike">
                         <a:solidFill>
@@ -3701,311 +3964,58 @@
                     <a:p>
                       <a:pPr algn="l" fontAlgn="b"/>
                       <a:r>
-                        <a:rPr lang="en-US" sz="800" u="none" strike="noStrike">
-                          <a:effectLst/>
-                        </a:rPr>
-                        <a:t>n replicates</a:t>
-                      </a:r>
-                      <a:endParaRPr lang="en-US" sz="800" b="1" i="0" u="none" strike="noStrike">
-                        <a:solidFill>
-                          <a:srgbClr val="000000"/>
-                        </a:solidFill>
-                        <a:effectLst/>
-                        <a:latin typeface="Calibri" panose="020F0502020204030204" pitchFamily="34" charset="0"/>
-                      </a:endParaRPr>
-                    </a:p>
-                  </a:txBody>
-                  <a:tcPr marL="0" marR="0" marT="0" marB="0" anchor="b"/>
-                </a:tc>
-                <a:tc>
-                  <a:txBody>
-                    <a:bodyPr/>
-                    <a:lstStyle/>
-                    <a:p>
-                      <a:pPr algn="l" fontAlgn="b"/>
-                      <a:r>
-                        <a:rPr lang="en-US" sz="800" u="none" strike="noStrike">
-                          <a:effectLst/>
-                        </a:rPr>
-                        <a:t>dropK</a:t>
-                      </a:r>
-                      <a:endParaRPr lang="en-US" sz="800" b="1" i="0" u="none" strike="noStrike">
-                        <a:solidFill>
-                          <a:srgbClr val="000000"/>
-                        </a:solidFill>
-                        <a:effectLst/>
-                        <a:latin typeface="Calibri" panose="020F0502020204030204" pitchFamily="34" charset="0"/>
-                      </a:endParaRPr>
-                    </a:p>
-                  </a:txBody>
-                  <a:tcPr marL="0" marR="0" marT="0" marB="0" anchor="b"/>
-                </a:tc>
-                <a:tc>
-                  <a:txBody>
-                    <a:bodyPr/>
-                    <a:lstStyle/>
-                    <a:p>
-                      <a:pPr algn="l" fontAlgn="b"/>
-                      <a:r>
-                        <a:rPr lang="en-US" sz="800" u="none" strike="noStrike">
-                          <a:effectLst/>
-                        </a:rPr>
-                        <a:t>k</a:t>
-                      </a:r>
-                      <a:endParaRPr lang="en-US" sz="800" b="1" i="0" u="none" strike="noStrike">
-                        <a:solidFill>
-                          <a:srgbClr val="000000"/>
-                        </a:solidFill>
-                        <a:effectLst/>
-                        <a:latin typeface="Calibri" panose="020F0502020204030204" pitchFamily="34" charset="0"/>
-                      </a:endParaRPr>
-                    </a:p>
-                  </a:txBody>
-                  <a:tcPr marL="0" marR="0" marT="0" marB="0" anchor="b"/>
-                </a:tc>
-                <a:tc>
-                  <a:txBody>
-                    <a:bodyPr/>
-                    <a:lstStyle/>
-                    <a:p>
-                      <a:pPr algn="l" fontAlgn="b"/>
-                      <a:r>
-                        <a:rPr lang="en-US" sz="800" u="none" strike="noStrike">
-                          <a:effectLst/>
-                        </a:rPr>
-                        <a:t>nSNP</a:t>
-                      </a:r>
-                      <a:endParaRPr lang="en-US" sz="800" b="1" i="0" u="none" strike="noStrike">
-                        <a:solidFill>
-                          <a:srgbClr val="000000"/>
-                        </a:solidFill>
-                        <a:effectLst/>
-                        <a:latin typeface="Calibri" panose="020F0502020204030204" pitchFamily="34" charset="0"/>
-                      </a:endParaRPr>
-                    </a:p>
-                  </a:txBody>
-                  <a:tcPr marL="0" marR="0" marT="0" marB="0" anchor="b"/>
-                </a:tc>
-                <a:tc>
-                  <a:txBody>
-                    <a:bodyPr/>
-                    <a:lstStyle/>
-                    <a:p>
-                      <a:pPr algn="l" fontAlgn="b"/>
-                      <a:r>
-                        <a:rPr lang="en-US" sz="800" u="none" strike="noStrike">
-                          <a:effectLst/>
-                        </a:rPr>
-                        <a:t>drp</a:t>
-                      </a:r>
-                      <a:endParaRPr lang="en-US" sz="800" b="1" i="0" u="none" strike="noStrike">
-                        <a:solidFill>
-                          <a:srgbClr val="000000"/>
-                        </a:solidFill>
-                        <a:effectLst/>
-                        <a:latin typeface="Calibri" panose="020F0502020204030204" pitchFamily="34" charset="0"/>
-                      </a:endParaRPr>
-                    </a:p>
-                  </a:txBody>
-                  <a:tcPr marL="0" marR="0" marT="0" marB="0" anchor="b"/>
-                </a:tc>
-                <a:tc>
-                  <a:txBody>
-                    <a:bodyPr/>
-                    <a:lstStyle/>
-                    <a:p>
-                      <a:pPr algn="l" fontAlgn="b"/>
-                      <a:r>
-                        <a:rPr lang="en-US" sz="800" u="none" strike="noStrike">
-                          <a:effectLst/>
-                        </a:rPr>
-                        <a:t>dur</a:t>
-                      </a:r>
-                      <a:endParaRPr lang="en-US" sz="800" b="1" i="0" u="none" strike="noStrike">
-                        <a:solidFill>
-                          <a:srgbClr val="000000"/>
-                        </a:solidFill>
-                        <a:effectLst/>
-                        <a:latin typeface="Calibri" panose="020F0502020204030204" pitchFamily="34" charset="0"/>
-                      </a:endParaRPr>
-                    </a:p>
-                  </a:txBody>
-                  <a:tcPr marL="0" marR="0" marT="0" marB="0" anchor="b"/>
-                </a:tc>
-                <a:tc>
-                  <a:txBody>
-                    <a:bodyPr/>
-                    <a:lstStyle/>
-                    <a:p>
-                      <a:pPr algn="l" fontAlgn="b"/>
-                      <a:r>
-                        <a:rPr lang="en-US" sz="800" u="none" strike="noStrike">
-                          <a:effectLst/>
-                        </a:rPr>
-                        <a:t>maxage</a:t>
-                      </a:r>
-                      <a:endParaRPr lang="en-US" sz="800" b="1" i="0" u="none" strike="noStrike">
-                        <a:solidFill>
-                          <a:srgbClr val="000000"/>
-                        </a:solidFill>
-                        <a:effectLst/>
-                        <a:latin typeface="Calibri" panose="020F0502020204030204" pitchFamily="34" charset="0"/>
-                      </a:endParaRPr>
-                    </a:p>
-                  </a:txBody>
-                  <a:tcPr marL="0" marR="0" marT="0" marB="0" anchor="b"/>
-                </a:tc>
-                <a:tc>
-                  <a:txBody>
-                    <a:bodyPr/>
-                    <a:lstStyle/>
-                    <a:p>
-                      <a:pPr algn="l" fontAlgn="b"/>
-                      <a:r>
-                        <a:rPr lang="en-US" sz="800" u="none" strike="noStrike">
-                          <a:effectLst/>
-                        </a:rPr>
-                        <a:t>broodsize</a:t>
-                      </a:r>
-                      <a:endParaRPr lang="en-US" sz="800" b="1" i="0" u="none" strike="noStrike">
-                        <a:solidFill>
-                          <a:srgbClr val="000000"/>
-                        </a:solidFill>
-                        <a:effectLst/>
-                        <a:latin typeface="Calibri" panose="020F0502020204030204" pitchFamily="34" charset="0"/>
-                      </a:endParaRPr>
-                    </a:p>
-                  </a:txBody>
-                  <a:tcPr marL="0" marR="0" marT="0" marB="0" anchor="b"/>
-                </a:tc>
-                <a:tc>
-                  <a:txBody>
-                    <a:bodyPr/>
-                    <a:lstStyle/>
-                    <a:p>
-                      <a:pPr algn="l" fontAlgn="b"/>
-                      <a:r>
-                        <a:rPr lang="en-US" sz="800" u="none" strike="noStrike">
-                          <a:effectLst/>
-                        </a:rPr>
-                        <a:t>maturity</a:t>
-                      </a:r>
-                      <a:endParaRPr lang="en-US" sz="800" b="1" i="0" u="none" strike="noStrike">
-                        <a:solidFill>
-                          <a:srgbClr val="000000"/>
-                        </a:solidFill>
-                        <a:effectLst/>
-                        <a:latin typeface="Calibri" panose="020F0502020204030204" pitchFamily="34" charset="0"/>
-                      </a:endParaRPr>
-                    </a:p>
-                  </a:txBody>
-                  <a:tcPr marL="0" marR="0" marT="0" marB="0" anchor="b"/>
-                </a:tc>
-                <a:tc>
-                  <a:txBody>
-                    <a:bodyPr/>
-                    <a:lstStyle/>
-                    <a:p>
-                      <a:pPr algn="l" fontAlgn="b"/>
-                      <a:r>
-                        <a:rPr lang="en-US" sz="800" u="none" strike="noStrike">
-                          <a:effectLst/>
-                        </a:rPr>
-                        <a:t>years</a:t>
-                      </a:r>
-                      <a:endParaRPr lang="en-US" sz="800" b="1" i="0" u="none" strike="noStrike">
-                        <a:solidFill>
-                          <a:srgbClr val="000000"/>
-                        </a:solidFill>
-                        <a:effectLst/>
-                        <a:latin typeface="Calibri" panose="020F0502020204030204" pitchFamily="34" charset="0"/>
-                      </a:endParaRPr>
-                    </a:p>
-                  </a:txBody>
-                  <a:tcPr marL="0" marR="0" marT="0" marB="0" anchor="b"/>
-                </a:tc>
-                <a:tc>
-                  <a:txBody>
-                    <a:bodyPr/>
-                    <a:lstStyle/>
-                    <a:p>
-                      <a:pPr algn="l" fontAlgn="b"/>
-                      <a:r>
-                        <a:rPr lang="en-US" sz="800" u="none" strike="noStrike">
-                          <a:effectLst/>
-                        </a:rPr>
-                        <a:t>r0</a:t>
-                      </a:r>
-                      <a:endParaRPr lang="en-US" sz="800" b="1" i="0" u="none" strike="noStrike">
-                        <a:solidFill>
-                          <a:srgbClr val="000000"/>
-                        </a:solidFill>
-                        <a:effectLst/>
-                        <a:latin typeface="Calibri" panose="020F0502020204030204" pitchFamily="34" charset="0"/>
-                      </a:endParaRPr>
-                    </a:p>
-                  </a:txBody>
-                  <a:tcPr marL="0" marR="0" marT="0" marB="0" anchor="b"/>
-                </a:tc>
-                <a:tc>
-                  <a:txBody>
-                    <a:bodyPr/>
-                    <a:lstStyle/>
-                    <a:p>
-                      <a:pPr algn="l" fontAlgn="b"/>
-                      <a:r>
-                        <a:rPr lang="en-US" sz="800" u="none" strike="noStrike">
+                        <a:rPr lang="en-US" sz="800" u="none" strike="noStrike" dirty="0" err="1">
                           <a:effectLst/>
                         </a:rPr>
                         <a:t>ratemort</a:t>
                       </a:r>
-                      <a:endParaRPr lang="en-US" sz="800" b="1" i="0" u="none" strike="noStrike">
-                        <a:solidFill>
-                          <a:srgbClr val="000000"/>
-                        </a:solidFill>
-                        <a:effectLst/>
-                        <a:latin typeface="Calibri" panose="020F0502020204030204" pitchFamily="34" charset="0"/>
-                      </a:endParaRPr>
-                    </a:p>
-                  </a:txBody>
-                  <a:tcPr marL="0" marR="0" marT="0" marB="0" anchor="b"/>
-                </a:tc>
-                <a:tc>
-                  <a:txBody>
-                    <a:bodyPr/>
-                    <a:lstStyle/>
-                    <a:p>
-                      <a:pPr algn="l" fontAlgn="b"/>
-                      <a:r>
-                        <a:rPr lang="en-US" sz="800" u="none" strike="noStrike">
+                      <a:endParaRPr lang="en-US" sz="800" b="1" i="0" u="none" strike="noStrike" dirty="0">
+                        <a:solidFill>
+                          <a:srgbClr val="000000"/>
+                        </a:solidFill>
+                        <a:effectLst/>
+                        <a:latin typeface="Calibri" panose="020F0502020204030204" pitchFamily="34" charset="0"/>
+                      </a:endParaRPr>
+                    </a:p>
+                  </a:txBody>
+                  <a:tcPr marL="0" marR="0" marT="0" marB="0" anchor="b"/>
+                </a:tc>
+                <a:tc>
+                  <a:txBody>
+                    <a:bodyPr/>
+                    <a:lstStyle/>
+                    <a:p>
+                      <a:pPr algn="l" fontAlgn="b"/>
+                      <a:r>
+                        <a:rPr lang="en-US" sz="800" u="none" strike="noStrike" dirty="0" err="1">
                           <a:effectLst/>
                         </a:rPr>
                         <a:t>nSNP.mig</a:t>
                       </a:r>
-                      <a:endParaRPr lang="en-US" sz="800" b="1" i="0" u="none" strike="noStrike">
-                        <a:solidFill>
-                          <a:srgbClr val="000000"/>
-                        </a:solidFill>
-                        <a:effectLst/>
-                        <a:latin typeface="Calibri" panose="020F0502020204030204" pitchFamily="34" charset="0"/>
-                      </a:endParaRPr>
-                    </a:p>
-                  </a:txBody>
-                  <a:tcPr marL="0" marR="0" marT="0" marB="0" anchor="b"/>
-                </a:tc>
-                <a:tc>
-                  <a:txBody>
-                    <a:bodyPr/>
-                    <a:lstStyle/>
-                    <a:p>
-                      <a:pPr algn="l" fontAlgn="b"/>
-                      <a:r>
-                        <a:rPr lang="en-US" sz="800" u="none" strike="noStrike">
+                      <a:endParaRPr lang="en-US" sz="800" b="1" i="0" u="none" strike="noStrike" dirty="0">
+                        <a:solidFill>
+                          <a:srgbClr val="000000"/>
+                        </a:solidFill>
+                        <a:effectLst/>
+                        <a:latin typeface="Calibri" panose="020F0502020204030204" pitchFamily="34" charset="0"/>
+                      </a:endParaRPr>
+                    </a:p>
+                  </a:txBody>
+                  <a:tcPr marL="0" marR="0" marT="0" marB="0" anchor="b"/>
+                </a:tc>
+                <a:tc>
+                  <a:txBody>
+                    <a:bodyPr/>
+                    <a:lstStyle/>
+                    <a:p>
+                      <a:pPr algn="l" fontAlgn="b"/>
+                      <a:r>
+                        <a:rPr lang="en-US" sz="800" u="none" strike="noStrike" dirty="0" err="1">
                           <a:effectLst/>
                         </a:rPr>
                         <a:t>nSNP.cons</a:t>
                       </a:r>
-                      <a:endParaRPr lang="en-US" sz="800" b="1" i="0" u="none" strike="noStrike">
+                      <a:endParaRPr lang="en-US" sz="800" b="1" i="0" u="none" strike="noStrike" dirty="0">
                         <a:solidFill>
                           <a:srgbClr val="000000"/>
                         </a:solidFill>
@@ -4483,12 +4493,12 @@
                     <a:p>
                       <a:pPr algn="r" fontAlgn="b"/>
                       <a:r>
-                        <a:rPr lang="en-US" sz="800" u="none" strike="noStrike">
+                        <a:rPr lang="en-US" sz="800" u="none" strike="noStrike" dirty="0">
                           <a:effectLst/>
                         </a:rPr>
                         <a:t>0</a:t>
                       </a:r>
-                      <a:endParaRPr lang="en-US" sz="800" b="0" i="0" u="none" strike="noStrike">
+                      <a:endParaRPr lang="en-US" sz="800" b="0" i="0" u="none" strike="noStrike" dirty="0">
                         <a:solidFill>
                           <a:srgbClr val="000000"/>
                         </a:solidFill>
@@ -7499,6 +7509,3840 @@
 </file>
 
 <file path=ppt/slides/slide2.xml><?xml version="1.0" encoding="utf-8"?>
+<p:sld xmlns:a="http://schemas.openxmlformats.org/drawingml/2006/main" xmlns:r="http://schemas.openxmlformats.org/officeDocument/2006/relationships" xmlns:p="http://schemas.openxmlformats.org/presentationml/2006/main">
+  <p:cSld>
+    <p:spTree>
+      <p:nvGrpSpPr>
+        <p:cNvPr id="1" name=""/>
+        <p:cNvGrpSpPr/>
+        <p:nvPr/>
+      </p:nvGrpSpPr>
+      <p:grpSpPr>
+        <a:xfrm>
+          <a:off x="0" y="0"/>
+          <a:ext cx="0" cy="0"/>
+          <a:chOff x="0" y="0"/>
+          <a:chExt cx="0" cy="0"/>
+        </a:xfrm>
+      </p:grpSpPr>
+      <p:graphicFrame>
+        <p:nvGraphicFramePr>
+          <p:cNvPr id="4" name="Table 3">
+            <a:extLst>
+              <a:ext uri="{FF2B5EF4-FFF2-40B4-BE49-F238E27FC236}">
+                <a16:creationId xmlns:a16="http://schemas.microsoft.com/office/drawing/2014/main" id="{49107FF4-080A-56CF-6AAF-A85B4D0B2949}"/>
+              </a:ext>
+            </a:extLst>
+          </p:cNvPr>
+          <p:cNvGraphicFramePr>
+            <a:graphicFrameLocks noGrp="1"/>
+          </p:cNvGraphicFramePr>
+          <p:nvPr>
+            <p:extLst>
+              <p:ext uri="{D42A27DB-BD31-4B8C-83A1-F6EECF244321}">
+                <p14:modId xmlns:p14="http://schemas.microsoft.com/office/powerpoint/2010/main" val="877354663"/>
+              </p:ext>
+            </p:extLst>
+          </p:nvPr>
+        </p:nvGraphicFramePr>
+        <p:xfrm>
+          <a:off x="674298" y="669686"/>
+          <a:ext cx="10491161" cy="507882"/>
+        </p:xfrm>
+        <a:graphic>
+          <a:graphicData uri="http://schemas.openxmlformats.org/drawingml/2006/table">
+            <a:tbl>
+              <a:tblPr>
+                <a:tableStyleId>{5C22544A-7EE6-4342-B048-85BDC9FD1C3A}</a:tableStyleId>
+              </a:tblPr>
+              <a:tblGrid>
+                <a:gridCol w="993801">
+                  <a:extLst>
+                    <a:ext uri="{9D8B030D-6E8A-4147-A177-3AD203B41FA5}">
+                      <a16:colId xmlns:a16="http://schemas.microsoft.com/office/drawing/2014/main" val="2496079867"/>
+                    </a:ext>
+                  </a:extLst>
+                </a:gridCol>
+                <a:gridCol w="496900">
+                  <a:extLst>
+                    <a:ext uri="{9D8B030D-6E8A-4147-A177-3AD203B41FA5}">
+                      <a16:colId xmlns:a16="http://schemas.microsoft.com/office/drawing/2014/main" val="1770961813"/>
+                    </a:ext>
+                  </a:extLst>
+                </a:gridCol>
+                <a:gridCol w="450023">
+                  <a:extLst>
+                    <a:ext uri="{9D8B030D-6E8A-4147-A177-3AD203B41FA5}">
+                      <a16:colId xmlns:a16="http://schemas.microsoft.com/office/drawing/2014/main" val="1449972037"/>
+                    </a:ext>
+                  </a:extLst>
+                </a:gridCol>
+                <a:gridCol w="450023">
+                  <a:extLst>
+                    <a:ext uri="{9D8B030D-6E8A-4147-A177-3AD203B41FA5}">
+                      <a16:colId xmlns:a16="http://schemas.microsoft.com/office/drawing/2014/main" val="3514541101"/>
+                    </a:ext>
+                  </a:extLst>
+                </a:gridCol>
+                <a:gridCol w="450023">
+                  <a:extLst>
+                    <a:ext uri="{9D8B030D-6E8A-4147-A177-3AD203B41FA5}">
+                      <a16:colId xmlns:a16="http://schemas.microsoft.com/office/drawing/2014/main" val="2333537795"/>
+                    </a:ext>
+                  </a:extLst>
+                </a:gridCol>
+                <a:gridCol w="450023">
+                  <a:extLst>
+                    <a:ext uri="{9D8B030D-6E8A-4147-A177-3AD203B41FA5}">
+                      <a16:colId xmlns:a16="http://schemas.microsoft.com/office/drawing/2014/main" val="3792861562"/>
+                    </a:ext>
+                  </a:extLst>
+                </a:gridCol>
+                <a:gridCol w="450023">
+                  <a:extLst>
+                    <a:ext uri="{9D8B030D-6E8A-4147-A177-3AD203B41FA5}">
+                      <a16:colId xmlns:a16="http://schemas.microsoft.com/office/drawing/2014/main" val="2390976487"/>
+                    </a:ext>
+                  </a:extLst>
+                </a:gridCol>
+                <a:gridCol w="450023">
+                  <a:extLst>
+                    <a:ext uri="{9D8B030D-6E8A-4147-A177-3AD203B41FA5}">
+                      <a16:colId xmlns:a16="http://schemas.microsoft.com/office/drawing/2014/main" val="1214187293"/>
+                    </a:ext>
+                  </a:extLst>
+                </a:gridCol>
+                <a:gridCol w="450023">
+                  <a:extLst>
+                    <a:ext uri="{9D8B030D-6E8A-4147-A177-3AD203B41FA5}">
+                      <a16:colId xmlns:a16="http://schemas.microsoft.com/office/drawing/2014/main" val="3840820547"/>
+                    </a:ext>
+                  </a:extLst>
+                </a:gridCol>
+                <a:gridCol w="450023">
+                  <a:extLst>
+                    <a:ext uri="{9D8B030D-6E8A-4147-A177-3AD203B41FA5}">
+                      <a16:colId xmlns:a16="http://schemas.microsoft.com/office/drawing/2014/main" val="3059457043"/>
+                    </a:ext>
+                  </a:extLst>
+                </a:gridCol>
+                <a:gridCol w="450023">
+                  <a:extLst>
+                    <a:ext uri="{9D8B030D-6E8A-4147-A177-3AD203B41FA5}">
+                      <a16:colId xmlns:a16="http://schemas.microsoft.com/office/drawing/2014/main" val="2942273547"/>
+                    </a:ext>
+                  </a:extLst>
+                </a:gridCol>
+                <a:gridCol w="450023">
+                  <a:extLst>
+                    <a:ext uri="{9D8B030D-6E8A-4147-A177-3AD203B41FA5}">
+                      <a16:colId xmlns:a16="http://schemas.microsoft.com/office/drawing/2014/main" val="2480564155"/>
+                    </a:ext>
+                  </a:extLst>
+                </a:gridCol>
+                <a:gridCol w="450023">
+                  <a:extLst>
+                    <a:ext uri="{9D8B030D-6E8A-4147-A177-3AD203B41FA5}">
+                      <a16:colId xmlns:a16="http://schemas.microsoft.com/office/drawing/2014/main" val="648538740"/>
+                    </a:ext>
+                  </a:extLst>
+                </a:gridCol>
+                <a:gridCol w="450023">
+                  <a:extLst>
+                    <a:ext uri="{9D8B030D-6E8A-4147-A177-3AD203B41FA5}">
+                      <a16:colId xmlns:a16="http://schemas.microsoft.com/office/drawing/2014/main" val="1632405156"/>
+                    </a:ext>
+                  </a:extLst>
+                </a:gridCol>
+                <a:gridCol w="450023">
+                  <a:extLst>
+                    <a:ext uri="{9D8B030D-6E8A-4147-A177-3AD203B41FA5}">
+                      <a16:colId xmlns:a16="http://schemas.microsoft.com/office/drawing/2014/main" val="1047720426"/>
+                    </a:ext>
+                  </a:extLst>
+                </a:gridCol>
+                <a:gridCol w="450023">
+                  <a:extLst>
+                    <a:ext uri="{9D8B030D-6E8A-4147-A177-3AD203B41FA5}">
+                      <a16:colId xmlns:a16="http://schemas.microsoft.com/office/drawing/2014/main" val="1301161511"/>
+                    </a:ext>
+                  </a:extLst>
+                </a:gridCol>
+                <a:gridCol w="450023">
+                  <a:extLst>
+                    <a:ext uri="{9D8B030D-6E8A-4147-A177-3AD203B41FA5}">
+                      <a16:colId xmlns:a16="http://schemas.microsoft.com/office/drawing/2014/main" val="3912518071"/>
+                    </a:ext>
+                  </a:extLst>
+                </a:gridCol>
+                <a:gridCol w="450023">
+                  <a:extLst>
+                    <a:ext uri="{9D8B030D-6E8A-4147-A177-3AD203B41FA5}">
+                      <a16:colId xmlns:a16="http://schemas.microsoft.com/office/drawing/2014/main" val="777258163"/>
+                    </a:ext>
+                  </a:extLst>
+                </a:gridCol>
+                <a:gridCol w="450023">
+                  <a:extLst>
+                    <a:ext uri="{9D8B030D-6E8A-4147-A177-3AD203B41FA5}">
+                      <a16:colId xmlns:a16="http://schemas.microsoft.com/office/drawing/2014/main" val="2900810881"/>
+                    </a:ext>
+                  </a:extLst>
+                </a:gridCol>
+                <a:gridCol w="450023">
+                  <a:extLst>
+                    <a:ext uri="{9D8B030D-6E8A-4147-A177-3AD203B41FA5}">
+                      <a16:colId xmlns:a16="http://schemas.microsoft.com/office/drawing/2014/main" val="1190648268"/>
+                    </a:ext>
+                  </a:extLst>
+                </a:gridCol>
+                <a:gridCol w="450023">
+                  <a:extLst>
+                    <a:ext uri="{9D8B030D-6E8A-4147-A177-3AD203B41FA5}">
+                      <a16:colId xmlns:a16="http://schemas.microsoft.com/office/drawing/2014/main" val="4135746025"/>
+                    </a:ext>
+                  </a:extLst>
+                </a:gridCol>
+                <a:gridCol w="450023">
+                  <a:extLst>
+                    <a:ext uri="{9D8B030D-6E8A-4147-A177-3AD203B41FA5}">
+                      <a16:colId xmlns:a16="http://schemas.microsoft.com/office/drawing/2014/main" val="1288900662"/>
+                    </a:ext>
+                  </a:extLst>
+                </a:gridCol>
+              </a:tblGrid>
+              <a:tr h="372447">
+                <a:tc>
+                  <a:txBody>
+                    <a:bodyPr/>
+                    <a:lstStyle/>
+                    <a:p>
+                      <a:pPr algn="l" fontAlgn="b"/>
+                      <a:r>
+                        <a:rPr lang="en-US" sz="800" u="none" strike="noStrike" dirty="0">
+                          <a:effectLst/>
+                        </a:rPr>
+                        <a:t> </a:t>
+                      </a:r>
+                      <a:endParaRPr lang="en-US" sz="800" b="0" i="0" u="none" strike="noStrike" dirty="0">
+                        <a:solidFill>
+                          <a:srgbClr val="000000"/>
+                        </a:solidFill>
+                        <a:effectLst/>
+                        <a:latin typeface="Calibri" panose="020F0502020204030204" pitchFamily="34" charset="0"/>
+                      </a:endParaRPr>
+                    </a:p>
+                  </a:txBody>
+                  <a:tcPr marL="0" marR="0" marT="0" marB="0" anchor="b"/>
+                </a:tc>
+                <a:tc>
+                  <a:txBody>
+                    <a:bodyPr/>
+                    <a:lstStyle/>
+                    <a:p>
+                      <a:pPr algn="l" fontAlgn="b"/>
+                      <a:r>
+                        <a:rPr lang="en-US" sz="800" u="none" strike="noStrike" dirty="0">
+                          <a:effectLst/>
+                        </a:rPr>
+                        <a:t>summary</a:t>
+                      </a:r>
+                      <a:endParaRPr lang="en-US" sz="800" b="1" i="0" u="none" strike="noStrike" dirty="0">
+                        <a:solidFill>
+                          <a:srgbClr val="000000"/>
+                        </a:solidFill>
+                        <a:effectLst/>
+                        <a:latin typeface="Calibri" panose="020F0502020204030204" pitchFamily="34" charset="0"/>
+                      </a:endParaRPr>
+                    </a:p>
+                  </a:txBody>
+                  <a:tcPr marL="0" marR="0" marT="0" marB="0" anchor="b"/>
+                </a:tc>
+                <a:tc>
+                  <a:txBody>
+                    <a:bodyPr/>
+                    <a:lstStyle/>
+                    <a:p>
+                      <a:pPr algn="l" fontAlgn="b"/>
+                      <a:r>
+                        <a:rPr lang="en-US" sz="800" u="none" strike="noStrike" dirty="0" err="1">
+                          <a:effectLst/>
+                        </a:rPr>
+                        <a:t>repsuc</a:t>
+                      </a:r>
+                      <a:endParaRPr lang="en-US" sz="800" b="1" i="0" u="none" strike="noStrike" dirty="0">
+                        <a:solidFill>
+                          <a:srgbClr val="000000"/>
+                        </a:solidFill>
+                        <a:effectLst/>
+                        <a:latin typeface="Calibri" panose="020F0502020204030204" pitchFamily="34" charset="0"/>
+                      </a:endParaRPr>
+                    </a:p>
+                  </a:txBody>
+                  <a:tcPr marL="0" marR="0" marT="0" marB="0" anchor="b"/>
+                </a:tc>
+                <a:tc>
+                  <a:txBody>
+                    <a:bodyPr/>
+                    <a:lstStyle/>
+                    <a:p>
+                      <a:pPr algn="l" fontAlgn="b"/>
+                      <a:r>
+                        <a:rPr lang="en-US" sz="800" u="none" strike="noStrike">
+                          <a:effectLst/>
+                        </a:rPr>
+                        <a:t>pop</a:t>
+                      </a:r>
+                      <a:endParaRPr lang="en-US" sz="800" b="1" i="0" u="none" strike="noStrike">
+                        <a:solidFill>
+                          <a:srgbClr val="000000"/>
+                        </a:solidFill>
+                        <a:effectLst/>
+                        <a:latin typeface="Calibri" panose="020F0502020204030204" pitchFamily="34" charset="0"/>
+                      </a:endParaRPr>
+                    </a:p>
+                  </a:txBody>
+                  <a:tcPr marL="0" marR="0" marT="0" marB="0" anchor="b"/>
+                </a:tc>
+                <a:tc>
+                  <a:txBody>
+                    <a:bodyPr/>
+                    <a:lstStyle/>
+                    <a:p>
+                      <a:pPr algn="l" fontAlgn="b"/>
+                      <a:r>
+                        <a:rPr lang="en-US" sz="800" u="none" strike="noStrike" dirty="0">
+                          <a:effectLst/>
+                        </a:rPr>
+                        <a:t>parameters</a:t>
+                      </a:r>
+                      <a:endParaRPr lang="en-US" sz="800" b="1" i="0" u="none" strike="noStrike" dirty="0">
+                        <a:solidFill>
+                          <a:srgbClr val="000000"/>
+                        </a:solidFill>
+                        <a:effectLst/>
+                        <a:latin typeface="Calibri" panose="020F0502020204030204" pitchFamily="34" charset="0"/>
+                      </a:endParaRPr>
+                    </a:p>
+                  </a:txBody>
+                  <a:tcPr marL="0" marR="0" marT="0" marB="0" anchor="b"/>
+                </a:tc>
+                <a:tc>
+                  <a:txBody>
+                    <a:bodyPr/>
+                    <a:lstStyle/>
+                    <a:p>
+                      <a:pPr algn="l" fontAlgn="b"/>
+                      <a:r>
+                        <a:rPr lang="en-US" sz="800" u="none" strike="noStrike" dirty="0" err="1">
+                          <a:effectLst/>
+                        </a:rPr>
+                        <a:t>nmig</a:t>
+                      </a:r>
+                      <a:endParaRPr lang="en-US" sz="800" b="1" i="0" u="none" strike="noStrike" dirty="0">
+                        <a:solidFill>
+                          <a:srgbClr val="000000"/>
+                        </a:solidFill>
+                        <a:effectLst/>
+                        <a:latin typeface="Calibri" panose="020F0502020204030204" pitchFamily="34" charset="0"/>
+                      </a:endParaRPr>
+                    </a:p>
+                  </a:txBody>
+                  <a:tcPr marL="0" marR="0" marT="0" marB="0" anchor="b"/>
+                </a:tc>
+                <a:tc>
+                  <a:txBody>
+                    <a:bodyPr/>
+                    <a:lstStyle/>
+                    <a:p>
+                      <a:pPr algn="l" fontAlgn="b"/>
+                      <a:r>
+                        <a:rPr lang="en-US" sz="800" u="none" strike="noStrike">
+                          <a:effectLst/>
+                        </a:rPr>
+                        <a:t>heteroz of source</a:t>
+                      </a:r>
+                      <a:endParaRPr lang="en-US" sz="800" b="1" i="0" u="none" strike="noStrike">
+                        <a:solidFill>
+                          <a:srgbClr val="000000"/>
+                        </a:solidFill>
+                        <a:effectLst/>
+                        <a:latin typeface="Calibri" panose="020F0502020204030204" pitchFamily="34" charset="0"/>
+                      </a:endParaRPr>
+                    </a:p>
+                  </a:txBody>
+                  <a:tcPr marL="0" marR="0" marT="0" marB="0" anchor="b"/>
+                </a:tc>
+                <a:tc>
+                  <a:txBody>
+                    <a:bodyPr/>
+                    <a:lstStyle/>
+                    <a:p>
+                      <a:pPr algn="l" fontAlgn="b"/>
+                      <a:r>
+                        <a:rPr lang="en-US" sz="800" u="none" strike="noStrike">
+                          <a:effectLst/>
+                        </a:rPr>
+                        <a:t>minor allel freq FOCAL</a:t>
+                      </a:r>
+                      <a:endParaRPr lang="en-US" sz="800" b="1" i="0" u="none" strike="noStrike">
+                        <a:solidFill>
+                          <a:srgbClr val="000000"/>
+                        </a:solidFill>
+                        <a:effectLst/>
+                        <a:latin typeface="Calibri" panose="020F0502020204030204" pitchFamily="34" charset="0"/>
+                      </a:endParaRPr>
+                    </a:p>
+                  </a:txBody>
+                  <a:tcPr marL="0" marR="0" marT="0" marB="0" anchor="b"/>
+                </a:tc>
+                <a:tc>
+                  <a:txBody>
+                    <a:bodyPr/>
+                    <a:lstStyle/>
+                    <a:p>
+                      <a:pPr algn="l" fontAlgn="b"/>
+                      <a:r>
+                        <a:rPr lang="en-US" sz="800" u="none" strike="noStrike" dirty="0">
+                          <a:effectLst/>
+                        </a:rPr>
+                        <a:t>n replicates</a:t>
+                      </a:r>
+                      <a:endParaRPr lang="en-US" sz="800" b="1" i="0" u="none" strike="noStrike" dirty="0">
+                        <a:solidFill>
+                          <a:srgbClr val="000000"/>
+                        </a:solidFill>
+                        <a:effectLst/>
+                        <a:latin typeface="Calibri" panose="020F0502020204030204" pitchFamily="34" charset="0"/>
+                      </a:endParaRPr>
+                    </a:p>
+                  </a:txBody>
+                  <a:tcPr marL="0" marR="0" marT="0" marB="0" anchor="b"/>
+                </a:tc>
+                <a:tc>
+                  <a:txBody>
+                    <a:bodyPr/>
+                    <a:lstStyle/>
+                    <a:p>
+                      <a:pPr algn="l" fontAlgn="b"/>
+                      <a:r>
+                        <a:rPr lang="en-US" sz="800" u="none" strike="noStrike">
+                          <a:effectLst/>
+                        </a:rPr>
+                        <a:t>dropK</a:t>
+                      </a:r>
+                      <a:endParaRPr lang="en-US" sz="800" b="1" i="0" u="none" strike="noStrike">
+                        <a:solidFill>
+                          <a:srgbClr val="000000"/>
+                        </a:solidFill>
+                        <a:effectLst/>
+                        <a:latin typeface="Calibri" panose="020F0502020204030204" pitchFamily="34" charset="0"/>
+                      </a:endParaRPr>
+                    </a:p>
+                  </a:txBody>
+                  <a:tcPr marL="0" marR="0" marT="0" marB="0" anchor="b"/>
+                </a:tc>
+                <a:tc>
+                  <a:txBody>
+                    <a:bodyPr/>
+                    <a:lstStyle/>
+                    <a:p>
+                      <a:pPr algn="l" fontAlgn="b"/>
+                      <a:r>
+                        <a:rPr lang="en-US" sz="800" u="none" strike="noStrike">
+                          <a:effectLst/>
+                        </a:rPr>
+                        <a:t>k</a:t>
+                      </a:r>
+                      <a:endParaRPr lang="en-US" sz="800" b="1" i="0" u="none" strike="noStrike">
+                        <a:solidFill>
+                          <a:srgbClr val="000000"/>
+                        </a:solidFill>
+                        <a:effectLst/>
+                        <a:latin typeface="Calibri" panose="020F0502020204030204" pitchFamily="34" charset="0"/>
+                      </a:endParaRPr>
+                    </a:p>
+                  </a:txBody>
+                  <a:tcPr marL="0" marR="0" marT="0" marB="0" anchor="b"/>
+                </a:tc>
+                <a:tc>
+                  <a:txBody>
+                    <a:bodyPr/>
+                    <a:lstStyle/>
+                    <a:p>
+                      <a:pPr algn="l" fontAlgn="b"/>
+                      <a:r>
+                        <a:rPr lang="en-US" sz="800" u="none" strike="noStrike" dirty="0" err="1">
+                          <a:effectLst/>
+                        </a:rPr>
+                        <a:t>nSNP</a:t>
+                      </a:r>
+                      <a:endParaRPr lang="en-US" sz="800" b="1" i="0" u="none" strike="noStrike" dirty="0">
+                        <a:solidFill>
+                          <a:srgbClr val="000000"/>
+                        </a:solidFill>
+                        <a:effectLst/>
+                        <a:latin typeface="Calibri" panose="020F0502020204030204" pitchFamily="34" charset="0"/>
+                      </a:endParaRPr>
+                    </a:p>
+                  </a:txBody>
+                  <a:tcPr marL="0" marR="0" marT="0" marB="0" anchor="b"/>
+                </a:tc>
+                <a:tc>
+                  <a:txBody>
+                    <a:bodyPr/>
+                    <a:lstStyle/>
+                    <a:p>
+                      <a:pPr algn="l" fontAlgn="b"/>
+                      <a:r>
+                        <a:rPr lang="en-US" sz="800" u="none" strike="noStrike" dirty="0" err="1">
+                          <a:effectLst/>
+                        </a:rPr>
+                        <a:t>drp</a:t>
+                      </a:r>
+                      <a:endParaRPr lang="en-US" sz="800" b="1" i="0" u="none" strike="noStrike" dirty="0">
+                        <a:solidFill>
+                          <a:srgbClr val="000000"/>
+                        </a:solidFill>
+                        <a:effectLst/>
+                        <a:latin typeface="Calibri" panose="020F0502020204030204" pitchFamily="34" charset="0"/>
+                      </a:endParaRPr>
+                    </a:p>
+                  </a:txBody>
+                  <a:tcPr marL="0" marR="0" marT="0" marB="0" anchor="b"/>
+                </a:tc>
+                <a:tc>
+                  <a:txBody>
+                    <a:bodyPr/>
+                    <a:lstStyle/>
+                    <a:p>
+                      <a:pPr algn="l" fontAlgn="b"/>
+                      <a:r>
+                        <a:rPr lang="en-US" sz="800" u="none" strike="noStrike" dirty="0">
+                          <a:effectLst/>
+                        </a:rPr>
+                        <a:t>dur</a:t>
+                      </a:r>
+                      <a:endParaRPr lang="en-US" sz="800" b="1" i="0" u="none" strike="noStrike" dirty="0">
+                        <a:solidFill>
+                          <a:srgbClr val="000000"/>
+                        </a:solidFill>
+                        <a:effectLst/>
+                        <a:latin typeface="Calibri" panose="020F0502020204030204" pitchFamily="34" charset="0"/>
+                      </a:endParaRPr>
+                    </a:p>
+                  </a:txBody>
+                  <a:tcPr marL="0" marR="0" marT="0" marB="0" anchor="b"/>
+                </a:tc>
+                <a:tc>
+                  <a:txBody>
+                    <a:bodyPr/>
+                    <a:lstStyle/>
+                    <a:p>
+                      <a:pPr algn="l" fontAlgn="b"/>
+                      <a:r>
+                        <a:rPr lang="en-US" sz="800" u="none" strike="noStrike" dirty="0" err="1">
+                          <a:effectLst/>
+                        </a:rPr>
+                        <a:t>maxage</a:t>
+                      </a:r>
+                      <a:endParaRPr lang="en-US" sz="800" b="1" i="0" u="none" strike="noStrike" dirty="0">
+                        <a:solidFill>
+                          <a:srgbClr val="000000"/>
+                        </a:solidFill>
+                        <a:effectLst/>
+                        <a:latin typeface="Calibri" panose="020F0502020204030204" pitchFamily="34" charset="0"/>
+                      </a:endParaRPr>
+                    </a:p>
+                  </a:txBody>
+                  <a:tcPr marL="0" marR="0" marT="0" marB="0" anchor="b"/>
+                </a:tc>
+                <a:tc>
+                  <a:txBody>
+                    <a:bodyPr/>
+                    <a:lstStyle/>
+                    <a:p>
+                      <a:pPr algn="l" fontAlgn="b"/>
+                      <a:r>
+                        <a:rPr lang="en-US" sz="800" u="none" strike="noStrike">
+                          <a:effectLst/>
+                        </a:rPr>
+                        <a:t>broodsize</a:t>
+                      </a:r>
+                      <a:endParaRPr lang="en-US" sz="800" b="1" i="0" u="none" strike="noStrike">
+                        <a:solidFill>
+                          <a:srgbClr val="000000"/>
+                        </a:solidFill>
+                        <a:effectLst/>
+                        <a:latin typeface="Calibri" panose="020F0502020204030204" pitchFamily="34" charset="0"/>
+                      </a:endParaRPr>
+                    </a:p>
+                  </a:txBody>
+                  <a:tcPr marL="0" marR="0" marT="0" marB="0" anchor="b"/>
+                </a:tc>
+                <a:tc>
+                  <a:txBody>
+                    <a:bodyPr/>
+                    <a:lstStyle/>
+                    <a:p>
+                      <a:pPr algn="l" fontAlgn="b"/>
+                      <a:r>
+                        <a:rPr lang="en-US" sz="800" u="none" strike="noStrike" dirty="0">
+                          <a:effectLst/>
+                        </a:rPr>
+                        <a:t>maturity</a:t>
+                      </a:r>
+                      <a:endParaRPr lang="en-US" sz="800" b="1" i="0" u="none" strike="noStrike" dirty="0">
+                        <a:solidFill>
+                          <a:srgbClr val="000000"/>
+                        </a:solidFill>
+                        <a:effectLst/>
+                        <a:latin typeface="Calibri" panose="020F0502020204030204" pitchFamily="34" charset="0"/>
+                      </a:endParaRPr>
+                    </a:p>
+                  </a:txBody>
+                  <a:tcPr marL="0" marR="0" marT="0" marB="0" anchor="b"/>
+                </a:tc>
+                <a:tc>
+                  <a:txBody>
+                    <a:bodyPr/>
+                    <a:lstStyle/>
+                    <a:p>
+                      <a:pPr algn="l" fontAlgn="b"/>
+                      <a:r>
+                        <a:rPr lang="en-US" sz="800" u="none" strike="noStrike" dirty="0">
+                          <a:effectLst/>
+                        </a:rPr>
+                        <a:t>years</a:t>
+                      </a:r>
+                      <a:endParaRPr lang="en-US" sz="800" b="1" i="0" u="none" strike="noStrike" dirty="0">
+                        <a:solidFill>
+                          <a:srgbClr val="000000"/>
+                        </a:solidFill>
+                        <a:effectLst/>
+                        <a:latin typeface="Calibri" panose="020F0502020204030204" pitchFamily="34" charset="0"/>
+                      </a:endParaRPr>
+                    </a:p>
+                  </a:txBody>
+                  <a:tcPr marL="0" marR="0" marT="0" marB="0" anchor="b"/>
+                </a:tc>
+                <a:tc>
+                  <a:txBody>
+                    <a:bodyPr/>
+                    <a:lstStyle/>
+                    <a:p>
+                      <a:pPr algn="l" fontAlgn="b"/>
+                      <a:r>
+                        <a:rPr lang="en-US" sz="800" u="none" strike="noStrike">
+                          <a:effectLst/>
+                        </a:rPr>
+                        <a:t>r0</a:t>
+                      </a:r>
+                      <a:endParaRPr lang="en-US" sz="800" b="1" i="0" u="none" strike="noStrike">
+                        <a:solidFill>
+                          <a:srgbClr val="000000"/>
+                        </a:solidFill>
+                        <a:effectLst/>
+                        <a:latin typeface="Calibri" panose="020F0502020204030204" pitchFamily="34" charset="0"/>
+                      </a:endParaRPr>
+                    </a:p>
+                  </a:txBody>
+                  <a:tcPr marL="0" marR="0" marT="0" marB="0" anchor="b"/>
+                </a:tc>
+                <a:tc>
+                  <a:txBody>
+                    <a:bodyPr/>
+                    <a:lstStyle/>
+                    <a:p>
+                      <a:pPr algn="l" fontAlgn="b"/>
+                      <a:r>
+                        <a:rPr lang="en-US" sz="800" u="none" strike="noStrike" dirty="0" err="1">
+                          <a:effectLst/>
+                        </a:rPr>
+                        <a:t>ratemort</a:t>
+                      </a:r>
+                      <a:endParaRPr lang="en-US" sz="800" b="1" i="0" u="none" strike="noStrike" dirty="0">
+                        <a:solidFill>
+                          <a:srgbClr val="000000"/>
+                        </a:solidFill>
+                        <a:effectLst/>
+                        <a:latin typeface="Calibri" panose="020F0502020204030204" pitchFamily="34" charset="0"/>
+                      </a:endParaRPr>
+                    </a:p>
+                  </a:txBody>
+                  <a:tcPr marL="0" marR="0" marT="0" marB="0" anchor="b"/>
+                </a:tc>
+                <a:tc>
+                  <a:txBody>
+                    <a:bodyPr/>
+                    <a:lstStyle/>
+                    <a:p>
+                      <a:pPr algn="l" fontAlgn="b"/>
+                      <a:r>
+                        <a:rPr lang="en-US" sz="800" u="none" strike="noStrike" dirty="0" err="1">
+                          <a:effectLst/>
+                        </a:rPr>
+                        <a:t>nSNP.mig</a:t>
+                      </a:r>
+                      <a:endParaRPr lang="en-US" sz="800" b="1" i="0" u="none" strike="noStrike" dirty="0">
+                        <a:solidFill>
+                          <a:srgbClr val="000000"/>
+                        </a:solidFill>
+                        <a:effectLst/>
+                        <a:latin typeface="Calibri" panose="020F0502020204030204" pitchFamily="34" charset="0"/>
+                      </a:endParaRPr>
+                    </a:p>
+                  </a:txBody>
+                  <a:tcPr marL="0" marR="0" marT="0" marB="0" anchor="b"/>
+                </a:tc>
+                <a:tc>
+                  <a:txBody>
+                    <a:bodyPr/>
+                    <a:lstStyle/>
+                    <a:p>
+                      <a:pPr algn="l" fontAlgn="b"/>
+                      <a:r>
+                        <a:rPr lang="en-US" sz="800" u="none" strike="noStrike" dirty="0" err="1">
+                          <a:effectLst/>
+                        </a:rPr>
+                        <a:t>nSNP.cons</a:t>
+                      </a:r>
+                      <a:endParaRPr lang="en-US" sz="800" b="1" i="0" u="none" strike="noStrike" dirty="0">
+                        <a:solidFill>
+                          <a:srgbClr val="000000"/>
+                        </a:solidFill>
+                        <a:effectLst/>
+                        <a:latin typeface="Calibri" panose="020F0502020204030204" pitchFamily="34" charset="0"/>
+                      </a:endParaRPr>
+                    </a:p>
+                  </a:txBody>
+                  <a:tcPr marL="0" marR="0" marT="0" marB="0" anchor="b"/>
+                </a:tc>
+                <a:extLst>
+                  <a:ext uri="{0D108BD9-81ED-4DB2-BD59-A6C34878D82A}">
+                    <a16:rowId xmlns:a16="http://schemas.microsoft.com/office/drawing/2014/main" val="389614615"/>
+                  </a:ext>
+                </a:extLst>
+              </a:tr>
+              <a:tr h="135435">
+                <a:tc>
+                  <a:txBody>
+                    <a:bodyPr/>
+                    <a:lstStyle/>
+                    <a:p>
+                      <a:pPr algn="l" fontAlgn="b"/>
+                      <a:r>
+                        <a:rPr lang="en-US" sz="800" u="none" strike="noStrike">
+                          <a:effectLst/>
+                        </a:rPr>
+                        <a:t>run_a</a:t>
+                      </a:r>
+                      <a:endParaRPr lang="en-US" sz="800" b="0" i="0" u="none" strike="noStrike">
+                        <a:solidFill>
+                          <a:srgbClr val="000000"/>
+                        </a:solidFill>
+                        <a:effectLst/>
+                        <a:latin typeface="Calibri" panose="020F0502020204030204" pitchFamily="34" charset="0"/>
+                      </a:endParaRPr>
+                    </a:p>
+                  </a:txBody>
+                  <a:tcPr marL="0" marR="0" marT="0" marB="0" anchor="b"/>
+                </a:tc>
+                <a:tc>
+                  <a:txBody>
+                    <a:bodyPr/>
+                    <a:lstStyle/>
+                    <a:p>
+                      <a:pPr algn="l" fontAlgn="b"/>
+                      <a:endParaRPr lang="en-US" sz="800" b="0" i="0" u="none" strike="noStrike">
+                        <a:solidFill>
+                          <a:srgbClr val="000000"/>
+                        </a:solidFill>
+                        <a:effectLst/>
+                        <a:latin typeface="Calibri" panose="020F0502020204030204" pitchFamily="34" charset="0"/>
+                      </a:endParaRPr>
+                    </a:p>
+                  </a:txBody>
+                  <a:tcPr marL="0" marR="0" marT="0" marB="0" anchor="b"/>
+                </a:tc>
+                <a:tc>
+                  <a:txBody>
+                    <a:bodyPr/>
+                    <a:lstStyle/>
+                    <a:p>
+                      <a:pPr algn="l" fontAlgn="b"/>
+                      <a:endParaRPr lang="en-US" sz="800" b="0" i="0" u="none" strike="noStrike">
+                        <a:solidFill>
+                          <a:srgbClr val="000000"/>
+                        </a:solidFill>
+                        <a:effectLst/>
+                        <a:latin typeface="Calibri" panose="020F0502020204030204" pitchFamily="34" charset="0"/>
+                      </a:endParaRPr>
+                    </a:p>
+                  </a:txBody>
+                  <a:tcPr marL="0" marR="0" marT="0" marB="0" anchor="b"/>
+                </a:tc>
+                <a:tc>
+                  <a:txBody>
+                    <a:bodyPr/>
+                    <a:lstStyle/>
+                    <a:p>
+                      <a:pPr algn="l" fontAlgn="b"/>
+                      <a:endParaRPr lang="en-US" sz="800" b="0" i="0" u="none" strike="noStrike">
+                        <a:solidFill>
+                          <a:srgbClr val="000000"/>
+                        </a:solidFill>
+                        <a:effectLst/>
+                        <a:latin typeface="Calibri" panose="020F0502020204030204" pitchFamily="34" charset="0"/>
+                      </a:endParaRPr>
+                    </a:p>
+                  </a:txBody>
+                  <a:tcPr marL="0" marR="0" marT="0" marB="0" anchor="b"/>
+                </a:tc>
+                <a:tc>
+                  <a:txBody>
+                    <a:bodyPr/>
+                    <a:lstStyle/>
+                    <a:p>
+                      <a:pPr algn="l" fontAlgn="b"/>
+                      <a:endParaRPr lang="en-US" sz="800" b="0" i="0" u="none" strike="noStrike">
+                        <a:solidFill>
+                          <a:srgbClr val="000000"/>
+                        </a:solidFill>
+                        <a:effectLst/>
+                        <a:latin typeface="Calibri" panose="020F0502020204030204" pitchFamily="34" charset="0"/>
+                      </a:endParaRPr>
+                    </a:p>
+                  </a:txBody>
+                  <a:tcPr marL="0" marR="0" marT="0" marB="0" anchor="b"/>
+                </a:tc>
+                <a:tc>
+                  <a:txBody>
+                    <a:bodyPr/>
+                    <a:lstStyle/>
+                    <a:p>
+                      <a:pPr algn="l" fontAlgn="b"/>
+                      <a:r>
+                        <a:rPr lang="en-US" sz="800" u="none" strike="noStrike">
+                          <a:effectLst/>
+                        </a:rPr>
+                        <a:t>all 4</a:t>
+                      </a:r>
+                      <a:endParaRPr lang="en-US" sz="800" b="0" i="0" u="none" strike="noStrike">
+                        <a:solidFill>
+                          <a:srgbClr val="000000"/>
+                        </a:solidFill>
+                        <a:effectLst/>
+                        <a:latin typeface="Calibri" panose="020F0502020204030204" pitchFamily="34" charset="0"/>
+                      </a:endParaRPr>
+                    </a:p>
+                  </a:txBody>
+                  <a:tcPr marL="0" marR="0" marT="0" marB="0" anchor="b"/>
+                </a:tc>
+                <a:tc>
+                  <a:txBody>
+                    <a:bodyPr/>
+                    <a:lstStyle/>
+                    <a:p>
+                      <a:pPr algn="r" fontAlgn="b"/>
+                      <a:r>
+                        <a:rPr lang="en-US" sz="800" u="none" strike="noStrike">
+                          <a:effectLst/>
+                        </a:rPr>
+                        <a:t>0.07</a:t>
+                      </a:r>
+                      <a:endParaRPr lang="en-US" sz="800" b="0" i="0" u="none" strike="noStrike">
+                        <a:solidFill>
+                          <a:srgbClr val="000000"/>
+                        </a:solidFill>
+                        <a:effectLst/>
+                        <a:latin typeface="Calibri" panose="020F0502020204030204" pitchFamily="34" charset="0"/>
+                      </a:endParaRPr>
+                    </a:p>
+                  </a:txBody>
+                  <a:tcPr marL="0" marR="0" marT="0" marB="0" anchor="b"/>
+                </a:tc>
+                <a:tc>
+                  <a:txBody>
+                    <a:bodyPr/>
+                    <a:lstStyle/>
+                    <a:p>
+                      <a:pPr algn="r" fontAlgn="b"/>
+                      <a:r>
+                        <a:rPr lang="en-US" sz="800" u="none" strike="noStrike">
+                          <a:effectLst/>
+                        </a:rPr>
+                        <a:t>0.45</a:t>
+                      </a:r>
+                      <a:endParaRPr lang="en-US" sz="800" b="0" i="0" u="none" strike="noStrike">
+                        <a:solidFill>
+                          <a:srgbClr val="000000"/>
+                        </a:solidFill>
+                        <a:effectLst/>
+                        <a:latin typeface="Calibri" panose="020F0502020204030204" pitchFamily="34" charset="0"/>
+                      </a:endParaRPr>
+                    </a:p>
+                  </a:txBody>
+                  <a:tcPr marL="0" marR="0" marT="0" marB="0" anchor="b"/>
+                </a:tc>
+                <a:tc>
+                  <a:txBody>
+                    <a:bodyPr/>
+                    <a:lstStyle/>
+                    <a:p>
+                      <a:pPr algn="r" fontAlgn="b"/>
+                      <a:r>
+                        <a:rPr lang="en-US" sz="800" u="none" strike="noStrike">
+                          <a:effectLst/>
+                        </a:rPr>
+                        <a:t>1</a:t>
+                      </a:r>
+                      <a:endParaRPr lang="en-US" sz="800" b="0" i="0" u="none" strike="noStrike">
+                        <a:solidFill>
+                          <a:srgbClr val="000000"/>
+                        </a:solidFill>
+                        <a:effectLst/>
+                        <a:latin typeface="Calibri" panose="020F0502020204030204" pitchFamily="34" charset="0"/>
+                      </a:endParaRPr>
+                    </a:p>
+                  </a:txBody>
+                  <a:tcPr marL="0" marR="0" marT="0" marB="0" anchor="b"/>
+                </a:tc>
+                <a:tc>
+                  <a:txBody>
+                    <a:bodyPr/>
+                    <a:lstStyle/>
+                    <a:p>
+                      <a:pPr algn="r" fontAlgn="b"/>
+                      <a:r>
+                        <a:rPr lang="en-US" sz="800" u="none" strike="noStrike">
+                          <a:effectLst/>
+                        </a:rPr>
+                        <a:t>300</a:t>
+                      </a:r>
+                      <a:endParaRPr lang="en-US" sz="800" b="0" i="0" u="none" strike="noStrike">
+                        <a:solidFill>
+                          <a:srgbClr val="000000"/>
+                        </a:solidFill>
+                        <a:effectLst/>
+                        <a:latin typeface="Calibri" panose="020F0502020204030204" pitchFamily="34" charset="0"/>
+                      </a:endParaRPr>
+                    </a:p>
+                  </a:txBody>
+                  <a:tcPr marL="0" marR="0" marT="0" marB="0" anchor="b"/>
+                </a:tc>
+                <a:tc>
+                  <a:txBody>
+                    <a:bodyPr/>
+                    <a:lstStyle/>
+                    <a:p>
+                      <a:pPr algn="r" fontAlgn="b"/>
+                      <a:r>
+                        <a:rPr lang="en-US" sz="800" u="none" strike="noStrike">
+                          <a:effectLst/>
+                        </a:rPr>
+                        <a:t>1000</a:t>
+                      </a:r>
+                      <a:endParaRPr lang="en-US" sz="800" b="0" i="0" u="none" strike="noStrike">
+                        <a:solidFill>
+                          <a:srgbClr val="000000"/>
+                        </a:solidFill>
+                        <a:effectLst/>
+                        <a:latin typeface="Calibri" panose="020F0502020204030204" pitchFamily="34" charset="0"/>
+                      </a:endParaRPr>
+                    </a:p>
+                  </a:txBody>
+                  <a:tcPr marL="0" marR="0" marT="0" marB="0" anchor="b"/>
+                </a:tc>
+                <a:tc>
+                  <a:txBody>
+                    <a:bodyPr/>
+                    <a:lstStyle/>
+                    <a:p>
+                      <a:pPr algn="r" fontAlgn="b"/>
+                      <a:r>
+                        <a:rPr lang="en-US" sz="800" u="none" strike="noStrike">
+                          <a:effectLst/>
+                        </a:rPr>
+                        <a:t>1000</a:t>
+                      </a:r>
+                      <a:endParaRPr lang="en-US" sz="800" b="0" i="0" u="none" strike="noStrike">
+                        <a:solidFill>
+                          <a:srgbClr val="000000"/>
+                        </a:solidFill>
+                        <a:effectLst/>
+                        <a:latin typeface="Calibri" panose="020F0502020204030204" pitchFamily="34" charset="0"/>
+                      </a:endParaRPr>
+                    </a:p>
+                  </a:txBody>
+                  <a:tcPr marL="0" marR="0" marT="0" marB="0" anchor="b"/>
+                </a:tc>
+                <a:tc>
+                  <a:txBody>
+                    <a:bodyPr/>
+                    <a:lstStyle/>
+                    <a:p>
+                      <a:pPr algn="r" fontAlgn="b"/>
+                      <a:r>
+                        <a:rPr lang="en-US" sz="800" u="none" strike="noStrike">
+                          <a:effectLst/>
+                        </a:rPr>
+                        <a:t>10</a:t>
+                      </a:r>
+                      <a:endParaRPr lang="en-US" sz="800" b="0" i="0" u="none" strike="noStrike">
+                        <a:solidFill>
+                          <a:srgbClr val="000000"/>
+                        </a:solidFill>
+                        <a:effectLst/>
+                        <a:latin typeface="Calibri" panose="020F0502020204030204" pitchFamily="34" charset="0"/>
+                      </a:endParaRPr>
+                    </a:p>
+                  </a:txBody>
+                  <a:tcPr marL="0" marR="0" marT="0" marB="0" anchor="b"/>
+                </a:tc>
+                <a:tc>
+                  <a:txBody>
+                    <a:bodyPr/>
+                    <a:lstStyle/>
+                    <a:p>
+                      <a:pPr algn="r" fontAlgn="b"/>
+                      <a:r>
+                        <a:rPr lang="en-US" sz="800" u="none" strike="noStrike">
+                          <a:effectLst/>
+                        </a:rPr>
+                        <a:t>40</a:t>
+                      </a:r>
+                      <a:endParaRPr lang="en-US" sz="800" b="0" i="0" u="none" strike="noStrike">
+                        <a:solidFill>
+                          <a:srgbClr val="000000"/>
+                        </a:solidFill>
+                        <a:effectLst/>
+                        <a:latin typeface="Calibri" panose="020F0502020204030204" pitchFamily="34" charset="0"/>
+                      </a:endParaRPr>
+                    </a:p>
+                  </a:txBody>
+                  <a:tcPr marL="0" marR="0" marT="0" marB="0" anchor="b"/>
+                </a:tc>
+                <a:tc>
+                  <a:txBody>
+                    <a:bodyPr/>
+                    <a:lstStyle/>
+                    <a:p>
+                      <a:pPr algn="r" fontAlgn="b"/>
+                      <a:r>
+                        <a:rPr lang="en-US" sz="800" u="none" strike="noStrike">
+                          <a:effectLst/>
+                        </a:rPr>
+                        <a:t>9</a:t>
+                      </a:r>
+                      <a:endParaRPr lang="en-US" sz="800" b="0" i="0" u="none" strike="noStrike">
+                        <a:solidFill>
+                          <a:srgbClr val="000000"/>
+                        </a:solidFill>
+                        <a:effectLst/>
+                        <a:latin typeface="Calibri" panose="020F0502020204030204" pitchFamily="34" charset="0"/>
+                      </a:endParaRPr>
+                    </a:p>
+                  </a:txBody>
+                  <a:tcPr marL="0" marR="0" marT="0" marB="0" anchor="b"/>
+                </a:tc>
+                <a:tc>
+                  <a:txBody>
+                    <a:bodyPr/>
+                    <a:lstStyle/>
+                    <a:p>
+                      <a:pPr algn="r" fontAlgn="b"/>
+                      <a:r>
+                        <a:rPr lang="en-US" sz="800" u="none" strike="noStrike">
+                          <a:effectLst/>
+                        </a:rPr>
+                        <a:t>2</a:t>
+                      </a:r>
+                      <a:endParaRPr lang="en-US" sz="800" b="0" i="0" u="none" strike="noStrike">
+                        <a:solidFill>
+                          <a:srgbClr val="000000"/>
+                        </a:solidFill>
+                        <a:effectLst/>
+                        <a:latin typeface="Calibri" panose="020F0502020204030204" pitchFamily="34" charset="0"/>
+                      </a:endParaRPr>
+                    </a:p>
+                  </a:txBody>
+                  <a:tcPr marL="0" marR="0" marT="0" marB="0" anchor="b"/>
+                </a:tc>
+                <a:tc>
+                  <a:txBody>
+                    <a:bodyPr/>
+                    <a:lstStyle/>
+                    <a:p>
+                      <a:pPr algn="r" fontAlgn="b"/>
+                      <a:r>
+                        <a:rPr lang="en-US" sz="800" u="none" strike="noStrike">
+                          <a:effectLst/>
+                        </a:rPr>
+                        <a:t>1</a:t>
+                      </a:r>
+                      <a:endParaRPr lang="en-US" sz="800" b="0" i="0" u="none" strike="noStrike">
+                        <a:solidFill>
+                          <a:srgbClr val="000000"/>
+                        </a:solidFill>
+                        <a:effectLst/>
+                        <a:latin typeface="Calibri" panose="020F0502020204030204" pitchFamily="34" charset="0"/>
+                      </a:endParaRPr>
+                    </a:p>
+                  </a:txBody>
+                  <a:tcPr marL="0" marR="0" marT="0" marB="0" anchor="b"/>
+                </a:tc>
+                <a:tc>
+                  <a:txBody>
+                    <a:bodyPr/>
+                    <a:lstStyle/>
+                    <a:p>
+                      <a:pPr algn="r" fontAlgn="b"/>
+                      <a:r>
+                        <a:rPr lang="en-US" sz="800" u="none" strike="noStrike">
+                          <a:effectLst/>
+                        </a:rPr>
+                        <a:t>350</a:t>
+                      </a:r>
+                      <a:endParaRPr lang="en-US" sz="800" b="0" i="0" u="none" strike="noStrike">
+                        <a:solidFill>
+                          <a:srgbClr val="000000"/>
+                        </a:solidFill>
+                        <a:effectLst/>
+                        <a:latin typeface="Calibri" panose="020F0502020204030204" pitchFamily="34" charset="0"/>
+                      </a:endParaRPr>
+                    </a:p>
+                  </a:txBody>
+                  <a:tcPr marL="0" marR="0" marT="0" marB="0" anchor="b"/>
+                </a:tc>
+                <a:tc>
+                  <a:txBody>
+                    <a:bodyPr/>
+                    <a:lstStyle/>
+                    <a:p>
+                      <a:pPr algn="r" fontAlgn="b"/>
+                      <a:r>
+                        <a:rPr lang="en-US" sz="800" u="none" strike="noStrike">
+                          <a:effectLst/>
+                        </a:rPr>
+                        <a:t>1</a:t>
+                      </a:r>
+                      <a:endParaRPr lang="en-US" sz="800" b="0" i="0" u="none" strike="noStrike">
+                        <a:solidFill>
+                          <a:srgbClr val="000000"/>
+                        </a:solidFill>
+                        <a:effectLst/>
+                        <a:latin typeface="Calibri" panose="020F0502020204030204" pitchFamily="34" charset="0"/>
+                      </a:endParaRPr>
+                    </a:p>
+                  </a:txBody>
+                  <a:tcPr marL="0" marR="0" marT="0" marB="0" anchor="b"/>
+                </a:tc>
+                <a:tc>
+                  <a:txBody>
+                    <a:bodyPr/>
+                    <a:lstStyle/>
+                    <a:p>
+                      <a:pPr algn="l" fontAlgn="b"/>
+                      <a:endParaRPr lang="en-US" sz="800" b="0" i="0" u="none" strike="noStrike">
+                        <a:solidFill>
+                          <a:srgbClr val="000000"/>
+                        </a:solidFill>
+                        <a:effectLst/>
+                        <a:latin typeface="Calibri" panose="020F0502020204030204" pitchFamily="34" charset="0"/>
+                      </a:endParaRPr>
+                    </a:p>
+                  </a:txBody>
+                  <a:tcPr marL="0" marR="0" marT="0" marB="0" anchor="b"/>
+                </a:tc>
+                <a:tc>
+                  <a:txBody>
+                    <a:bodyPr/>
+                    <a:lstStyle/>
+                    <a:p>
+                      <a:pPr algn="r" fontAlgn="b"/>
+                      <a:r>
+                        <a:rPr lang="en-US" sz="800" u="none" strike="noStrike">
+                          <a:effectLst/>
+                        </a:rPr>
+                        <a:t>100</a:t>
+                      </a:r>
+                      <a:endParaRPr lang="en-US" sz="800" b="0" i="0" u="none" strike="noStrike">
+                        <a:solidFill>
+                          <a:srgbClr val="000000"/>
+                        </a:solidFill>
+                        <a:effectLst/>
+                        <a:latin typeface="Calibri" panose="020F0502020204030204" pitchFamily="34" charset="0"/>
+                      </a:endParaRPr>
+                    </a:p>
+                  </a:txBody>
+                  <a:tcPr marL="0" marR="0" marT="0" marB="0" anchor="b"/>
+                </a:tc>
+                <a:tc>
+                  <a:txBody>
+                    <a:bodyPr/>
+                    <a:lstStyle/>
+                    <a:p>
+                      <a:pPr algn="r" fontAlgn="b"/>
+                      <a:r>
+                        <a:rPr lang="en-US" sz="800" u="none" strike="noStrike" dirty="0">
+                          <a:effectLst/>
+                        </a:rPr>
+                        <a:t>0</a:t>
+                      </a:r>
+                      <a:endParaRPr lang="en-US" sz="800" b="0" i="0" u="none" strike="noStrike" dirty="0">
+                        <a:solidFill>
+                          <a:srgbClr val="000000"/>
+                        </a:solidFill>
+                        <a:effectLst/>
+                        <a:latin typeface="Calibri" panose="020F0502020204030204" pitchFamily="34" charset="0"/>
+                      </a:endParaRPr>
+                    </a:p>
+                  </a:txBody>
+                  <a:tcPr marL="0" marR="0" marT="0" marB="0" anchor="b"/>
+                </a:tc>
+                <a:extLst>
+                  <a:ext uri="{0D108BD9-81ED-4DB2-BD59-A6C34878D82A}">
+                    <a16:rowId xmlns:a16="http://schemas.microsoft.com/office/drawing/2014/main" val="1890023205"/>
+                  </a:ext>
+                </a:extLst>
+              </a:tr>
+            </a:tbl>
+          </a:graphicData>
+        </a:graphic>
+      </p:graphicFrame>
+      <p:pic>
+        <p:nvPicPr>
+          <p:cNvPr id="6" name="Picture 5">
+            <a:extLst>
+              <a:ext uri="{FF2B5EF4-FFF2-40B4-BE49-F238E27FC236}">
+                <a16:creationId xmlns:a16="http://schemas.microsoft.com/office/drawing/2014/main" id="{F793760C-42D2-952A-CEEE-3C9957B2F410}"/>
+              </a:ext>
+            </a:extLst>
+          </p:cNvPr>
+          <p:cNvPicPr>
+            <a:picLocks noChangeAspect="1"/>
+          </p:cNvPicPr>
+          <p:nvPr/>
+        </p:nvPicPr>
+        <p:blipFill>
+          <a:blip r:embed="rId2"/>
+          <a:stretch>
+            <a:fillRect/>
+          </a:stretch>
+        </p:blipFill>
+        <p:spPr>
+          <a:xfrm>
+            <a:off x="422156" y="1281086"/>
+            <a:ext cx="2128386" cy="2359262"/>
+          </a:xfrm>
+          <a:prstGeom prst="rect">
+            <a:avLst/>
+          </a:prstGeom>
+        </p:spPr>
+      </p:pic>
+      <p:pic>
+        <p:nvPicPr>
+          <p:cNvPr id="8" name="Picture 7">
+            <a:extLst>
+              <a:ext uri="{FF2B5EF4-FFF2-40B4-BE49-F238E27FC236}">
+                <a16:creationId xmlns:a16="http://schemas.microsoft.com/office/drawing/2014/main" id="{CF6729FA-B8BF-1AC0-76A3-997D45954B39}"/>
+              </a:ext>
+            </a:extLst>
+          </p:cNvPr>
+          <p:cNvPicPr>
+            <a:picLocks noChangeAspect="1"/>
+          </p:cNvPicPr>
+          <p:nvPr/>
+        </p:nvPicPr>
+        <p:blipFill>
+          <a:blip r:embed="rId3"/>
+          <a:stretch>
+            <a:fillRect/>
+          </a:stretch>
+        </p:blipFill>
+        <p:spPr>
+          <a:xfrm>
+            <a:off x="2889849" y="1281086"/>
+            <a:ext cx="2306667" cy="2556882"/>
+          </a:xfrm>
+          <a:prstGeom prst="rect">
+            <a:avLst/>
+          </a:prstGeom>
+        </p:spPr>
+      </p:pic>
+      <p:pic>
+        <p:nvPicPr>
+          <p:cNvPr id="10" name="Picture 9">
+            <a:extLst>
+              <a:ext uri="{FF2B5EF4-FFF2-40B4-BE49-F238E27FC236}">
+                <a16:creationId xmlns:a16="http://schemas.microsoft.com/office/drawing/2014/main" id="{257EBF74-EEB2-B19D-1D7F-4664906FA398}"/>
+              </a:ext>
+            </a:extLst>
+          </p:cNvPr>
+          <p:cNvPicPr>
+            <a:picLocks noChangeAspect="1"/>
+          </p:cNvPicPr>
+          <p:nvPr/>
+        </p:nvPicPr>
+        <p:blipFill>
+          <a:blip r:embed="rId4"/>
+          <a:stretch>
+            <a:fillRect/>
+          </a:stretch>
+        </p:blipFill>
+        <p:spPr>
+          <a:xfrm>
+            <a:off x="5460521" y="1281086"/>
+            <a:ext cx="2306667" cy="2556882"/>
+          </a:xfrm>
+          <a:prstGeom prst="rect">
+            <a:avLst/>
+          </a:prstGeom>
+        </p:spPr>
+      </p:pic>
+      <p:pic>
+        <p:nvPicPr>
+          <p:cNvPr id="12" name="Picture 11">
+            <a:extLst>
+              <a:ext uri="{FF2B5EF4-FFF2-40B4-BE49-F238E27FC236}">
+                <a16:creationId xmlns:a16="http://schemas.microsoft.com/office/drawing/2014/main" id="{5A230D17-7296-CC2C-E913-81191D2D37A8}"/>
+              </a:ext>
+            </a:extLst>
+          </p:cNvPr>
+          <p:cNvPicPr>
+            <a:picLocks noChangeAspect="1"/>
+          </p:cNvPicPr>
+          <p:nvPr/>
+        </p:nvPicPr>
+        <p:blipFill>
+          <a:blip r:embed="rId5"/>
+          <a:stretch>
+            <a:fillRect/>
+          </a:stretch>
+        </p:blipFill>
+        <p:spPr>
+          <a:xfrm>
+            <a:off x="8031193" y="1281086"/>
+            <a:ext cx="2306667" cy="2556882"/>
+          </a:xfrm>
+          <a:prstGeom prst="rect">
+            <a:avLst/>
+          </a:prstGeom>
+        </p:spPr>
+      </p:pic>
+      <p:pic>
+        <p:nvPicPr>
+          <p:cNvPr id="14" name="Picture 13">
+            <a:extLst>
+              <a:ext uri="{FF2B5EF4-FFF2-40B4-BE49-F238E27FC236}">
+                <a16:creationId xmlns:a16="http://schemas.microsoft.com/office/drawing/2014/main" id="{E5B8C961-1F59-6DA6-AD27-6633742943E9}"/>
+              </a:ext>
+            </a:extLst>
+          </p:cNvPr>
+          <p:cNvPicPr>
+            <a:picLocks noChangeAspect="1"/>
+          </p:cNvPicPr>
+          <p:nvPr/>
+        </p:nvPicPr>
+        <p:blipFill>
+          <a:blip r:embed="rId6"/>
+          <a:stretch>
+            <a:fillRect/>
+          </a:stretch>
+        </p:blipFill>
+        <p:spPr>
+          <a:xfrm>
+            <a:off x="2794958" y="3800314"/>
+            <a:ext cx="2665563" cy="2954709"/>
+          </a:xfrm>
+          <a:prstGeom prst="rect">
+            <a:avLst/>
+          </a:prstGeom>
+        </p:spPr>
+      </p:pic>
+      <p:pic>
+        <p:nvPicPr>
+          <p:cNvPr id="16" name="Picture 15">
+            <a:extLst>
+              <a:ext uri="{FF2B5EF4-FFF2-40B4-BE49-F238E27FC236}">
+                <a16:creationId xmlns:a16="http://schemas.microsoft.com/office/drawing/2014/main" id="{3E37A534-E802-DE68-0FFC-4007716E06BE}"/>
+              </a:ext>
+            </a:extLst>
+          </p:cNvPr>
+          <p:cNvPicPr>
+            <a:picLocks noChangeAspect="1"/>
+          </p:cNvPicPr>
+          <p:nvPr/>
+        </p:nvPicPr>
+        <p:blipFill>
+          <a:blip r:embed="rId7"/>
+          <a:stretch>
+            <a:fillRect/>
+          </a:stretch>
+        </p:blipFill>
+        <p:spPr>
+          <a:xfrm>
+            <a:off x="5460521" y="3800314"/>
+            <a:ext cx="2631106" cy="2916514"/>
+          </a:xfrm>
+          <a:prstGeom prst="rect">
+            <a:avLst/>
+          </a:prstGeom>
+        </p:spPr>
+      </p:pic>
+    </p:spTree>
+    <p:extLst>
+      <p:ext uri="{BB962C8B-B14F-4D97-AF65-F5344CB8AC3E}">
+        <p14:creationId xmlns:p14="http://schemas.microsoft.com/office/powerpoint/2010/main" val="9915135"/>
+      </p:ext>
+    </p:extLst>
+  </p:cSld>
+  <p:clrMapOvr>
+    <a:masterClrMapping/>
+  </p:clrMapOvr>
+</p:sld>
+</file>
+
+<file path=ppt/slides/slide3.xml><?xml version="1.0" encoding="utf-8"?>
+<p:sld xmlns:a="http://schemas.openxmlformats.org/drawingml/2006/main" xmlns:r="http://schemas.openxmlformats.org/officeDocument/2006/relationships" xmlns:p="http://schemas.openxmlformats.org/presentationml/2006/main">
+  <p:cSld>
+    <p:spTree>
+      <p:nvGrpSpPr>
+        <p:cNvPr id="1" name=""/>
+        <p:cNvGrpSpPr/>
+        <p:nvPr/>
+      </p:nvGrpSpPr>
+      <p:grpSpPr>
+        <a:xfrm>
+          <a:off x="0" y="0"/>
+          <a:ext cx="0" cy="0"/>
+          <a:chOff x="0" y="0"/>
+          <a:chExt cx="0" cy="0"/>
+        </a:xfrm>
+      </p:grpSpPr>
+      <p:graphicFrame>
+        <p:nvGraphicFramePr>
+          <p:cNvPr id="4" name="Table 3">
+            <a:extLst>
+              <a:ext uri="{FF2B5EF4-FFF2-40B4-BE49-F238E27FC236}">
+                <a16:creationId xmlns:a16="http://schemas.microsoft.com/office/drawing/2014/main" id="{C1F6C5D9-47B1-1706-21E3-76493DF0D121}"/>
+              </a:ext>
+            </a:extLst>
+          </p:cNvPr>
+          <p:cNvGraphicFramePr>
+            <a:graphicFrameLocks noGrp="1"/>
+          </p:cNvGraphicFramePr>
+          <p:nvPr>
+            <p:extLst>
+              <p:ext uri="{D42A27DB-BD31-4B8C-83A1-F6EECF244321}">
+                <p14:modId xmlns:p14="http://schemas.microsoft.com/office/powerpoint/2010/main" val="4223541133"/>
+              </p:ext>
+            </p:extLst>
+          </p:nvPr>
+        </p:nvGraphicFramePr>
+        <p:xfrm>
+          <a:off x="1041400" y="577561"/>
+          <a:ext cx="10515594" cy="507455"/>
+        </p:xfrm>
+        <a:graphic>
+          <a:graphicData uri="http://schemas.openxmlformats.org/drawingml/2006/table">
+            <a:tbl>
+              <a:tblPr>
+                <a:tableStyleId>{5C22544A-7EE6-4342-B048-85BDC9FD1C3A}</a:tableStyleId>
+              </a:tblPr>
+              <a:tblGrid>
+                <a:gridCol w="996116">
+                  <a:extLst>
+                    <a:ext uri="{9D8B030D-6E8A-4147-A177-3AD203B41FA5}">
+                      <a16:colId xmlns:a16="http://schemas.microsoft.com/office/drawing/2014/main" val="4217544752"/>
+                    </a:ext>
+                  </a:extLst>
+                </a:gridCol>
+                <a:gridCol w="498058">
+                  <a:extLst>
+                    <a:ext uri="{9D8B030D-6E8A-4147-A177-3AD203B41FA5}">
+                      <a16:colId xmlns:a16="http://schemas.microsoft.com/office/drawing/2014/main" val="590819945"/>
+                    </a:ext>
+                  </a:extLst>
+                </a:gridCol>
+                <a:gridCol w="451071">
+                  <a:extLst>
+                    <a:ext uri="{9D8B030D-6E8A-4147-A177-3AD203B41FA5}">
+                      <a16:colId xmlns:a16="http://schemas.microsoft.com/office/drawing/2014/main" val="4049775268"/>
+                    </a:ext>
+                  </a:extLst>
+                </a:gridCol>
+                <a:gridCol w="451071">
+                  <a:extLst>
+                    <a:ext uri="{9D8B030D-6E8A-4147-A177-3AD203B41FA5}">
+                      <a16:colId xmlns:a16="http://schemas.microsoft.com/office/drawing/2014/main" val="3493793673"/>
+                    </a:ext>
+                  </a:extLst>
+                </a:gridCol>
+                <a:gridCol w="451071">
+                  <a:extLst>
+                    <a:ext uri="{9D8B030D-6E8A-4147-A177-3AD203B41FA5}">
+                      <a16:colId xmlns:a16="http://schemas.microsoft.com/office/drawing/2014/main" val="2676388934"/>
+                    </a:ext>
+                  </a:extLst>
+                </a:gridCol>
+                <a:gridCol w="451071">
+                  <a:extLst>
+                    <a:ext uri="{9D8B030D-6E8A-4147-A177-3AD203B41FA5}">
+                      <a16:colId xmlns:a16="http://schemas.microsoft.com/office/drawing/2014/main" val="221812437"/>
+                    </a:ext>
+                  </a:extLst>
+                </a:gridCol>
+                <a:gridCol w="451071">
+                  <a:extLst>
+                    <a:ext uri="{9D8B030D-6E8A-4147-A177-3AD203B41FA5}">
+                      <a16:colId xmlns:a16="http://schemas.microsoft.com/office/drawing/2014/main" val="1779075985"/>
+                    </a:ext>
+                  </a:extLst>
+                </a:gridCol>
+                <a:gridCol w="451071">
+                  <a:extLst>
+                    <a:ext uri="{9D8B030D-6E8A-4147-A177-3AD203B41FA5}">
+                      <a16:colId xmlns:a16="http://schemas.microsoft.com/office/drawing/2014/main" val="3266354841"/>
+                    </a:ext>
+                  </a:extLst>
+                </a:gridCol>
+                <a:gridCol w="451071">
+                  <a:extLst>
+                    <a:ext uri="{9D8B030D-6E8A-4147-A177-3AD203B41FA5}">
+                      <a16:colId xmlns:a16="http://schemas.microsoft.com/office/drawing/2014/main" val="1828947881"/>
+                    </a:ext>
+                  </a:extLst>
+                </a:gridCol>
+                <a:gridCol w="451071">
+                  <a:extLst>
+                    <a:ext uri="{9D8B030D-6E8A-4147-A177-3AD203B41FA5}">
+                      <a16:colId xmlns:a16="http://schemas.microsoft.com/office/drawing/2014/main" val="3976715540"/>
+                    </a:ext>
+                  </a:extLst>
+                </a:gridCol>
+                <a:gridCol w="451071">
+                  <a:extLst>
+                    <a:ext uri="{9D8B030D-6E8A-4147-A177-3AD203B41FA5}">
+                      <a16:colId xmlns:a16="http://schemas.microsoft.com/office/drawing/2014/main" val="2580056575"/>
+                    </a:ext>
+                  </a:extLst>
+                </a:gridCol>
+                <a:gridCol w="451071">
+                  <a:extLst>
+                    <a:ext uri="{9D8B030D-6E8A-4147-A177-3AD203B41FA5}">
+                      <a16:colId xmlns:a16="http://schemas.microsoft.com/office/drawing/2014/main" val="460730471"/>
+                    </a:ext>
+                  </a:extLst>
+                </a:gridCol>
+                <a:gridCol w="451071">
+                  <a:extLst>
+                    <a:ext uri="{9D8B030D-6E8A-4147-A177-3AD203B41FA5}">
+                      <a16:colId xmlns:a16="http://schemas.microsoft.com/office/drawing/2014/main" val="580439315"/>
+                    </a:ext>
+                  </a:extLst>
+                </a:gridCol>
+                <a:gridCol w="451071">
+                  <a:extLst>
+                    <a:ext uri="{9D8B030D-6E8A-4147-A177-3AD203B41FA5}">
+                      <a16:colId xmlns:a16="http://schemas.microsoft.com/office/drawing/2014/main" val="3431346891"/>
+                    </a:ext>
+                  </a:extLst>
+                </a:gridCol>
+                <a:gridCol w="451071">
+                  <a:extLst>
+                    <a:ext uri="{9D8B030D-6E8A-4147-A177-3AD203B41FA5}">
+                      <a16:colId xmlns:a16="http://schemas.microsoft.com/office/drawing/2014/main" val="342480648"/>
+                    </a:ext>
+                  </a:extLst>
+                </a:gridCol>
+                <a:gridCol w="451071">
+                  <a:extLst>
+                    <a:ext uri="{9D8B030D-6E8A-4147-A177-3AD203B41FA5}">
+                      <a16:colId xmlns:a16="http://schemas.microsoft.com/office/drawing/2014/main" val="2189318462"/>
+                    </a:ext>
+                  </a:extLst>
+                </a:gridCol>
+                <a:gridCol w="451071">
+                  <a:extLst>
+                    <a:ext uri="{9D8B030D-6E8A-4147-A177-3AD203B41FA5}">
+                      <a16:colId xmlns:a16="http://schemas.microsoft.com/office/drawing/2014/main" val="1466876512"/>
+                    </a:ext>
+                  </a:extLst>
+                </a:gridCol>
+                <a:gridCol w="451071">
+                  <a:extLst>
+                    <a:ext uri="{9D8B030D-6E8A-4147-A177-3AD203B41FA5}">
+                      <a16:colId xmlns:a16="http://schemas.microsoft.com/office/drawing/2014/main" val="3721630566"/>
+                    </a:ext>
+                  </a:extLst>
+                </a:gridCol>
+                <a:gridCol w="451071">
+                  <a:extLst>
+                    <a:ext uri="{9D8B030D-6E8A-4147-A177-3AD203B41FA5}">
+                      <a16:colId xmlns:a16="http://schemas.microsoft.com/office/drawing/2014/main" val="939800325"/>
+                    </a:ext>
+                  </a:extLst>
+                </a:gridCol>
+                <a:gridCol w="451071">
+                  <a:extLst>
+                    <a:ext uri="{9D8B030D-6E8A-4147-A177-3AD203B41FA5}">
+                      <a16:colId xmlns:a16="http://schemas.microsoft.com/office/drawing/2014/main" val="1390424381"/>
+                    </a:ext>
+                  </a:extLst>
+                </a:gridCol>
+                <a:gridCol w="451071">
+                  <a:extLst>
+                    <a:ext uri="{9D8B030D-6E8A-4147-A177-3AD203B41FA5}">
+                      <a16:colId xmlns:a16="http://schemas.microsoft.com/office/drawing/2014/main" val="1562153885"/>
+                    </a:ext>
+                  </a:extLst>
+                </a:gridCol>
+                <a:gridCol w="451071">
+                  <a:extLst>
+                    <a:ext uri="{9D8B030D-6E8A-4147-A177-3AD203B41FA5}">
+                      <a16:colId xmlns:a16="http://schemas.microsoft.com/office/drawing/2014/main" val="3569734072"/>
+                    </a:ext>
+                  </a:extLst>
+                </a:gridCol>
+              </a:tblGrid>
+              <a:tr h="372134">
+                <a:tc>
+                  <a:txBody>
+                    <a:bodyPr/>
+                    <a:lstStyle/>
+                    <a:p>
+                      <a:pPr algn="l" fontAlgn="b"/>
+                      <a:r>
+                        <a:rPr lang="en-US" sz="800" u="none" strike="noStrike">
+                          <a:effectLst/>
+                        </a:rPr>
+                        <a:t>run name</a:t>
+                      </a:r>
+                      <a:endParaRPr lang="en-US" sz="800" b="1" i="0" u="none" strike="noStrike">
+                        <a:solidFill>
+                          <a:srgbClr val="000000"/>
+                        </a:solidFill>
+                        <a:effectLst/>
+                        <a:latin typeface="Calibri" panose="020F0502020204030204" pitchFamily="34" charset="0"/>
+                      </a:endParaRPr>
+                    </a:p>
+                  </a:txBody>
+                  <a:tcPr marL="0" marR="0" marT="0" marB="0" anchor="b"/>
+                </a:tc>
+                <a:tc>
+                  <a:txBody>
+                    <a:bodyPr/>
+                    <a:lstStyle/>
+                    <a:p>
+                      <a:pPr algn="l" fontAlgn="b"/>
+                      <a:r>
+                        <a:rPr lang="en-US" sz="800" u="none" strike="noStrike">
+                          <a:effectLst/>
+                        </a:rPr>
+                        <a:t>summary</a:t>
+                      </a:r>
+                      <a:endParaRPr lang="en-US" sz="800" b="1" i="0" u="none" strike="noStrike">
+                        <a:solidFill>
+                          <a:srgbClr val="000000"/>
+                        </a:solidFill>
+                        <a:effectLst/>
+                        <a:latin typeface="Calibri" panose="020F0502020204030204" pitchFamily="34" charset="0"/>
+                      </a:endParaRPr>
+                    </a:p>
+                  </a:txBody>
+                  <a:tcPr marL="0" marR="0" marT="0" marB="0" anchor="b"/>
+                </a:tc>
+                <a:tc>
+                  <a:txBody>
+                    <a:bodyPr/>
+                    <a:lstStyle/>
+                    <a:p>
+                      <a:pPr algn="l" fontAlgn="b"/>
+                      <a:r>
+                        <a:rPr lang="en-US" sz="800" u="none" strike="noStrike">
+                          <a:effectLst/>
+                        </a:rPr>
+                        <a:t>repsuc</a:t>
+                      </a:r>
+                      <a:endParaRPr lang="en-US" sz="800" b="1" i="0" u="none" strike="noStrike">
+                        <a:solidFill>
+                          <a:srgbClr val="000000"/>
+                        </a:solidFill>
+                        <a:effectLst/>
+                        <a:latin typeface="Calibri" panose="020F0502020204030204" pitchFamily="34" charset="0"/>
+                      </a:endParaRPr>
+                    </a:p>
+                  </a:txBody>
+                  <a:tcPr marL="0" marR="0" marT="0" marB="0" anchor="b"/>
+                </a:tc>
+                <a:tc>
+                  <a:txBody>
+                    <a:bodyPr/>
+                    <a:lstStyle/>
+                    <a:p>
+                      <a:pPr algn="l" fontAlgn="b"/>
+                      <a:r>
+                        <a:rPr lang="en-US" sz="800" u="none" strike="noStrike">
+                          <a:effectLst/>
+                        </a:rPr>
+                        <a:t>pop</a:t>
+                      </a:r>
+                      <a:endParaRPr lang="en-US" sz="800" b="1" i="0" u="none" strike="noStrike">
+                        <a:solidFill>
+                          <a:srgbClr val="000000"/>
+                        </a:solidFill>
+                        <a:effectLst/>
+                        <a:latin typeface="Calibri" panose="020F0502020204030204" pitchFamily="34" charset="0"/>
+                      </a:endParaRPr>
+                    </a:p>
+                  </a:txBody>
+                  <a:tcPr marL="0" marR="0" marT="0" marB="0" anchor="b"/>
+                </a:tc>
+                <a:tc>
+                  <a:txBody>
+                    <a:bodyPr/>
+                    <a:lstStyle/>
+                    <a:p>
+                      <a:pPr algn="l" fontAlgn="b"/>
+                      <a:r>
+                        <a:rPr lang="en-US" sz="800" u="none" strike="noStrike">
+                          <a:effectLst/>
+                        </a:rPr>
+                        <a:t>parameters</a:t>
+                      </a:r>
+                      <a:endParaRPr lang="en-US" sz="800" b="1" i="0" u="none" strike="noStrike">
+                        <a:solidFill>
+                          <a:srgbClr val="000000"/>
+                        </a:solidFill>
+                        <a:effectLst/>
+                        <a:latin typeface="Calibri" panose="020F0502020204030204" pitchFamily="34" charset="0"/>
+                      </a:endParaRPr>
+                    </a:p>
+                  </a:txBody>
+                  <a:tcPr marL="0" marR="0" marT="0" marB="0" anchor="b"/>
+                </a:tc>
+                <a:tc>
+                  <a:txBody>
+                    <a:bodyPr/>
+                    <a:lstStyle/>
+                    <a:p>
+                      <a:pPr algn="l" fontAlgn="b"/>
+                      <a:r>
+                        <a:rPr lang="en-US" sz="800" u="none" strike="noStrike">
+                          <a:effectLst/>
+                        </a:rPr>
+                        <a:t>nmig</a:t>
+                      </a:r>
+                      <a:endParaRPr lang="en-US" sz="800" b="1" i="0" u="none" strike="noStrike">
+                        <a:solidFill>
+                          <a:srgbClr val="000000"/>
+                        </a:solidFill>
+                        <a:effectLst/>
+                        <a:latin typeface="Calibri" panose="020F0502020204030204" pitchFamily="34" charset="0"/>
+                      </a:endParaRPr>
+                    </a:p>
+                  </a:txBody>
+                  <a:tcPr marL="0" marR="0" marT="0" marB="0" anchor="b"/>
+                </a:tc>
+                <a:tc>
+                  <a:txBody>
+                    <a:bodyPr/>
+                    <a:lstStyle/>
+                    <a:p>
+                      <a:pPr algn="l" fontAlgn="b"/>
+                      <a:r>
+                        <a:rPr lang="en-US" sz="800" u="none" strike="noStrike">
+                          <a:effectLst/>
+                        </a:rPr>
+                        <a:t>heteroz of source</a:t>
+                      </a:r>
+                      <a:endParaRPr lang="en-US" sz="800" b="1" i="0" u="none" strike="noStrike">
+                        <a:solidFill>
+                          <a:srgbClr val="000000"/>
+                        </a:solidFill>
+                        <a:effectLst/>
+                        <a:latin typeface="Calibri" panose="020F0502020204030204" pitchFamily="34" charset="0"/>
+                      </a:endParaRPr>
+                    </a:p>
+                  </a:txBody>
+                  <a:tcPr marL="0" marR="0" marT="0" marB="0" anchor="b"/>
+                </a:tc>
+                <a:tc>
+                  <a:txBody>
+                    <a:bodyPr/>
+                    <a:lstStyle/>
+                    <a:p>
+                      <a:pPr algn="l" fontAlgn="b"/>
+                      <a:r>
+                        <a:rPr lang="en-US" sz="800" u="none" strike="noStrike">
+                          <a:effectLst/>
+                        </a:rPr>
+                        <a:t>minor allel freq FOCAL</a:t>
+                      </a:r>
+                      <a:endParaRPr lang="en-US" sz="800" b="1" i="0" u="none" strike="noStrike">
+                        <a:solidFill>
+                          <a:srgbClr val="000000"/>
+                        </a:solidFill>
+                        <a:effectLst/>
+                        <a:latin typeface="Calibri" panose="020F0502020204030204" pitchFamily="34" charset="0"/>
+                      </a:endParaRPr>
+                    </a:p>
+                  </a:txBody>
+                  <a:tcPr marL="0" marR="0" marT="0" marB="0" anchor="b"/>
+                </a:tc>
+                <a:tc>
+                  <a:txBody>
+                    <a:bodyPr/>
+                    <a:lstStyle/>
+                    <a:p>
+                      <a:pPr algn="l" fontAlgn="b"/>
+                      <a:r>
+                        <a:rPr lang="en-US" sz="800" u="none" strike="noStrike">
+                          <a:effectLst/>
+                        </a:rPr>
+                        <a:t>n replicates</a:t>
+                      </a:r>
+                      <a:endParaRPr lang="en-US" sz="800" b="1" i="0" u="none" strike="noStrike">
+                        <a:solidFill>
+                          <a:srgbClr val="000000"/>
+                        </a:solidFill>
+                        <a:effectLst/>
+                        <a:latin typeface="Calibri" panose="020F0502020204030204" pitchFamily="34" charset="0"/>
+                      </a:endParaRPr>
+                    </a:p>
+                  </a:txBody>
+                  <a:tcPr marL="0" marR="0" marT="0" marB="0" anchor="b"/>
+                </a:tc>
+                <a:tc>
+                  <a:txBody>
+                    <a:bodyPr/>
+                    <a:lstStyle/>
+                    <a:p>
+                      <a:pPr algn="l" fontAlgn="b"/>
+                      <a:r>
+                        <a:rPr lang="en-US" sz="800" u="none" strike="noStrike">
+                          <a:effectLst/>
+                        </a:rPr>
+                        <a:t>dropK</a:t>
+                      </a:r>
+                      <a:endParaRPr lang="en-US" sz="800" b="1" i="0" u="none" strike="noStrike">
+                        <a:solidFill>
+                          <a:srgbClr val="000000"/>
+                        </a:solidFill>
+                        <a:effectLst/>
+                        <a:latin typeface="Calibri" panose="020F0502020204030204" pitchFamily="34" charset="0"/>
+                      </a:endParaRPr>
+                    </a:p>
+                  </a:txBody>
+                  <a:tcPr marL="0" marR="0" marT="0" marB="0" anchor="b"/>
+                </a:tc>
+                <a:tc>
+                  <a:txBody>
+                    <a:bodyPr/>
+                    <a:lstStyle/>
+                    <a:p>
+                      <a:pPr algn="l" fontAlgn="b"/>
+                      <a:r>
+                        <a:rPr lang="en-US" sz="800" u="none" strike="noStrike">
+                          <a:effectLst/>
+                        </a:rPr>
+                        <a:t>k</a:t>
+                      </a:r>
+                      <a:endParaRPr lang="en-US" sz="800" b="1" i="0" u="none" strike="noStrike">
+                        <a:solidFill>
+                          <a:srgbClr val="000000"/>
+                        </a:solidFill>
+                        <a:effectLst/>
+                        <a:latin typeface="Calibri" panose="020F0502020204030204" pitchFamily="34" charset="0"/>
+                      </a:endParaRPr>
+                    </a:p>
+                  </a:txBody>
+                  <a:tcPr marL="0" marR="0" marT="0" marB="0" anchor="b"/>
+                </a:tc>
+                <a:tc>
+                  <a:txBody>
+                    <a:bodyPr/>
+                    <a:lstStyle/>
+                    <a:p>
+                      <a:pPr algn="l" fontAlgn="b"/>
+                      <a:r>
+                        <a:rPr lang="en-US" sz="800" u="none" strike="noStrike">
+                          <a:effectLst/>
+                        </a:rPr>
+                        <a:t>nSNP</a:t>
+                      </a:r>
+                      <a:endParaRPr lang="en-US" sz="800" b="1" i="0" u="none" strike="noStrike">
+                        <a:solidFill>
+                          <a:srgbClr val="000000"/>
+                        </a:solidFill>
+                        <a:effectLst/>
+                        <a:latin typeface="Calibri" panose="020F0502020204030204" pitchFamily="34" charset="0"/>
+                      </a:endParaRPr>
+                    </a:p>
+                  </a:txBody>
+                  <a:tcPr marL="0" marR="0" marT="0" marB="0" anchor="b"/>
+                </a:tc>
+                <a:tc>
+                  <a:txBody>
+                    <a:bodyPr/>
+                    <a:lstStyle/>
+                    <a:p>
+                      <a:pPr algn="l" fontAlgn="b"/>
+                      <a:r>
+                        <a:rPr lang="en-US" sz="800" u="none" strike="noStrike">
+                          <a:effectLst/>
+                        </a:rPr>
+                        <a:t>drp</a:t>
+                      </a:r>
+                      <a:endParaRPr lang="en-US" sz="800" b="1" i="0" u="none" strike="noStrike">
+                        <a:solidFill>
+                          <a:srgbClr val="000000"/>
+                        </a:solidFill>
+                        <a:effectLst/>
+                        <a:latin typeface="Calibri" panose="020F0502020204030204" pitchFamily="34" charset="0"/>
+                      </a:endParaRPr>
+                    </a:p>
+                  </a:txBody>
+                  <a:tcPr marL="0" marR="0" marT="0" marB="0" anchor="b"/>
+                </a:tc>
+                <a:tc>
+                  <a:txBody>
+                    <a:bodyPr/>
+                    <a:lstStyle/>
+                    <a:p>
+                      <a:pPr algn="l" fontAlgn="b"/>
+                      <a:r>
+                        <a:rPr lang="en-US" sz="800" u="none" strike="noStrike">
+                          <a:effectLst/>
+                        </a:rPr>
+                        <a:t>dur</a:t>
+                      </a:r>
+                      <a:endParaRPr lang="en-US" sz="800" b="1" i="0" u="none" strike="noStrike">
+                        <a:solidFill>
+                          <a:srgbClr val="000000"/>
+                        </a:solidFill>
+                        <a:effectLst/>
+                        <a:latin typeface="Calibri" panose="020F0502020204030204" pitchFamily="34" charset="0"/>
+                      </a:endParaRPr>
+                    </a:p>
+                  </a:txBody>
+                  <a:tcPr marL="0" marR="0" marT="0" marB="0" anchor="b"/>
+                </a:tc>
+                <a:tc>
+                  <a:txBody>
+                    <a:bodyPr/>
+                    <a:lstStyle/>
+                    <a:p>
+                      <a:pPr algn="l" fontAlgn="b"/>
+                      <a:r>
+                        <a:rPr lang="en-US" sz="800" u="none" strike="noStrike">
+                          <a:effectLst/>
+                        </a:rPr>
+                        <a:t>maxage</a:t>
+                      </a:r>
+                      <a:endParaRPr lang="en-US" sz="800" b="1" i="0" u="none" strike="noStrike">
+                        <a:solidFill>
+                          <a:srgbClr val="000000"/>
+                        </a:solidFill>
+                        <a:effectLst/>
+                        <a:latin typeface="Calibri" panose="020F0502020204030204" pitchFamily="34" charset="0"/>
+                      </a:endParaRPr>
+                    </a:p>
+                  </a:txBody>
+                  <a:tcPr marL="0" marR="0" marT="0" marB="0" anchor="b"/>
+                </a:tc>
+                <a:tc>
+                  <a:txBody>
+                    <a:bodyPr/>
+                    <a:lstStyle/>
+                    <a:p>
+                      <a:pPr algn="l" fontAlgn="b"/>
+                      <a:r>
+                        <a:rPr lang="en-US" sz="800" u="none" strike="noStrike">
+                          <a:effectLst/>
+                        </a:rPr>
+                        <a:t>broodsize</a:t>
+                      </a:r>
+                      <a:endParaRPr lang="en-US" sz="800" b="1" i="0" u="none" strike="noStrike">
+                        <a:solidFill>
+                          <a:srgbClr val="000000"/>
+                        </a:solidFill>
+                        <a:effectLst/>
+                        <a:latin typeface="Calibri" panose="020F0502020204030204" pitchFamily="34" charset="0"/>
+                      </a:endParaRPr>
+                    </a:p>
+                  </a:txBody>
+                  <a:tcPr marL="0" marR="0" marT="0" marB="0" anchor="b"/>
+                </a:tc>
+                <a:tc>
+                  <a:txBody>
+                    <a:bodyPr/>
+                    <a:lstStyle/>
+                    <a:p>
+                      <a:pPr algn="l" fontAlgn="b"/>
+                      <a:r>
+                        <a:rPr lang="en-US" sz="800" u="none" strike="noStrike">
+                          <a:effectLst/>
+                        </a:rPr>
+                        <a:t>maturity</a:t>
+                      </a:r>
+                      <a:endParaRPr lang="en-US" sz="800" b="1" i="0" u="none" strike="noStrike">
+                        <a:solidFill>
+                          <a:srgbClr val="000000"/>
+                        </a:solidFill>
+                        <a:effectLst/>
+                        <a:latin typeface="Calibri" panose="020F0502020204030204" pitchFamily="34" charset="0"/>
+                      </a:endParaRPr>
+                    </a:p>
+                  </a:txBody>
+                  <a:tcPr marL="0" marR="0" marT="0" marB="0" anchor="b"/>
+                </a:tc>
+                <a:tc>
+                  <a:txBody>
+                    <a:bodyPr/>
+                    <a:lstStyle/>
+                    <a:p>
+                      <a:pPr algn="l" fontAlgn="b"/>
+                      <a:r>
+                        <a:rPr lang="en-US" sz="800" u="none" strike="noStrike">
+                          <a:effectLst/>
+                        </a:rPr>
+                        <a:t>years</a:t>
+                      </a:r>
+                      <a:endParaRPr lang="en-US" sz="800" b="1" i="0" u="none" strike="noStrike">
+                        <a:solidFill>
+                          <a:srgbClr val="000000"/>
+                        </a:solidFill>
+                        <a:effectLst/>
+                        <a:latin typeface="Calibri" panose="020F0502020204030204" pitchFamily="34" charset="0"/>
+                      </a:endParaRPr>
+                    </a:p>
+                  </a:txBody>
+                  <a:tcPr marL="0" marR="0" marT="0" marB="0" anchor="b"/>
+                </a:tc>
+                <a:tc>
+                  <a:txBody>
+                    <a:bodyPr/>
+                    <a:lstStyle/>
+                    <a:p>
+                      <a:pPr algn="l" fontAlgn="b"/>
+                      <a:r>
+                        <a:rPr lang="en-US" sz="800" u="none" strike="noStrike">
+                          <a:effectLst/>
+                        </a:rPr>
+                        <a:t>r0</a:t>
+                      </a:r>
+                      <a:endParaRPr lang="en-US" sz="800" b="1" i="0" u="none" strike="noStrike">
+                        <a:solidFill>
+                          <a:srgbClr val="000000"/>
+                        </a:solidFill>
+                        <a:effectLst/>
+                        <a:latin typeface="Calibri" panose="020F0502020204030204" pitchFamily="34" charset="0"/>
+                      </a:endParaRPr>
+                    </a:p>
+                  </a:txBody>
+                  <a:tcPr marL="0" marR="0" marT="0" marB="0" anchor="b"/>
+                </a:tc>
+                <a:tc>
+                  <a:txBody>
+                    <a:bodyPr/>
+                    <a:lstStyle/>
+                    <a:p>
+                      <a:pPr algn="l" fontAlgn="b"/>
+                      <a:r>
+                        <a:rPr lang="en-US" sz="800" u="none" strike="noStrike">
+                          <a:effectLst/>
+                        </a:rPr>
+                        <a:t>ratemort</a:t>
+                      </a:r>
+                      <a:endParaRPr lang="en-US" sz="800" b="1" i="0" u="none" strike="noStrike">
+                        <a:solidFill>
+                          <a:srgbClr val="000000"/>
+                        </a:solidFill>
+                        <a:effectLst/>
+                        <a:latin typeface="Calibri" panose="020F0502020204030204" pitchFamily="34" charset="0"/>
+                      </a:endParaRPr>
+                    </a:p>
+                  </a:txBody>
+                  <a:tcPr marL="0" marR="0" marT="0" marB="0" anchor="b"/>
+                </a:tc>
+                <a:tc>
+                  <a:txBody>
+                    <a:bodyPr/>
+                    <a:lstStyle/>
+                    <a:p>
+                      <a:pPr algn="l" fontAlgn="b"/>
+                      <a:r>
+                        <a:rPr lang="en-US" sz="800" u="none" strike="noStrike">
+                          <a:effectLst/>
+                        </a:rPr>
+                        <a:t>nSNP.mig</a:t>
+                      </a:r>
+                      <a:endParaRPr lang="en-US" sz="800" b="1" i="0" u="none" strike="noStrike">
+                        <a:solidFill>
+                          <a:srgbClr val="000000"/>
+                        </a:solidFill>
+                        <a:effectLst/>
+                        <a:latin typeface="Calibri" panose="020F0502020204030204" pitchFamily="34" charset="0"/>
+                      </a:endParaRPr>
+                    </a:p>
+                  </a:txBody>
+                  <a:tcPr marL="0" marR="0" marT="0" marB="0" anchor="b"/>
+                </a:tc>
+                <a:tc>
+                  <a:txBody>
+                    <a:bodyPr/>
+                    <a:lstStyle/>
+                    <a:p>
+                      <a:pPr algn="l" fontAlgn="b"/>
+                      <a:r>
+                        <a:rPr lang="en-US" sz="800" u="none" strike="noStrike">
+                          <a:effectLst/>
+                        </a:rPr>
+                        <a:t>nSNP.cons</a:t>
+                      </a:r>
+                      <a:endParaRPr lang="en-US" sz="800" b="1" i="0" u="none" strike="noStrike">
+                        <a:solidFill>
+                          <a:srgbClr val="000000"/>
+                        </a:solidFill>
+                        <a:effectLst/>
+                        <a:latin typeface="Calibri" panose="020F0502020204030204" pitchFamily="34" charset="0"/>
+                      </a:endParaRPr>
+                    </a:p>
+                  </a:txBody>
+                  <a:tcPr marL="0" marR="0" marT="0" marB="0" anchor="b"/>
+                </a:tc>
+                <a:extLst>
+                  <a:ext uri="{0D108BD9-81ED-4DB2-BD59-A6C34878D82A}">
+                    <a16:rowId xmlns:a16="http://schemas.microsoft.com/office/drawing/2014/main" val="903427580"/>
+                  </a:ext>
+                </a:extLst>
+              </a:tr>
+              <a:tr h="135321">
+                <a:tc>
+                  <a:txBody>
+                    <a:bodyPr/>
+                    <a:lstStyle/>
+                    <a:p>
+                      <a:pPr algn="l" fontAlgn="b"/>
+                      <a:r>
+                        <a:rPr lang="en-US" sz="800" u="none" strike="noStrike">
+                          <a:effectLst/>
+                        </a:rPr>
+                        <a:t>run_b</a:t>
+                      </a:r>
+                      <a:endParaRPr lang="en-US" sz="800" b="0" i="0" u="none" strike="noStrike">
+                        <a:solidFill>
+                          <a:srgbClr val="000000"/>
+                        </a:solidFill>
+                        <a:effectLst/>
+                        <a:latin typeface="Calibri" panose="020F0502020204030204" pitchFamily="34" charset="0"/>
+                      </a:endParaRPr>
+                    </a:p>
+                  </a:txBody>
+                  <a:tcPr marL="0" marR="0" marT="0" marB="0" anchor="b"/>
+                </a:tc>
+                <a:tc>
+                  <a:txBody>
+                    <a:bodyPr/>
+                    <a:lstStyle/>
+                    <a:p>
+                      <a:pPr algn="l" fontAlgn="b"/>
+                      <a:endParaRPr lang="en-US" sz="800" b="0" i="0" u="none" strike="noStrike">
+                        <a:solidFill>
+                          <a:srgbClr val="000000"/>
+                        </a:solidFill>
+                        <a:effectLst/>
+                        <a:latin typeface="Calibri" panose="020F0502020204030204" pitchFamily="34" charset="0"/>
+                      </a:endParaRPr>
+                    </a:p>
+                  </a:txBody>
+                  <a:tcPr marL="0" marR="0" marT="0" marB="0" anchor="b"/>
+                </a:tc>
+                <a:tc>
+                  <a:txBody>
+                    <a:bodyPr/>
+                    <a:lstStyle/>
+                    <a:p>
+                      <a:pPr algn="l" fontAlgn="b"/>
+                      <a:endParaRPr lang="en-US" sz="800" b="0" i="0" u="none" strike="noStrike">
+                        <a:solidFill>
+                          <a:srgbClr val="000000"/>
+                        </a:solidFill>
+                        <a:effectLst/>
+                        <a:latin typeface="Calibri" panose="020F0502020204030204" pitchFamily="34" charset="0"/>
+                      </a:endParaRPr>
+                    </a:p>
+                  </a:txBody>
+                  <a:tcPr marL="0" marR="0" marT="0" marB="0" anchor="b"/>
+                </a:tc>
+                <a:tc>
+                  <a:txBody>
+                    <a:bodyPr/>
+                    <a:lstStyle/>
+                    <a:p>
+                      <a:pPr algn="l" fontAlgn="b"/>
+                      <a:endParaRPr lang="en-US" sz="800" b="0" i="0" u="none" strike="noStrike">
+                        <a:solidFill>
+                          <a:srgbClr val="000000"/>
+                        </a:solidFill>
+                        <a:effectLst/>
+                        <a:latin typeface="Calibri" panose="020F0502020204030204" pitchFamily="34" charset="0"/>
+                      </a:endParaRPr>
+                    </a:p>
+                  </a:txBody>
+                  <a:tcPr marL="0" marR="0" marT="0" marB="0" anchor="b"/>
+                </a:tc>
+                <a:tc>
+                  <a:txBody>
+                    <a:bodyPr/>
+                    <a:lstStyle/>
+                    <a:p>
+                      <a:pPr algn="l" fontAlgn="b"/>
+                      <a:endParaRPr lang="en-US" sz="800" b="0" i="0" u="none" strike="noStrike">
+                        <a:solidFill>
+                          <a:srgbClr val="000000"/>
+                        </a:solidFill>
+                        <a:effectLst/>
+                        <a:latin typeface="Calibri" panose="020F0502020204030204" pitchFamily="34" charset="0"/>
+                      </a:endParaRPr>
+                    </a:p>
+                  </a:txBody>
+                  <a:tcPr marL="0" marR="0" marT="0" marB="0" anchor="b"/>
+                </a:tc>
+                <a:tc>
+                  <a:txBody>
+                    <a:bodyPr/>
+                    <a:lstStyle/>
+                    <a:p>
+                      <a:pPr algn="l" fontAlgn="b"/>
+                      <a:r>
+                        <a:rPr lang="en-US" sz="800" u="none" strike="noStrike">
+                          <a:effectLst/>
+                        </a:rPr>
+                        <a:t>all 4</a:t>
+                      </a:r>
+                      <a:endParaRPr lang="en-US" sz="800" b="0" i="0" u="none" strike="noStrike">
+                        <a:solidFill>
+                          <a:srgbClr val="000000"/>
+                        </a:solidFill>
+                        <a:effectLst/>
+                        <a:latin typeface="Calibri" panose="020F0502020204030204" pitchFamily="34" charset="0"/>
+                      </a:endParaRPr>
+                    </a:p>
+                  </a:txBody>
+                  <a:tcPr marL="0" marR="0" marT="0" marB="0" anchor="b"/>
+                </a:tc>
+                <a:tc>
+                  <a:txBody>
+                    <a:bodyPr/>
+                    <a:lstStyle/>
+                    <a:p>
+                      <a:pPr algn="r" fontAlgn="b"/>
+                      <a:r>
+                        <a:rPr lang="en-US" sz="800" u="none" strike="noStrike">
+                          <a:effectLst/>
+                        </a:rPr>
+                        <a:t>0.45</a:t>
+                      </a:r>
+                      <a:endParaRPr lang="en-US" sz="800" b="0" i="0" u="none" strike="noStrike">
+                        <a:solidFill>
+                          <a:srgbClr val="000000"/>
+                        </a:solidFill>
+                        <a:effectLst/>
+                        <a:latin typeface="Calibri" panose="020F0502020204030204" pitchFamily="34" charset="0"/>
+                      </a:endParaRPr>
+                    </a:p>
+                  </a:txBody>
+                  <a:tcPr marL="0" marR="0" marT="0" marB="0" anchor="b"/>
+                </a:tc>
+                <a:tc>
+                  <a:txBody>
+                    <a:bodyPr/>
+                    <a:lstStyle/>
+                    <a:p>
+                      <a:pPr algn="r" fontAlgn="b"/>
+                      <a:r>
+                        <a:rPr lang="en-US" sz="800" u="none" strike="noStrike" dirty="0">
+                          <a:effectLst/>
+                        </a:rPr>
+                        <a:t>0.45</a:t>
+                      </a:r>
+                      <a:endParaRPr lang="en-US" sz="800" b="0" i="0" u="none" strike="noStrike" dirty="0">
+                        <a:solidFill>
+                          <a:srgbClr val="000000"/>
+                        </a:solidFill>
+                        <a:effectLst/>
+                        <a:latin typeface="Calibri" panose="020F0502020204030204" pitchFamily="34" charset="0"/>
+                      </a:endParaRPr>
+                    </a:p>
+                  </a:txBody>
+                  <a:tcPr marL="0" marR="0" marT="0" marB="0" anchor="b"/>
+                </a:tc>
+                <a:tc>
+                  <a:txBody>
+                    <a:bodyPr/>
+                    <a:lstStyle/>
+                    <a:p>
+                      <a:pPr algn="r" fontAlgn="b"/>
+                      <a:r>
+                        <a:rPr lang="en-US" sz="800" u="none" strike="noStrike">
+                          <a:effectLst/>
+                        </a:rPr>
+                        <a:t>1</a:t>
+                      </a:r>
+                      <a:endParaRPr lang="en-US" sz="800" b="0" i="0" u="none" strike="noStrike">
+                        <a:solidFill>
+                          <a:srgbClr val="000000"/>
+                        </a:solidFill>
+                        <a:effectLst/>
+                        <a:latin typeface="Calibri" panose="020F0502020204030204" pitchFamily="34" charset="0"/>
+                      </a:endParaRPr>
+                    </a:p>
+                  </a:txBody>
+                  <a:tcPr marL="0" marR="0" marT="0" marB="0" anchor="b"/>
+                </a:tc>
+                <a:tc>
+                  <a:txBody>
+                    <a:bodyPr/>
+                    <a:lstStyle/>
+                    <a:p>
+                      <a:pPr algn="r" fontAlgn="b"/>
+                      <a:r>
+                        <a:rPr lang="en-US" sz="800" u="none" strike="noStrike">
+                          <a:effectLst/>
+                        </a:rPr>
+                        <a:t>300</a:t>
+                      </a:r>
+                      <a:endParaRPr lang="en-US" sz="800" b="0" i="0" u="none" strike="noStrike">
+                        <a:solidFill>
+                          <a:srgbClr val="000000"/>
+                        </a:solidFill>
+                        <a:effectLst/>
+                        <a:latin typeface="Calibri" panose="020F0502020204030204" pitchFamily="34" charset="0"/>
+                      </a:endParaRPr>
+                    </a:p>
+                  </a:txBody>
+                  <a:tcPr marL="0" marR="0" marT="0" marB="0" anchor="b"/>
+                </a:tc>
+                <a:tc>
+                  <a:txBody>
+                    <a:bodyPr/>
+                    <a:lstStyle/>
+                    <a:p>
+                      <a:pPr algn="r" fontAlgn="b"/>
+                      <a:r>
+                        <a:rPr lang="en-US" sz="800" u="none" strike="noStrike">
+                          <a:effectLst/>
+                        </a:rPr>
+                        <a:t>1000</a:t>
+                      </a:r>
+                      <a:endParaRPr lang="en-US" sz="800" b="0" i="0" u="none" strike="noStrike">
+                        <a:solidFill>
+                          <a:srgbClr val="000000"/>
+                        </a:solidFill>
+                        <a:effectLst/>
+                        <a:latin typeface="Calibri" panose="020F0502020204030204" pitchFamily="34" charset="0"/>
+                      </a:endParaRPr>
+                    </a:p>
+                  </a:txBody>
+                  <a:tcPr marL="0" marR="0" marT="0" marB="0" anchor="b"/>
+                </a:tc>
+                <a:tc>
+                  <a:txBody>
+                    <a:bodyPr/>
+                    <a:lstStyle/>
+                    <a:p>
+                      <a:pPr algn="r" fontAlgn="b"/>
+                      <a:r>
+                        <a:rPr lang="en-US" sz="800" u="none" strike="noStrike">
+                          <a:effectLst/>
+                        </a:rPr>
+                        <a:t>1000</a:t>
+                      </a:r>
+                      <a:endParaRPr lang="en-US" sz="800" b="0" i="0" u="none" strike="noStrike">
+                        <a:solidFill>
+                          <a:srgbClr val="000000"/>
+                        </a:solidFill>
+                        <a:effectLst/>
+                        <a:latin typeface="Calibri" panose="020F0502020204030204" pitchFamily="34" charset="0"/>
+                      </a:endParaRPr>
+                    </a:p>
+                  </a:txBody>
+                  <a:tcPr marL="0" marR="0" marT="0" marB="0" anchor="b"/>
+                </a:tc>
+                <a:tc>
+                  <a:txBody>
+                    <a:bodyPr/>
+                    <a:lstStyle/>
+                    <a:p>
+                      <a:pPr algn="r" fontAlgn="b"/>
+                      <a:r>
+                        <a:rPr lang="en-US" sz="800" u="none" strike="noStrike">
+                          <a:effectLst/>
+                        </a:rPr>
+                        <a:t>10</a:t>
+                      </a:r>
+                      <a:endParaRPr lang="en-US" sz="800" b="0" i="0" u="none" strike="noStrike">
+                        <a:solidFill>
+                          <a:srgbClr val="000000"/>
+                        </a:solidFill>
+                        <a:effectLst/>
+                        <a:latin typeface="Calibri" panose="020F0502020204030204" pitchFamily="34" charset="0"/>
+                      </a:endParaRPr>
+                    </a:p>
+                  </a:txBody>
+                  <a:tcPr marL="0" marR="0" marT="0" marB="0" anchor="b"/>
+                </a:tc>
+                <a:tc>
+                  <a:txBody>
+                    <a:bodyPr/>
+                    <a:lstStyle/>
+                    <a:p>
+                      <a:pPr algn="r" fontAlgn="b"/>
+                      <a:r>
+                        <a:rPr lang="en-US" sz="800" u="none" strike="noStrike">
+                          <a:effectLst/>
+                        </a:rPr>
+                        <a:t>40</a:t>
+                      </a:r>
+                      <a:endParaRPr lang="en-US" sz="800" b="0" i="0" u="none" strike="noStrike">
+                        <a:solidFill>
+                          <a:srgbClr val="000000"/>
+                        </a:solidFill>
+                        <a:effectLst/>
+                        <a:latin typeface="Calibri" panose="020F0502020204030204" pitchFamily="34" charset="0"/>
+                      </a:endParaRPr>
+                    </a:p>
+                  </a:txBody>
+                  <a:tcPr marL="0" marR="0" marT="0" marB="0" anchor="b"/>
+                </a:tc>
+                <a:tc>
+                  <a:txBody>
+                    <a:bodyPr/>
+                    <a:lstStyle/>
+                    <a:p>
+                      <a:pPr algn="l" fontAlgn="b"/>
+                      <a:r>
+                        <a:rPr lang="en-US" sz="800" u="none" strike="noStrike">
+                          <a:effectLst/>
+                        </a:rPr>
+                        <a:t>15, 3</a:t>
+                      </a:r>
+                      <a:endParaRPr lang="en-US" sz="800" b="0" i="0" u="none" strike="noStrike">
+                        <a:solidFill>
+                          <a:srgbClr val="000000"/>
+                        </a:solidFill>
+                        <a:effectLst/>
+                        <a:latin typeface="Calibri" panose="020F0502020204030204" pitchFamily="34" charset="0"/>
+                      </a:endParaRPr>
+                    </a:p>
+                  </a:txBody>
+                  <a:tcPr marL="0" marR="0" marT="0" marB="0" anchor="b"/>
+                </a:tc>
+                <a:tc>
+                  <a:txBody>
+                    <a:bodyPr/>
+                    <a:lstStyle/>
+                    <a:p>
+                      <a:pPr algn="r" fontAlgn="b"/>
+                      <a:r>
+                        <a:rPr lang="en-US" sz="800" u="none" strike="noStrike">
+                          <a:effectLst/>
+                        </a:rPr>
+                        <a:t>2</a:t>
+                      </a:r>
+                      <a:endParaRPr lang="en-US" sz="800" b="0" i="0" u="none" strike="noStrike">
+                        <a:solidFill>
+                          <a:srgbClr val="000000"/>
+                        </a:solidFill>
+                        <a:effectLst/>
+                        <a:latin typeface="Calibri" panose="020F0502020204030204" pitchFamily="34" charset="0"/>
+                      </a:endParaRPr>
+                    </a:p>
+                  </a:txBody>
+                  <a:tcPr marL="0" marR="0" marT="0" marB="0" anchor="b"/>
+                </a:tc>
+                <a:tc>
+                  <a:txBody>
+                    <a:bodyPr/>
+                    <a:lstStyle/>
+                    <a:p>
+                      <a:pPr algn="r" fontAlgn="b"/>
+                      <a:r>
+                        <a:rPr lang="en-US" sz="800" u="none" strike="noStrike">
+                          <a:effectLst/>
+                        </a:rPr>
+                        <a:t>1</a:t>
+                      </a:r>
+                      <a:endParaRPr lang="en-US" sz="800" b="0" i="0" u="none" strike="noStrike">
+                        <a:solidFill>
+                          <a:srgbClr val="000000"/>
+                        </a:solidFill>
+                        <a:effectLst/>
+                        <a:latin typeface="Calibri" panose="020F0502020204030204" pitchFamily="34" charset="0"/>
+                      </a:endParaRPr>
+                    </a:p>
+                  </a:txBody>
+                  <a:tcPr marL="0" marR="0" marT="0" marB="0" anchor="b"/>
+                </a:tc>
+                <a:tc>
+                  <a:txBody>
+                    <a:bodyPr/>
+                    <a:lstStyle/>
+                    <a:p>
+                      <a:pPr algn="r" fontAlgn="b"/>
+                      <a:r>
+                        <a:rPr lang="en-US" sz="800" u="none" strike="noStrike">
+                          <a:effectLst/>
+                        </a:rPr>
+                        <a:t>350</a:t>
+                      </a:r>
+                      <a:endParaRPr lang="en-US" sz="800" b="0" i="0" u="none" strike="noStrike">
+                        <a:solidFill>
+                          <a:srgbClr val="000000"/>
+                        </a:solidFill>
+                        <a:effectLst/>
+                        <a:latin typeface="Calibri" panose="020F0502020204030204" pitchFamily="34" charset="0"/>
+                      </a:endParaRPr>
+                    </a:p>
+                  </a:txBody>
+                  <a:tcPr marL="0" marR="0" marT="0" marB="0" anchor="b"/>
+                </a:tc>
+                <a:tc>
+                  <a:txBody>
+                    <a:bodyPr/>
+                    <a:lstStyle/>
+                    <a:p>
+                      <a:pPr algn="r" fontAlgn="b"/>
+                      <a:r>
+                        <a:rPr lang="en-US" sz="800" u="none" strike="noStrike">
+                          <a:effectLst/>
+                        </a:rPr>
+                        <a:t>1</a:t>
+                      </a:r>
+                      <a:endParaRPr lang="en-US" sz="800" b="0" i="0" u="none" strike="noStrike">
+                        <a:solidFill>
+                          <a:srgbClr val="000000"/>
+                        </a:solidFill>
+                        <a:effectLst/>
+                        <a:latin typeface="Calibri" panose="020F0502020204030204" pitchFamily="34" charset="0"/>
+                      </a:endParaRPr>
+                    </a:p>
+                  </a:txBody>
+                  <a:tcPr marL="0" marR="0" marT="0" marB="0" anchor="b"/>
+                </a:tc>
+                <a:tc>
+                  <a:txBody>
+                    <a:bodyPr/>
+                    <a:lstStyle/>
+                    <a:p>
+                      <a:pPr algn="l" fontAlgn="b"/>
+                      <a:endParaRPr lang="en-US" sz="800" b="0" i="0" u="none" strike="noStrike">
+                        <a:solidFill>
+                          <a:srgbClr val="000000"/>
+                        </a:solidFill>
+                        <a:effectLst/>
+                        <a:latin typeface="Calibri" panose="020F0502020204030204" pitchFamily="34" charset="0"/>
+                      </a:endParaRPr>
+                    </a:p>
+                  </a:txBody>
+                  <a:tcPr marL="0" marR="0" marT="0" marB="0" anchor="b"/>
+                </a:tc>
+                <a:tc>
+                  <a:txBody>
+                    <a:bodyPr/>
+                    <a:lstStyle/>
+                    <a:p>
+                      <a:pPr algn="r" fontAlgn="b"/>
+                      <a:r>
+                        <a:rPr lang="en-US" sz="800" u="none" strike="noStrike">
+                          <a:effectLst/>
+                        </a:rPr>
+                        <a:t>100</a:t>
+                      </a:r>
+                      <a:endParaRPr lang="en-US" sz="800" b="0" i="0" u="none" strike="noStrike">
+                        <a:solidFill>
+                          <a:srgbClr val="000000"/>
+                        </a:solidFill>
+                        <a:effectLst/>
+                        <a:latin typeface="Calibri" panose="020F0502020204030204" pitchFamily="34" charset="0"/>
+                      </a:endParaRPr>
+                    </a:p>
+                  </a:txBody>
+                  <a:tcPr marL="0" marR="0" marT="0" marB="0" anchor="b"/>
+                </a:tc>
+                <a:tc>
+                  <a:txBody>
+                    <a:bodyPr/>
+                    <a:lstStyle/>
+                    <a:p>
+                      <a:pPr algn="r" fontAlgn="b"/>
+                      <a:r>
+                        <a:rPr lang="en-US" sz="800" u="none" strike="noStrike" dirty="0">
+                          <a:effectLst/>
+                        </a:rPr>
+                        <a:t>0</a:t>
+                      </a:r>
+                      <a:endParaRPr lang="en-US" sz="800" b="0" i="0" u="none" strike="noStrike" dirty="0">
+                        <a:solidFill>
+                          <a:srgbClr val="000000"/>
+                        </a:solidFill>
+                        <a:effectLst/>
+                        <a:latin typeface="Calibri" panose="020F0502020204030204" pitchFamily="34" charset="0"/>
+                      </a:endParaRPr>
+                    </a:p>
+                  </a:txBody>
+                  <a:tcPr marL="0" marR="0" marT="0" marB="0" anchor="b"/>
+                </a:tc>
+                <a:extLst>
+                  <a:ext uri="{0D108BD9-81ED-4DB2-BD59-A6C34878D82A}">
+                    <a16:rowId xmlns:a16="http://schemas.microsoft.com/office/drawing/2014/main" val="3993973692"/>
+                  </a:ext>
+                </a:extLst>
+              </a:tr>
+            </a:tbl>
+          </a:graphicData>
+        </a:graphic>
+      </p:graphicFrame>
+    </p:spTree>
+    <p:extLst>
+      <p:ext uri="{BB962C8B-B14F-4D97-AF65-F5344CB8AC3E}">
+        <p14:creationId xmlns:p14="http://schemas.microsoft.com/office/powerpoint/2010/main" val="1724280100"/>
+      </p:ext>
+    </p:extLst>
+  </p:cSld>
+  <p:clrMapOvr>
+    <a:masterClrMapping/>
+  </p:clrMapOvr>
+</p:sld>
+</file>
+
+<file path=ppt/slides/slide4.xml><?xml version="1.0" encoding="utf-8"?>
+<p:sld xmlns:a="http://schemas.openxmlformats.org/drawingml/2006/main" xmlns:r="http://schemas.openxmlformats.org/officeDocument/2006/relationships" xmlns:p="http://schemas.openxmlformats.org/presentationml/2006/main">
+  <p:cSld>
+    <p:spTree>
+      <p:nvGrpSpPr>
+        <p:cNvPr id="1" name=""/>
+        <p:cNvGrpSpPr/>
+        <p:nvPr/>
+      </p:nvGrpSpPr>
+      <p:grpSpPr>
+        <a:xfrm>
+          <a:off x="0" y="0"/>
+          <a:ext cx="0" cy="0"/>
+          <a:chOff x="0" y="0"/>
+          <a:chExt cx="0" cy="0"/>
+        </a:xfrm>
+      </p:grpSpPr>
+      <p:graphicFrame>
+        <p:nvGraphicFramePr>
+          <p:cNvPr id="4" name="Table 3">
+            <a:extLst>
+              <a:ext uri="{FF2B5EF4-FFF2-40B4-BE49-F238E27FC236}">
+                <a16:creationId xmlns:a16="http://schemas.microsoft.com/office/drawing/2014/main" id="{B86D6E97-2BE7-20FD-FE97-A72FAE8745C6}"/>
+              </a:ext>
+            </a:extLst>
+          </p:cNvPr>
+          <p:cNvGraphicFramePr>
+            <a:graphicFrameLocks noGrp="1"/>
+          </p:cNvGraphicFramePr>
+          <p:nvPr>
+            <p:extLst>
+              <p:ext uri="{D42A27DB-BD31-4B8C-83A1-F6EECF244321}">
+                <p14:modId xmlns:p14="http://schemas.microsoft.com/office/powerpoint/2010/main" val="990406940"/>
+              </p:ext>
+            </p:extLst>
+          </p:nvPr>
+        </p:nvGraphicFramePr>
+        <p:xfrm>
+          <a:off x="838203" y="586798"/>
+          <a:ext cx="10515594" cy="507455"/>
+        </p:xfrm>
+        <a:graphic>
+          <a:graphicData uri="http://schemas.openxmlformats.org/drawingml/2006/table">
+            <a:tbl>
+              <a:tblPr>
+                <a:tableStyleId>{5C22544A-7EE6-4342-B048-85BDC9FD1C3A}</a:tableStyleId>
+              </a:tblPr>
+              <a:tblGrid>
+                <a:gridCol w="996116">
+                  <a:extLst>
+                    <a:ext uri="{9D8B030D-6E8A-4147-A177-3AD203B41FA5}">
+                      <a16:colId xmlns:a16="http://schemas.microsoft.com/office/drawing/2014/main" val="970672661"/>
+                    </a:ext>
+                  </a:extLst>
+                </a:gridCol>
+                <a:gridCol w="498058">
+                  <a:extLst>
+                    <a:ext uri="{9D8B030D-6E8A-4147-A177-3AD203B41FA5}">
+                      <a16:colId xmlns:a16="http://schemas.microsoft.com/office/drawing/2014/main" val="1907335234"/>
+                    </a:ext>
+                  </a:extLst>
+                </a:gridCol>
+                <a:gridCol w="451071">
+                  <a:extLst>
+                    <a:ext uri="{9D8B030D-6E8A-4147-A177-3AD203B41FA5}">
+                      <a16:colId xmlns:a16="http://schemas.microsoft.com/office/drawing/2014/main" val="591541424"/>
+                    </a:ext>
+                  </a:extLst>
+                </a:gridCol>
+                <a:gridCol w="451071">
+                  <a:extLst>
+                    <a:ext uri="{9D8B030D-6E8A-4147-A177-3AD203B41FA5}">
+                      <a16:colId xmlns:a16="http://schemas.microsoft.com/office/drawing/2014/main" val="3394197927"/>
+                    </a:ext>
+                  </a:extLst>
+                </a:gridCol>
+                <a:gridCol w="451071">
+                  <a:extLst>
+                    <a:ext uri="{9D8B030D-6E8A-4147-A177-3AD203B41FA5}">
+                      <a16:colId xmlns:a16="http://schemas.microsoft.com/office/drawing/2014/main" val="1257198415"/>
+                    </a:ext>
+                  </a:extLst>
+                </a:gridCol>
+                <a:gridCol w="451071">
+                  <a:extLst>
+                    <a:ext uri="{9D8B030D-6E8A-4147-A177-3AD203B41FA5}">
+                      <a16:colId xmlns:a16="http://schemas.microsoft.com/office/drawing/2014/main" val="4251815279"/>
+                    </a:ext>
+                  </a:extLst>
+                </a:gridCol>
+                <a:gridCol w="451071">
+                  <a:extLst>
+                    <a:ext uri="{9D8B030D-6E8A-4147-A177-3AD203B41FA5}">
+                      <a16:colId xmlns:a16="http://schemas.microsoft.com/office/drawing/2014/main" val="1172360169"/>
+                    </a:ext>
+                  </a:extLst>
+                </a:gridCol>
+                <a:gridCol w="451071">
+                  <a:extLst>
+                    <a:ext uri="{9D8B030D-6E8A-4147-A177-3AD203B41FA5}">
+                      <a16:colId xmlns:a16="http://schemas.microsoft.com/office/drawing/2014/main" val="2825505446"/>
+                    </a:ext>
+                  </a:extLst>
+                </a:gridCol>
+                <a:gridCol w="451071">
+                  <a:extLst>
+                    <a:ext uri="{9D8B030D-6E8A-4147-A177-3AD203B41FA5}">
+                      <a16:colId xmlns:a16="http://schemas.microsoft.com/office/drawing/2014/main" val="3634670910"/>
+                    </a:ext>
+                  </a:extLst>
+                </a:gridCol>
+                <a:gridCol w="451071">
+                  <a:extLst>
+                    <a:ext uri="{9D8B030D-6E8A-4147-A177-3AD203B41FA5}">
+                      <a16:colId xmlns:a16="http://schemas.microsoft.com/office/drawing/2014/main" val="761734945"/>
+                    </a:ext>
+                  </a:extLst>
+                </a:gridCol>
+                <a:gridCol w="451071">
+                  <a:extLst>
+                    <a:ext uri="{9D8B030D-6E8A-4147-A177-3AD203B41FA5}">
+                      <a16:colId xmlns:a16="http://schemas.microsoft.com/office/drawing/2014/main" val="2551125928"/>
+                    </a:ext>
+                  </a:extLst>
+                </a:gridCol>
+                <a:gridCol w="451071">
+                  <a:extLst>
+                    <a:ext uri="{9D8B030D-6E8A-4147-A177-3AD203B41FA5}">
+                      <a16:colId xmlns:a16="http://schemas.microsoft.com/office/drawing/2014/main" val="3864896029"/>
+                    </a:ext>
+                  </a:extLst>
+                </a:gridCol>
+                <a:gridCol w="451071">
+                  <a:extLst>
+                    <a:ext uri="{9D8B030D-6E8A-4147-A177-3AD203B41FA5}">
+                      <a16:colId xmlns:a16="http://schemas.microsoft.com/office/drawing/2014/main" val="861337311"/>
+                    </a:ext>
+                  </a:extLst>
+                </a:gridCol>
+                <a:gridCol w="451071">
+                  <a:extLst>
+                    <a:ext uri="{9D8B030D-6E8A-4147-A177-3AD203B41FA5}">
+                      <a16:colId xmlns:a16="http://schemas.microsoft.com/office/drawing/2014/main" val="1046932901"/>
+                    </a:ext>
+                  </a:extLst>
+                </a:gridCol>
+                <a:gridCol w="451071">
+                  <a:extLst>
+                    <a:ext uri="{9D8B030D-6E8A-4147-A177-3AD203B41FA5}">
+                      <a16:colId xmlns:a16="http://schemas.microsoft.com/office/drawing/2014/main" val="995631725"/>
+                    </a:ext>
+                  </a:extLst>
+                </a:gridCol>
+                <a:gridCol w="451071">
+                  <a:extLst>
+                    <a:ext uri="{9D8B030D-6E8A-4147-A177-3AD203B41FA5}">
+                      <a16:colId xmlns:a16="http://schemas.microsoft.com/office/drawing/2014/main" val="4210085976"/>
+                    </a:ext>
+                  </a:extLst>
+                </a:gridCol>
+                <a:gridCol w="451071">
+                  <a:extLst>
+                    <a:ext uri="{9D8B030D-6E8A-4147-A177-3AD203B41FA5}">
+                      <a16:colId xmlns:a16="http://schemas.microsoft.com/office/drawing/2014/main" val="945257014"/>
+                    </a:ext>
+                  </a:extLst>
+                </a:gridCol>
+                <a:gridCol w="451071">
+                  <a:extLst>
+                    <a:ext uri="{9D8B030D-6E8A-4147-A177-3AD203B41FA5}">
+                      <a16:colId xmlns:a16="http://schemas.microsoft.com/office/drawing/2014/main" val="105546171"/>
+                    </a:ext>
+                  </a:extLst>
+                </a:gridCol>
+                <a:gridCol w="451071">
+                  <a:extLst>
+                    <a:ext uri="{9D8B030D-6E8A-4147-A177-3AD203B41FA5}">
+                      <a16:colId xmlns:a16="http://schemas.microsoft.com/office/drawing/2014/main" val="2314961746"/>
+                    </a:ext>
+                  </a:extLst>
+                </a:gridCol>
+                <a:gridCol w="451071">
+                  <a:extLst>
+                    <a:ext uri="{9D8B030D-6E8A-4147-A177-3AD203B41FA5}">
+                      <a16:colId xmlns:a16="http://schemas.microsoft.com/office/drawing/2014/main" val="2389249850"/>
+                    </a:ext>
+                  </a:extLst>
+                </a:gridCol>
+                <a:gridCol w="451071">
+                  <a:extLst>
+                    <a:ext uri="{9D8B030D-6E8A-4147-A177-3AD203B41FA5}">
+                      <a16:colId xmlns:a16="http://schemas.microsoft.com/office/drawing/2014/main" val="721487934"/>
+                    </a:ext>
+                  </a:extLst>
+                </a:gridCol>
+                <a:gridCol w="451071">
+                  <a:extLst>
+                    <a:ext uri="{9D8B030D-6E8A-4147-A177-3AD203B41FA5}">
+                      <a16:colId xmlns:a16="http://schemas.microsoft.com/office/drawing/2014/main" val="814237274"/>
+                    </a:ext>
+                  </a:extLst>
+                </a:gridCol>
+              </a:tblGrid>
+              <a:tr h="372134">
+                <a:tc>
+                  <a:txBody>
+                    <a:bodyPr/>
+                    <a:lstStyle/>
+                    <a:p>
+                      <a:pPr algn="l" fontAlgn="b"/>
+                      <a:r>
+                        <a:rPr lang="en-US" sz="800" u="none" strike="noStrike">
+                          <a:effectLst/>
+                        </a:rPr>
+                        <a:t>run name</a:t>
+                      </a:r>
+                      <a:endParaRPr lang="en-US" sz="800" b="1" i="0" u="none" strike="noStrike">
+                        <a:solidFill>
+                          <a:srgbClr val="000000"/>
+                        </a:solidFill>
+                        <a:effectLst/>
+                        <a:latin typeface="Calibri" panose="020F0502020204030204" pitchFamily="34" charset="0"/>
+                      </a:endParaRPr>
+                    </a:p>
+                  </a:txBody>
+                  <a:tcPr marL="0" marR="0" marT="0" marB="0" anchor="b"/>
+                </a:tc>
+                <a:tc>
+                  <a:txBody>
+                    <a:bodyPr/>
+                    <a:lstStyle/>
+                    <a:p>
+                      <a:pPr algn="l" fontAlgn="b"/>
+                      <a:r>
+                        <a:rPr lang="en-US" sz="800" u="none" strike="noStrike">
+                          <a:effectLst/>
+                        </a:rPr>
+                        <a:t>summary</a:t>
+                      </a:r>
+                      <a:endParaRPr lang="en-US" sz="800" b="1" i="0" u="none" strike="noStrike">
+                        <a:solidFill>
+                          <a:srgbClr val="000000"/>
+                        </a:solidFill>
+                        <a:effectLst/>
+                        <a:latin typeface="Calibri" panose="020F0502020204030204" pitchFamily="34" charset="0"/>
+                      </a:endParaRPr>
+                    </a:p>
+                  </a:txBody>
+                  <a:tcPr marL="0" marR="0" marT="0" marB="0" anchor="b"/>
+                </a:tc>
+                <a:tc>
+                  <a:txBody>
+                    <a:bodyPr/>
+                    <a:lstStyle/>
+                    <a:p>
+                      <a:pPr algn="l" fontAlgn="b"/>
+                      <a:r>
+                        <a:rPr lang="en-US" sz="800" u="none" strike="noStrike">
+                          <a:effectLst/>
+                        </a:rPr>
+                        <a:t>repsuc</a:t>
+                      </a:r>
+                      <a:endParaRPr lang="en-US" sz="800" b="1" i="0" u="none" strike="noStrike">
+                        <a:solidFill>
+                          <a:srgbClr val="000000"/>
+                        </a:solidFill>
+                        <a:effectLst/>
+                        <a:latin typeface="Calibri" panose="020F0502020204030204" pitchFamily="34" charset="0"/>
+                      </a:endParaRPr>
+                    </a:p>
+                  </a:txBody>
+                  <a:tcPr marL="0" marR="0" marT="0" marB="0" anchor="b"/>
+                </a:tc>
+                <a:tc>
+                  <a:txBody>
+                    <a:bodyPr/>
+                    <a:lstStyle/>
+                    <a:p>
+                      <a:pPr algn="l" fontAlgn="b"/>
+                      <a:r>
+                        <a:rPr lang="en-US" sz="800" u="none" strike="noStrike">
+                          <a:effectLst/>
+                        </a:rPr>
+                        <a:t>pop</a:t>
+                      </a:r>
+                      <a:endParaRPr lang="en-US" sz="800" b="1" i="0" u="none" strike="noStrike">
+                        <a:solidFill>
+                          <a:srgbClr val="000000"/>
+                        </a:solidFill>
+                        <a:effectLst/>
+                        <a:latin typeface="Calibri" panose="020F0502020204030204" pitchFamily="34" charset="0"/>
+                      </a:endParaRPr>
+                    </a:p>
+                  </a:txBody>
+                  <a:tcPr marL="0" marR="0" marT="0" marB="0" anchor="b"/>
+                </a:tc>
+                <a:tc>
+                  <a:txBody>
+                    <a:bodyPr/>
+                    <a:lstStyle/>
+                    <a:p>
+                      <a:pPr algn="l" fontAlgn="b"/>
+                      <a:r>
+                        <a:rPr lang="en-US" sz="800" u="none" strike="noStrike">
+                          <a:effectLst/>
+                        </a:rPr>
+                        <a:t>parameters</a:t>
+                      </a:r>
+                      <a:endParaRPr lang="en-US" sz="800" b="1" i="0" u="none" strike="noStrike">
+                        <a:solidFill>
+                          <a:srgbClr val="000000"/>
+                        </a:solidFill>
+                        <a:effectLst/>
+                        <a:latin typeface="Calibri" panose="020F0502020204030204" pitchFamily="34" charset="0"/>
+                      </a:endParaRPr>
+                    </a:p>
+                  </a:txBody>
+                  <a:tcPr marL="0" marR="0" marT="0" marB="0" anchor="b"/>
+                </a:tc>
+                <a:tc>
+                  <a:txBody>
+                    <a:bodyPr/>
+                    <a:lstStyle/>
+                    <a:p>
+                      <a:pPr algn="l" fontAlgn="b"/>
+                      <a:r>
+                        <a:rPr lang="en-US" sz="800" u="none" strike="noStrike">
+                          <a:effectLst/>
+                        </a:rPr>
+                        <a:t>nmig</a:t>
+                      </a:r>
+                      <a:endParaRPr lang="en-US" sz="800" b="1" i="0" u="none" strike="noStrike">
+                        <a:solidFill>
+                          <a:srgbClr val="000000"/>
+                        </a:solidFill>
+                        <a:effectLst/>
+                        <a:latin typeface="Calibri" panose="020F0502020204030204" pitchFamily="34" charset="0"/>
+                      </a:endParaRPr>
+                    </a:p>
+                  </a:txBody>
+                  <a:tcPr marL="0" marR="0" marT="0" marB="0" anchor="b"/>
+                </a:tc>
+                <a:tc>
+                  <a:txBody>
+                    <a:bodyPr/>
+                    <a:lstStyle/>
+                    <a:p>
+                      <a:pPr algn="l" fontAlgn="b"/>
+                      <a:r>
+                        <a:rPr lang="en-US" sz="800" u="none" strike="noStrike" dirty="0" err="1">
+                          <a:effectLst/>
+                        </a:rPr>
+                        <a:t>heteroz</a:t>
+                      </a:r>
+                      <a:r>
+                        <a:rPr lang="en-US" sz="800" u="none" strike="noStrike" dirty="0">
+                          <a:effectLst/>
+                        </a:rPr>
+                        <a:t> of source</a:t>
+                      </a:r>
+                      <a:endParaRPr lang="en-US" sz="800" b="1" i="0" u="none" strike="noStrike" dirty="0">
+                        <a:solidFill>
+                          <a:srgbClr val="000000"/>
+                        </a:solidFill>
+                        <a:effectLst/>
+                        <a:latin typeface="Calibri" panose="020F0502020204030204" pitchFamily="34" charset="0"/>
+                      </a:endParaRPr>
+                    </a:p>
+                  </a:txBody>
+                  <a:tcPr marL="0" marR="0" marT="0" marB="0" anchor="b"/>
+                </a:tc>
+                <a:tc>
+                  <a:txBody>
+                    <a:bodyPr/>
+                    <a:lstStyle/>
+                    <a:p>
+                      <a:pPr algn="l" fontAlgn="b"/>
+                      <a:r>
+                        <a:rPr lang="en-US" sz="800" u="none" strike="noStrike">
+                          <a:effectLst/>
+                        </a:rPr>
+                        <a:t>minor allel freq FOCAL</a:t>
+                      </a:r>
+                      <a:endParaRPr lang="en-US" sz="800" b="1" i="0" u="none" strike="noStrike">
+                        <a:solidFill>
+                          <a:srgbClr val="000000"/>
+                        </a:solidFill>
+                        <a:effectLst/>
+                        <a:latin typeface="Calibri" panose="020F0502020204030204" pitchFamily="34" charset="0"/>
+                      </a:endParaRPr>
+                    </a:p>
+                  </a:txBody>
+                  <a:tcPr marL="0" marR="0" marT="0" marB="0" anchor="b"/>
+                </a:tc>
+                <a:tc>
+                  <a:txBody>
+                    <a:bodyPr/>
+                    <a:lstStyle/>
+                    <a:p>
+                      <a:pPr algn="l" fontAlgn="b"/>
+                      <a:r>
+                        <a:rPr lang="en-US" sz="800" u="none" strike="noStrike">
+                          <a:effectLst/>
+                        </a:rPr>
+                        <a:t>n replicates</a:t>
+                      </a:r>
+                      <a:endParaRPr lang="en-US" sz="800" b="1" i="0" u="none" strike="noStrike">
+                        <a:solidFill>
+                          <a:srgbClr val="000000"/>
+                        </a:solidFill>
+                        <a:effectLst/>
+                        <a:latin typeface="Calibri" panose="020F0502020204030204" pitchFamily="34" charset="0"/>
+                      </a:endParaRPr>
+                    </a:p>
+                  </a:txBody>
+                  <a:tcPr marL="0" marR="0" marT="0" marB="0" anchor="b"/>
+                </a:tc>
+                <a:tc>
+                  <a:txBody>
+                    <a:bodyPr/>
+                    <a:lstStyle/>
+                    <a:p>
+                      <a:pPr algn="l" fontAlgn="b"/>
+                      <a:r>
+                        <a:rPr lang="en-US" sz="800" u="none" strike="noStrike">
+                          <a:effectLst/>
+                        </a:rPr>
+                        <a:t>dropK</a:t>
+                      </a:r>
+                      <a:endParaRPr lang="en-US" sz="800" b="1" i="0" u="none" strike="noStrike">
+                        <a:solidFill>
+                          <a:srgbClr val="000000"/>
+                        </a:solidFill>
+                        <a:effectLst/>
+                        <a:latin typeface="Calibri" panose="020F0502020204030204" pitchFamily="34" charset="0"/>
+                      </a:endParaRPr>
+                    </a:p>
+                  </a:txBody>
+                  <a:tcPr marL="0" marR="0" marT="0" marB="0" anchor="b"/>
+                </a:tc>
+                <a:tc>
+                  <a:txBody>
+                    <a:bodyPr/>
+                    <a:lstStyle/>
+                    <a:p>
+                      <a:pPr algn="l" fontAlgn="b"/>
+                      <a:r>
+                        <a:rPr lang="en-US" sz="800" u="none" strike="noStrike">
+                          <a:effectLst/>
+                        </a:rPr>
+                        <a:t>k</a:t>
+                      </a:r>
+                      <a:endParaRPr lang="en-US" sz="800" b="1" i="0" u="none" strike="noStrike">
+                        <a:solidFill>
+                          <a:srgbClr val="000000"/>
+                        </a:solidFill>
+                        <a:effectLst/>
+                        <a:latin typeface="Calibri" panose="020F0502020204030204" pitchFamily="34" charset="0"/>
+                      </a:endParaRPr>
+                    </a:p>
+                  </a:txBody>
+                  <a:tcPr marL="0" marR="0" marT="0" marB="0" anchor="b"/>
+                </a:tc>
+                <a:tc>
+                  <a:txBody>
+                    <a:bodyPr/>
+                    <a:lstStyle/>
+                    <a:p>
+                      <a:pPr algn="l" fontAlgn="b"/>
+                      <a:r>
+                        <a:rPr lang="en-US" sz="800" u="none" strike="noStrike">
+                          <a:effectLst/>
+                        </a:rPr>
+                        <a:t>nSNP</a:t>
+                      </a:r>
+                      <a:endParaRPr lang="en-US" sz="800" b="1" i="0" u="none" strike="noStrike">
+                        <a:solidFill>
+                          <a:srgbClr val="000000"/>
+                        </a:solidFill>
+                        <a:effectLst/>
+                        <a:latin typeface="Calibri" panose="020F0502020204030204" pitchFamily="34" charset="0"/>
+                      </a:endParaRPr>
+                    </a:p>
+                  </a:txBody>
+                  <a:tcPr marL="0" marR="0" marT="0" marB="0" anchor="b"/>
+                </a:tc>
+                <a:tc>
+                  <a:txBody>
+                    <a:bodyPr/>
+                    <a:lstStyle/>
+                    <a:p>
+                      <a:pPr algn="l" fontAlgn="b"/>
+                      <a:r>
+                        <a:rPr lang="en-US" sz="800" u="none" strike="noStrike">
+                          <a:effectLst/>
+                        </a:rPr>
+                        <a:t>drp</a:t>
+                      </a:r>
+                      <a:endParaRPr lang="en-US" sz="800" b="1" i="0" u="none" strike="noStrike">
+                        <a:solidFill>
+                          <a:srgbClr val="000000"/>
+                        </a:solidFill>
+                        <a:effectLst/>
+                        <a:latin typeface="Calibri" panose="020F0502020204030204" pitchFamily="34" charset="0"/>
+                      </a:endParaRPr>
+                    </a:p>
+                  </a:txBody>
+                  <a:tcPr marL="0" marR="0" marT="0" marB="0" anchor="b"/>
+                </a:tc>
+                <a:tc>
+                  <a:txBody>
+                    <a:bodyPr/>
+                    <a:lstStyle/>
+                    <a:p>
+                      <a:pPr algn="l" fontAlgn="b"/>
+                      <a:r>
+                        <a:rPr lang="en-US" sz="800" u="none" strike="noStrike">
+                          <a:effectLst/>
+                        </a:rPr>
+                        <a:t>dur</a:t>
+                      </a:r>
+                      <a:endParaRPr lang="en-US" sz="800" b="1" i="0" u="none" strike="noStrike">
+                        <a:solidFill>
+                          <a:srgbClr val="000000"/>
+                        </a:solidFill>
+                        <a:effectLst/>
+                        <a:latin typeface="Calibri" panose="020F0502020204030204" pitchFamily="34" charset="0"/>
+                      </a:endParaRPr>
+                    </a:p>
+                  </a:txBody>
+                  <a:tcPr marL="0" marR="0" marT="0" marB="0" anchor="b"/>
+                </a:tc>
+                <a:tc>
+                  <a:txBody>
+                    <a:bodyPr/>
+                    <a:lstStyle/>
+                    <a:p>
+                      <a:pPr algn="l" fontAlgn="b"/>
+                      <a:r>
+                        <a:rPr lang="en-US" sz="800" u="none" strike="noStrike">
+                          <a:effectLst/>
+                        </a:rPr>
+                        <a:t>maxage</a:t>
+                      </a:r>
+                      <a:endParaRPr lang="en-US" sz="800" b="1" i="0" u="none" strike="noStrike">
+                        <a:solidFill>
+                          <a:srgbClr val="000000"/>
+                        </a:solidFill>
+                        <a:effectLst/>
+                        <a:latin typeface="Calibri" panose="020F0502020204030204" pitchFamily="34" charset="0"/>
+                      </a:endParaRPr>
+                    </a:p>
+                  </a:txBody>
+                  <a:tcPr marL="0" marR="0" marT="0" marB="0" anchor="b"/>
+                </a:tc>
+                <a:tc>
+                  <a:txBody>
+                    <a:bodyPr/>
+                    <a:lstStyle/>
+                    <a:p>
+                      <a:pPr algn="l" fontAlgn="b"/>
+                      <a:r>
+                        <a:rPr lang="en-US" sz="800" u="none" strike="noStrike">
+                          <a:effectLst/>
+                        </a:rPr>
+                        <a:t>broodsize</a:t>
+                      </a:r>
+                      <a:endParaRPr lang="en-US" sz="800" b="1" i="0" u="none" strike="noStrike">
+                        <a:solidFill>
+                          <a:srgbClr val="000000"/>
+                        </a:solidFill>
+                        <a:effectLst/>
+                        <a:latin typeface="Calibri" panose="020F0502020204030204" pitchFamily="34" charset="0"/>
+                      </a:endParaRPr>
+                    </a:p>
+                  </a:txBody>
+                  <a:tcPr marL="0" marR="0" marT="0" marB="0" anchor="b"/>
+                </a:tc>
+                <a:tc>
+                  <a:txBody>
+                    <a:bodyPr/>
+                    <a:lstStyle/>
+                    <a:p>
+                      <a:pPr algn="l" fontAlgn="b"/>
+                      <a:r>
+                        <a:rPr lang="en-US" sz="800" u="none" strike="noStrike">
+                          <a:effectLst/>
+                        </a:rPr>
+                        <a:t>maturity</a:t>
+                      </a:r>
+                      <a:endParaRPr lang="en-US" sz="800" b="1" i="0" u="none" strike="noStrike">
+                        <a:solidFill>
+                          <a:srgbClr val="000000"/>
+                        </a:solidFill>
+                        <a:effectLst/>
+                        <a:latin typeface="Calibri" panose="020F0502020204030204" pitchFamily="34" charset="0"/>
+                      </a:endParaRPr>
+                    </a:p>
+                  </a:txBody>
+                  <a:tcPr marL="0" marR="0" marT="0" marB="0" anchor="b"/>
+                </a:tc>
+                <a:tc>
+                  <a:txBody>
+                    <a:bodyPr/>
+                    <a:lstStyle/>
+                    <a:p>
+                      <a:pPr algn="l" fontAlgn="b"/>
+                      <a:r>
+                        <a:rPr lang="en-US" sz="800" u="none" strike="noStrike">
+                          <a:effectLst/>
+                        </a:rPr>
+                        <a:t>years</a:t>
+                      </a:r>
+                      <a:endParaRPr lang="en-US" sz="800" b="1" i="0" u="none" strike="noStrike">
+                        <a:solidFill>
+                          <a:srgbClr val="000000"/>
+                        </a:solidFill>
+                        <a:effectLst/>
+                        <a:latin typeface="Calibri" panose="020F0502020204030204" pitchFamily="34" charset="0"/>
+                      </a:endParaRPr>
+                    </a:p>
+                  </a:txBody>
+                  <a:tcPr marL="0" marR="0" marT="0" marB="0" anchor="b"/>
+                </a:tc>
+                <a:tc>
+                  <a:txBody>
+                    <a:bodyPr/>
+                    <a:lstStyle/>
+                    <a:p>
+                      <a:pPr algn="l" fontAlgn="b"/>
+                      <a:r>
+                        <a:rPr lang="en-US" sz="800" u="none" strike="noStrike">
+                          <a:effectLst/>
+                        </a:rPr>
+                        <a:t>r0</a:t>
+                      </a:r>
+                      <a:endParaRPr lang="en-US" sz="800" b="1" i="0" u="none" strike="noStrike">
+                        <a:solidFill>
+                          <a:srgbClr val="000000"/>
+                        </a:solidFill>
+                        <a:effectLst/>
+                        <a:latin typeface="Calibri" panose="020F0502020204030204" pitchFamily="34" charset="0"/>
+                      </a:endParaRPr>
+                    </a:p>
+                  </a:txBody>
+                  <a:tcPr marL="0" marR="0" marT="0" marB="0" anchor="b"/>
+                </a:tc>
+                <a:tc>
+                  <a:txBody>
+                    <a:bodyPr/>
+                    <a:lstStyle/>
+                    <a:p>
+                      <a:pPr algn="l" fontAlgn="b"/>
+                      <a:r>
+                        <a:rPr lang="en-US" sz="800" u="none" strike="noStrike">
+                          <a:effectLst/>
+                        </a:rPr>
+                        <a:t>ratemort</a:t>
+                      </a:r>
+                      <a:endParaRPr lang="en-US" sz="800" b="1" i="0" u="none" strike="noStrike">
+                        <a:solidFill>
+                          <a:srgbClr val="000000"/>
+                        </a:solidFill>
+                        <a:effectLst/>
+                        <a:latin typeface="Calibri" panose="020F0502020204030204" pitchFamily="34" charset="0"/>
+                      </a:endParaRPr>
+                    </a:p>
+                  </a:txBody>
+                  <a:tcPr marL="0" marR="0" marT="0" marB="0" anchor="b"/>
+                </a:tc>
+                <a:tc>
+                  <a:txBody>
+                    <a:bodyPr/>
+                    <a:lstStyle/>
+                    <a:p>
+                      <a:pPr algn="l" fontAlgn="b"/>
+                      <a:r>
+                        <a:rPr lang="en-US" sz="800" u="none" strike="noStrike">
+                          <a:effectLst/>
+                        </a:rPr>
+                        <a:t>nSNP.mig</a:t>
+                      </a:r>
+                      <a:endParaRPr lang="en-US" sz="800" b="1" i="0" u="none" strike="noStrike">
+                        <a:solidFill>
+                          <a:srgbClr val="000000"/>
+                        </a:solidFill>
+                        <a:effectLst/>
+                        <a:latin typeface="Calibri" panose="020F0502020204030204" pitchFamily="34" charset="0"/>
+                      </a:endParaRPr>
+                    </a:p>
+                  </a:txBody>
+                  <a:tcPr marL="0" marR="0" marT="0" marB="0" anchor="b"/>
+                </a:tc>
+                <a:tc>
+                  <a:txBody>
+                    <a:bodyPr/>
+                    <a:lstStyle/>
+                    <a:p>
+                      <a:pPr algn="l" fontAlgn="b"/>
+                      <a:r>
+                        <a:rPr lang="en-US" sz="800" u="none" strike="noStrike">
+                          <a:effectLst/>
+                        </a:rPr>
+                        <a:t>nSNP.cons</a:t>
+                      </a:r>
+                      <a:endParaRPr lang="en-US" sz="800" b="1" i="0" u="none" strike="noStrike">
+                        <a:solidFill>
+                          <a:srgbClr val="000000"/>
+                        </a:solidFill>
+                        <a:effectLst/>
+                        <a:latin typeface="Calibri" panose="020F0502020204030204" pitchFamily="34" charset="0"/>
+                      </a:endParaRPr>
+                    </a:p>
+                  </a:txBody>
+                  <a:tcPr marL="0" marR="0" marT="0" marB="0" anchor="b"/>
+                </a:tc>
+                <a:extLst>
+                  <a:ext uri="{0D108BD9-81ED-4DB2-BD59-A6C34878D82A}">
+                    <a16:rowId xmlns:a16="http://schemas.microsoft.com/office/drawing/2014/main" val="2586979355"/>
+                  </a:ext>
+                </a:extLst>
+              </a:tr>
+              <a:tr h="135321">
+                <a:tc>
+                  <a:txBody>
+                    <a:bodyPr/>
+                    <a:lstStyle/>
+                    <a:p>
+                      <a:pPr algn="l" fontAlgn="b"/>
+                      <a:r>
+                        <a:rPr lang="en-US" sz="800" u="none" strike="noStrike">
+                          <a:effectLst/>
+                        </a:rPr>
+                        <a:t>run_c</a:t>
+                      </a:r>
+                      <a:endParaRPr lang="en-US" sz="800" b="0" i="0" u="none" strike="noStrike">
+                        <a:solidFill>
+                          <a:srgbClr val="000000"/>
+                        </a:solidFill>
+                        <a:effectLst/>
+                        <a:latin typeface="Calibri" panose="020F0502020204030204" pitchFamily="34" charset="0"/>
+                      </a:endParaRPr>
+                    </a:p>
+                  </a:txBody>
+                  <a:tcPr marL="0" marR="0" marT="0" marB="0" anchor="b"/>
+                </a:tc>
+                <a:tc>
+                  <a:txBody>
+                    <a:bodyPr/>
+                    <a:lstStyle/>
+                    <a:p>
+                      <a:pPr algn="l" fontAlgn="b"/>
+                      <a:endParaRPr lang="en-US" sz="800" b="0" i="0" u="none" strike="noStrike">
+                        <a:solidFill>
+                          <a:srgbClr val="000000"/>
+                        </a:solidFill>
+                        <a:effectLst/>
+                        <a:latin typeface="Calibri" panose="020F0502020204030204" pitchFamily="34" charset="0"/>
+                      </a:endParaRPr>
+                    </a:p>
+                  </a:txBody>
+                  <a:tcPr marL="0" marR="0" marT="0" marB="0" anchor="b"/>
+                </a:tc>
+                <a:tc>
+                  <a:txBody>
+                    <a:bodyPr/>
+                    <a:lstStyle/>
+                    <a:p>
+                      <a:pPr algn="l" fontAlgn="b"/>
+                      <a:endParaRPr lang="en-US" sz="800" b="0" i="0" u="none" strike="noStrike">
+                        <a:solidFill>
+                          <a:srgbClr val="000000"/>
+                        </a:solidFill>
+                        <a:effectLst/>
+                        <a:latin typeface="Calibri" panose="020F0502020204030204" pitchFamily="34" charset="0"/>
+                      </a:endParaRPr>
+                    </a:p>
+                  </a:txBody>
+                  <a:tcPr marL="0" marR="0" marT="0" marB="0" anchor="b"/>
+                </a:tc>
+                <a:tc>
+                  <a:txBody>
+                    <a:bodyPr/>
+                    <a:lstStyle/>
+                    <a:p>
+                      <a:pPr algn="l" fontAlgn="b"/>
+                      <a:endParaRPr lang="en-US" sz="800" b="0" i="0" u="none" strike="noStrike">
+                        <a:solidFill>
+                          <a:srgbClr val="000000"/>
+                        </a:solidFill>
+                        <a:effectLst/>
+                        <a:latin typeface="Calibri" panose="020F0502020204030204" pitchFamily="34" charset="0"/>
+                      </a:endParaRPr>
+                    </a:p>
+                  </a:txBody>
+                  <a:tcPr marL="0" marR="0" marT="0" marB="0" anchor="b"/>
+                </a:tc>
+                <a:tc>
+                  <a:txBody>
+                    <a:bodyPr/>
+                    <a:lstStyle/>
+                    <a:p>
+                      <a:pPr algn="l" fontAlgn="b"/>
+                      <a:endParaRPr lang="en-US" sz="800" b="0" i="0" u="none" strike="noStrike">
+                        <a:solidFill>
+                          <a:srgbClr val="000000"/>
+                        </a:solidFill>
+                        <a:effectLst/>
+                        <a:latin typeface="Calibri" panose="020F0502020204030204" pitchFamily="34" charset="0"/>
+                      </a:endParaRPr>
+                    </a:p>
+                  </a:txBody>
+                  <a:tcPr marL="0" marR="0" marT="0" marB="0" anchor="b"/>
+                </a:tc>
+                <a:tc>
+                  <a:txBody>
+                    <a:bodyPr/>
+                    <a:lstStyle/>
+                    <a:p>
+                      <a:pPr algn="l" fontAlgn="b"/>
+                      <a:r>
+                        <a:rPr lang="en-US" sz="800" u="none" strike="noStrike">
+                          <a:effectLst/>
+                        </a:rPr>
+                        <a:t>all 4</a:t>
+                      </a:r>
+                      <a:endParaRPr lang="en-US" sz="800" b="0" i="0" u="none" strike="noStrike">
+                        <a:solidFill>
+                          <a:srgbClr val="000000"/>
+                        </a:solidFill>
+                        <a:effectLst/>
+                        <a:latin typeface="Calibri" panose="020F0502020204030204" pitchFamily="34" charset="0"/>
+                      </a:endParaRPr>
+                    </a:p>
+                  </a:txBody>
+                  <a:tcPr marL="0" marR="0" marT="0" marB="0" anchor="b"/>
+                </a:tc>
+                <a:tc>
+                  <a:txBody>
+                    <a:bodyPr/>
+                    <a:lstStyle/>
+                    <a:p>
+                      <a:pPr algn="r" fontAlgn="b"/>
+                      <a:r>
+                        <a:rPr lang="en-US" sz="800" u="none" strike="noStrike" dirty="0">
+                          <a:effectLst/>
+                        </a:rPr>
+                        <a:t>0.45</a:t>
+                      </a:r>
+                      <a:endParaRPr lang="en-US" sz="800" b="0" i="0" u="none" strike="noStrike" dirty="0">
+                        <a:solidFill>
+                          <a:srgbClr val="000000"/>
+                        </a:solidFill>
+                        <a:effectLst/>
+                        <a:latin typeface="Calibri" panose="020F0502020204030204" pitchFamily="34" charset="0"/>
+                      </a:endParaRPr>
+                    </a:p>
+                  </a:txBody>
+                  <a:tcPr marL="0" marR="0" marT="0" marB="0" anchor="b"/>
+                </a:tc>
+                <a:tc>
+                  <a:txBody>
+                    <a:bodyPr/>
+                    <a:lstStyle/>
+                    <a:p>
+                      <a:pPr algn="r" fontAlgn="b"/>
+                      <a:r>
+                        <a:rPr lang="en-US" sz="800" u="none" strike="noStrike">
+                          <a:effectLst/>
+                        </a:rPr>
+                        <a:t>0.45</a:t>
+                      </a:r>
+                      <a:endParaRPr lang="en-US" sz="800" b="0" i="0" u="none" strike="noStrike">
+                        <a:solidFill>
+                          <a:srgbClr val="000000"/>
+                        </a:solidFill>
+                        <a:effectLst/>
+                        <a:latin typeface="Calibri" panose="020F0502020204030204" pitchFamily="34" charset="0"/>
+                      </a:endParaRPr>
+                    </a:p>
+                  </a:txBody>
+                  <a:tcPr marL="0" marR="0" marT="0" marB="0" anchor="b"/>
+                </a:tc>
+                <a:tc>
+                  <a:txBody>
+                    <a:bodyPr/>
+                    <a:lstStyle/>
+                    <a:p>
+                      <a:pPr algn="r" fontAlgn="b"/>
+                      <a:r>
+                        <a:rPr lang="en-US" sz="800" u="none" strike="noStrike">
+                          <a:effectLst/>
+                        </a:rPr>
+                        <a:t>1</a:t>
+                      </a:r>
+                      <a:endParaRPr lang="en-US" sz="800" b="0" i="0" u="none" strike="noStrike">
+                        <a:solidFill>
+                          <a:srgbClr val="000000"/>
+                        </a:solidFill>
+                        <a:effectLst/>
+                        <a:latin typeface="Calibri" panose="020F0502020204030204" pitchFamily="34" charset="0"/>
+                      </a:endParaRPr>
+                    </a:p>
+                  </a:txBody>
+                  <a:tcPr marL="0" marR="0" marT="0" marB="0" anchor="b"/>
+                </a:tc>
+                <a:tc>
+                  <a:txBody>
+                    <a:bodyPr/>
+                    <a:lstStyle/>
+                    <a:p>
+                      <a:pPr algn="r" fontAlgn="b"/>
+                      <a:r>
+                        <a:rPr lang="en-US" sz="800" u="none" strike="noStrike">
+                          <a:effectLst/>
+                        </a:rPr>
+                        <a:t>300</a:t>
+                      </a:r>
+                      <a:endParaRPr lang="en-US" sz="800" b="0" i="0" u="none" strike="noStrike">
+                        <a:solidFill>
+                          <a:srgbClr val="000000"/>
+                        </a:solidFill>
+                        <a:effectLst/>
+                        <a:latin typeface="Calibri" panose="020F0502020204030204" pitchFamily="34" charset="0"/>
+                      </a:endParaRPr>
+                    </a:p>
+                  </a:txBody>
+                  <a:tcPr marL="0" marR="0" marT="0" marB="0" anchor="b"/>
+                </a:tc>
+                <a:tc>
+                  <a:txBody>
+                    <a:bodyPr/>
+                    <a:lstStyle/>
+                    <a:p>
+                      <a:pPr algn="r" fontAlgn="b"/>
+                      <a:r>
+                        <a:rPr lang="en-US" sz="800" u="none" strike="noStrike">
+                          <a:effectLst/>
+                        </a:rPr>
+                        <a:t>1000</a:t>
+                      </a:r>
+                      <a:endParaRPr lang="en-US" sz="800" b="0" i="0" u="none" strike="noStrike">
+                        <a:solidFill>
+                          <a:srgbClr val="000000"/>
+                        </a:solidFill>
+                        <a:effectLst/>
+                        <a:latin typeface="Calibri" panose="020F0502020204030204" pitchFamily="34" charset="0"/>
+                      </a:endParaRPr>
+                    </a:p>
+                  </a:txBody>
+                  <a:tcPr marL="0" marR="0" marT="0" marB="0" anchor="b"/>
+                </a:tc>
+                <a:tc>
+                  <a:txBody>
+                    <a:bodyPr/>
+                    <a:lstStyle/>
+                    <a:p>
+                      <a:pPr algn="r" fontAlgn="b"/>
+                      <a:r>
+                        <a:rPr lang="en-US" sz="800" u="none" strike="noStrike">
+                          <a:effectLst/>
+                        </a:rPr>
+                        <a:t>1000</a:t>
+                      </a:r>
+                      <a:endParaRPr lang="en-US" sz="800" b="0" i="0" u="none" strike="noStrike">
+                        <a:solidFill>
+                          <a:srgbClr val="000000"/>
+                        </a:solidFill>
+                        <a:effectLst/>
+                        <a:latin typeface="Calibri" panose="020F0502020204030204" pitchFamily="34" charset="0"/>
+                      </a:endParaRPr>
+                    </a:p>
+                  </a:txBody>
+                  <a:tcPr marL="0" marR="0" marT="0" marB="0" anchor="b"/>
+                </a:tc>
+                <a:tc>
+                  <a:txBody>
+                    <a:bodyPr/>
+                    <a:lstStyle/>
+                    <a:p>
+                      <a:pPr algn="r" fontAlgn="b"/>
+                      <a:r>
+                        <a:rPr lang="en-US" sz="800" u="none" strike="noStrike">
+                          <a:effectLst/>
+                        </a:rPr>
+                        <a:t>10</a:t>
+                      </a:r>
+                      <a:endParaRPr lang="en-US" sz="800" b="0" i="0" u="none" strike="noStrike">
+                        <a:solidFill>
+                          <a:srgbClr val="000000"/>
+                        </a:solidFill>
+                        <a:effectLst/>
+                        <a:latin typeface="Calibri" panose="020F0502020204030204" pitchFamily="34" charset="0"/>
+                      </a:endParaRPr>
+                    </a:p>
+                  </a:txBody>
+                  <a:tcPr marL="0" marR="0" marT="0" marB="0" anchor="b"/>
+                </a:tc>
+                <a:tc>
+                  <a:txBody>
+                    <a:bodyPr/>
+                    <a:lstStyle/>
+                    <a:p>
+                      <a:pPr algn="r" fontAlgn="b"/>
+                      <a:r>
+                        <a:rPr lang="en-US" sz="800" u="none" strike="noStrike">
+                          <a:effectLst/>
+                        </a:rPr>
+                        <a:t>40</a:t>
+                      </a:r>
+                      <a:endParaRPr lang="en-US" sz="800" b="0" i="0" u="none" strike="noStrike">
+                        <a:solidFill>
+                          <a:srgbClr val="000000"/>
+                        </a:solidFill>
+                        <a:effectLst/>
+                        <a:latin typeface="Calibri" panose="020F0502020204030204" pitchFamily="34" charset="0"/>
+                      </a:endParaRPr>
+                    </a:p>
+                  </a:txBody>
+                  <a:tcPr marL="0" marR="0" marT="0" marB="0" anchor="b"/>
+                </a:tc>
+                <a:tc>
+                  <a:txBody>
+                    <a:bodyPr/>
+                    <a:lstStyle/>
+                    <a:p>
+                      <a:pPr algn="r" fontAlgn="b"/>
+                      <a:r>
+                        <a:rPr lang="en-US" sz="800" u="none" strike="noStrike">
+                          <a:effectLst/>
+                        </a:rPr>
+                        <a:t>9</a:t>
+                      </a:r>
+                      <a:endParaRPr lang="en-US" sz="800" b="0" i="0" u="none" strike="noStrike">
+                        <a:solidFill>
+                          <a:srgbClr val="000000"/>
+                        </a:solidFill>
+                        <a:effectLst/>
+                        <a:latin typeface="Calibri" panose="020F0502020204030204" pitchFamily="34" charset="0"/>
+                      </a:endParaRPr>
+                    </a:p>
+                  </a:txBody>
+                  <a:tcPr marL="0" marR="0" marT="0" marB="0" anchor="b"/>
+                </a:tc>
+                <a:tc>
+                  <a:txBody>
+                    <a:bodyPr/>
+                    <a:lstStyle/>
+                    <a:p>
+                      <a:pPr algn="l" fontAlgn="b"/>
+                      <a:r>
+                        <a:rPr lang="en-US" sz="800" u="none" strike="noStrike">
+                          <a:effectLst/>
+                        </a:rPr>
+                        <a:t>4, 6</a:t>
+                      </a:r>
+                      <a:endParaRPr lang="en-US" sz="800" b="0" i="0" u="none" strike="noStrike">
+                        <a:solidFill>
+                          <a:srgbClr val="000000"/>
+                        </a:solidFill>
+                        <a:effectLst/>
+                        <a:latin typeface="Calibri" panose="020F0502020204030204" pitchFamily="34" charset="0"/>
+                      </a:endParaRPr>
+                    </a:p>
+                  </a:txBody>
+                  <a:tcPr marL="0" marR="0" marT="0" marB="0" anchor="b"/>
+                </a:tc>
+                <a:tc>
+                  <a:txBody>
+                    <a:bodyPr/>
+                    <a:lstStyle/>
+                    <a:p>
+                      <a:pPr algn="r" fontAlgn="b"/>
+                      <a:r>
+                        <a:rPr lang="en-US" sz="800" u="none" strike="noStrike">
+                          <a:effectLst/>
+                        </a:rPr>
+                        <a:t>1</a:t>
+                      </a:r>
+                      <a:endParaRPr lang="en-US" sz="800" b="0" i="0" u="none" strike="noStrike">
+                        <a:solidFill>
+                          <a:srgbClr val="000000"/>
+                        </a:solidFill>
+                        <a:effectLst/>
+                        <a:latin typeface="Calibri" panose="020F0502020204030204" pitchFamily="34" charset="0"/>
+                      </a:endParaRPr>
+                    </a:p>
+                  </a:txBody>
+                  <a:tcPr marL="0" marR="0" marT="0" marB="0" anchor="b"/>
+                </a:tc>
+                <a:tc>
+                  <a:txBody>
+                    <a:bodyPr/>
+                    <a:lstStyle/>
+                    <a:p>
+                      <a:pPr algn="r" fontAlgn="b"/>
+                      <a:r>
+                        <a:rPr lang="en-US" sz="800" u="none" strike="noStrike">
+                          <a:effectLst/>
+                        </a:rPr>
+                        <a:t>350</a:t>
+                      </a:r>
+                      <a:endParaRPr lang="en-US" sz="800" b="0" i="0" u="none" strike="noStrike">
+                        <a:solidFill>
+                          <a:srgbClr val="000000"/>
+                        </a:solidFill>
+                        <a:effectLst/>
+                        <a:latin typeface="Calibri" panose="020F0502020204030204" pitchFamily="34" charset="0"/>
+                      </a:endParaRPr>
+                    </a:p>
+                  </a:txBody>
+                  <a:tcPr marL="0" marR="0" marT="0" marB="0" anchor="b"/>
+                </a:tc>
+                <a:tc>
+                  <a:txBody>
+                    <a:bodyPr/>
+                    <a:lstStyle/>
+                    <a:p>
+                      <a:pPr algn="r" fontAlgn="b"/>
+                      <a:r>
+                        <a:rPr lang="en-US" sz="800" u="none" strike="noStrike">
+                          <a:effectLst/>
+                        </a:rPr>
+                        <a:t>1</a:t>
+                      </a:r>
+                      <a:endParaRPr lang="en-US" sz="800" b="0" i="0" u="none" strike="noStrike">
+                        <a:solidFill>
+                          <a:srgbClr val="000000"/>
+                        </a:solidFill>
+                        <a:effectLst/>
+                        <a:latin typeface="Calibri" panose="020F0502020204030204" pitchFamily="34" charset="0"/>
+                      </a:endParaRPr>
+                    </a:p>
+                  </a:txBody>
+                  <a:tcPr marL="0" marR="0" marT="0" marB="0" anchor="b"/>
+                </a:tc>
+                <a:tc>
+                  <a:txBody>
+                    <a:bodyPr/>
+                    <a:lstStyle/>
+                    <a:p>
+                      <a:pPr algn="l" fontAlgn="b"/>
+                      <a:endParaRPr lang="en-US" sz="800" b="0" i="0" u="none" strike="noStrike">
+                        <a:solidFill>
+                          <a:srgbClr val="000000"/>
+                        </a:solidFill>
+                        <a:effectLst/>
+                        <a:latin typeface="Calibri" panose="020F0502020204030204" pitchFamily="34" charset="0"/>
+                      </a:endParaRPr>
+                    </a:p>
+                  </a:txBody>
+                  <a:tcPr marL="0" marR="0" marT="0" marB="0" anchor="b"/>
+                </a:tc>
+                <a:tc>
+                  <a:txBody>
+                    <a:bodyPr/>
+                    <a:lstStyle/>
+                    <a:p>
+                      <a:pPr algn="r" fontAlgn="b"/>
+                      <a:r>
+                        <a:rPr lang="en-US" sz="800" u="none" strike="noStrike">
+                          <a:effectLst/>
+                        </a:rPr>
+                        <a:t>100</a:t>
+                      </a:r>
+                      <a:endParaRPr lang="en-US" sz="800" b="0" i="0" u="none" strike="noStrike">
+                        <a:solidFill>
+                          <a:srgbClr val="000000"/>
+                        </a:solidFill>
+                        <a:effectLst/>
+                        <a:latin typeface="Calibri" panose="020F0502020204030204" pitchFamily="34" charset="0"/>
+                      </a:endParaRPr>
+                    </a:p>
+                  </a:txBody>
+                  <a:tcPr marL="0" marR="0" marT="0" marB="0" anchor="b"/>
+                </a:tc>
+                <a:tc>
+                  <a:txBody>
+                    <a:bodyPr/>
+                    <a:lstStyle/>
+                    <a:p>
+                      <a:pPr algn="r" fontAlgn="b"/>
+                      <a:r>
+                        <a:rPr lang="en-US" sz="800" u="none" strike="noStrike" dirty="0">
+                          <a:effectLst/>
+                        </a:rPr>
+                        <a:t>0</a:t>
+                      </a:r>
+                      <a:endParaRPr lang="en-US" sz="800" b="0" i="0" u="none" strike="noStrike" dirty="0">
+                        <a:solidFill>
+                          <a:srgbClr val="000000"/>
+                        </a:solidFill>
+                        <a:effectLst/>
+                        <a:latin typeface="Calibri" panose="020F0502020204030204" pitchFamily="34" charset="0"/>
+                      </a:endParaRPr>
+                    </a:p>
+                  </a:txBody>
+                  <a:tcPr marL="0" marR="0" marT="0" marB="0" anchor="b"/>
+                </a:tc>
+                <a:extLst>
+                  <a:ext uri="{0D108BD9-81ED-4DB2-BD59-A6C34878D82A}">
+                    <a16:rowId xmlns:a16="http://schemas.microsoft.com/office/drawing/2014/main" val="3744837351"/>
+                  </a:ext>
+                </a:extLst>
+              </a:tr>
+            </a:tbl>
+          </a:graphicData>
+        </a:graphic>
+      </p:graphicFrame>
+    </p:spTree>
+    <p:extLst>
+      <p:ext uri="{BB962C8B-B14F-4D97-AF65-F5344CB8AC3E}">
+        <p14:creationId xmlns:p14="http://schemas.microsoft.com/office/powerpoint/2010/main" val="2232876047"/>
+      </p:ext>
+    </p:extLst>
+  </p:cSld>
+  <p:clrMapOvr>
+    <a:masterClrMapping/>
+  </p:clrMapOvr>
+</p:sld>
+</file>
+
+<file path=ppt/slides/slide5.xml><?xml version="1.0" encoding="utf-8"?>
 <p:sld xmlns:a="http://schemas.openxmlformats.org/drawingml/2006/main" xmlns:r="http://schemas.openxmlformats.org/officeDocument/2006/relationships" xmlns:p="http://schemas.openxmlformats.org/presentationml/2006/main">
   <p:cSld>
     <p:spTree>
@@ -8912,7 +12756,7 @@
 </p:sld>
 </file>
 
-<file path=ppt/slides/slide3.xml><?xml version="1.0" encoding="utf-8"?>
+<file path=ppt/slides/slide6.xml><?xml version="1.0" encoding="utf-8"?>
 <p:sld xmlns:a="http://schemas.openxmlformats.org/drawingml/2006/main" xmlns:r="http://schemas.openxmlformats.org/officeDocument/2006/relationships" xmlns:p="http://schemas.openxmlformats.org/presentationml/2006/main">
   <p:cSld>
     <p:spTree>
@@ -10317,6 +14161,3030 @@
     <p:extLst>
       <p:ext uri="{BB962C8B-B14F-4D97-AF65-F5344CB8AC3E}">
         <p14:creationId xmlns:p14="http://schemas.microsoft.com/office/powerpoint/2010/main" val="3261827385"/>
+      </p:ext>
+    </p:extLst>
+  </p:cSld>
+  <p:clrMapOvr>
+    <a:masterClrMapping/>
+  </p:clrMapOvr>
+</p:sld>
+</file>
+
+<file path=ppt/slides/slide7.xml><?xml version="1.0" encoding="utf-8"?>
+<p:sld xmlns:a="http://schemas.openxmlformats.org/drawingml/2006/main" xmlns:r="http://schemas.openxmlformats.org/officeDocument/2006/relationships" xmlns:p="http://schemas.openxmlformats.org/presentationml/2006/main">
+  <p:cSld>
+    <p:spTree>
+      <p:nvGrpSpPr>
+        <p:cNvPr id="1" name=""/>
+        <p:cNvGrpSpPr/>
+        <p:nvPr/>
+      </p:nvGrpSpPr>
+      <p:grpSpPr>
+        <a:xfrm>
+          <a:off x="0" y="0"/>
+          <a:ext cx="0" cy="0"/>
+          <a:chOff x="0" y="0"/>
+          <a:chExt cx="0" cy="0"/>
+        </a:xfrm>
+      </p:grpSpPr>
+      <p:graphicFrame>
+        <p:nvGraphicFramePr>
+          <p:cNvPr id="4" name="Table 3">
+            <a:extLst>
+              <a:ext uri="{FF2B5EF4-FFF2-40B4-BE49-F238E27FC236}">
+                <a16:creationId xmlns:a16="http://schemas.microsoft.com/office/drawing/2014/main" id="{13F95CB8-166F-1D2C-0A32-E15093BCA0C4}"/>
+              </a:ext>
+            </a:extLst>
+          </p:cNvPr>
+          <p:cNvGraphicFramePr>
+            <a:graphicFrameLocks noGrp="1"/>
+          </p:cNvGraphicFramePr>
+          <p:nvPr>
+            <p:extLst>
+              <p:ext uri="{D42A27DB-BD31-4B8C-83A1-F6EECF244321}">
+                <p14:modId xmlns:p14="http://schemas.microsoft.com/office/powerpoint/2010/main" val="1230788983"/>
+              </p:ext>
+            </p:extLst>
+          </p:nvPr>
+        </p:nvGraphicFramePr>
+        <p:xfrm>
+          <a:off x="1078345" y="796059"/>
+          <a:ext cx="10515592" cy="609600"/>
+        </p:xfrm>
+        <a:graphic>
+          <a:graphicData uri="http://schemas.openxmlformats.org/drawingml/2006/table">
+            <a:tbl>
+              <a:tblPr>
+                <a:tableStyleId>{5C22544A-7EE6-4342-B048-85BDC9FD1C3A}</a:tableStyleId>
+              </a:tblPr>
+              <a:tblGrid>
+                <a:gridCol w="619085">
+                  <a:extLst>
+                    <a:ext uri="{9D8B030D-6E8A-4147-A177-3AD203B41FA5}">
+                      <a16:colId xmlns:a16="http://schemas.microsoft.com/office/drawing/2014/main" val="934230214"/>
+                    </a:ext>
+                  </a:extLst>
+                </a:gridCol>
+                <a:gridCol w="937471">
+                  <a:extLst>
+                    <a:ext uri="{9D8B030D-6E8A-4147-A177-3AD203B41FA5}">
+                      <a16:colId xmlns:a16="http://schemas.microsoft.com/office/drawing/2014/main" val="1841004591"/>
+                    </a:ext>
+                  </a:extLst>
+                </a:gridCol>
+                <a:gridCol w="468736">
+                  <a:extLst>
+                    <a:ext uri="{9D8B030D-6E8A-4147-A177-3AD203B41FA5}">
+                      <a16:colId xmlns:a16="http://schemas.microsoft.com/office/drawing/2014/main" val="1129806993"/>
+                    </a:ext>
+                  </a:extLst>
+                </a:gridCol>
+                <a:gridCol w="424515">
+                  <a:extLst>
+                    <a:ext uri="{9D8B030D-6E8A-4147-A177-3AD203B41FA5}">
+                      <a16:colId xmlns:a16="http://schemas.microsoft.com/office/drawing/2014/main" val="246482227"/>
+                    </a:ext>
+                  </a:extLst>
+                </a:gridCol>
+                <a:gridCol w="424515">
+                  <a:extLst>
+                    <a:ext uri="{9D8B030D-6E8A-4147-A177-3AD203B41FA5}">
+                      <a16:colId xmlns:a16="http://schemas.microsoft.com/office/drawing/2014/main" val="1130670672"/>
+                    </a:ext>
+                  </a:extLst>
+                </a:gridCol>
+                <a:gridCol w="424515">
+                  <a:extLst>
+                    <a:ext uri="{9D8B030D-6E8A-4147-A177-3AD203B41FA5}">
+                      <a16:colId xmlns:a16="http://schemas.microsoft.com/office/drawing/2014/main" val="2309474526"/>
+                    </a:ext>
+                  </a:extLst>
+                </a:gridCol>
+                <a:gridCol w="424515">
+                  <a:extLst>
+                    <a:ext uri="{9D8B030D-6E8A-4147-A177-3AD203B41FA5}">
+                      <a16:colId xmlns:a16="http://schemas.microsoft.com/office/drawing/2014/main" val="1107618019"/>
+                    </a:ext>
+                  </a:extLst>
+                </a:gridCol>
+                <a:gridCol w="424515">
+                  <a:extLst>
+                    <a:ext uri="{9D8B030D-6E8A-4147-A177-3AD203B41FA5}">
+                      <a16:colId xmlns:a16="http://schemas.microsoft.com/office/drawing/2014/main" val="914268203"/>
+                    </a:ext>
+                  </a:extLst>
+                </a:gridCol>
+                <a:gridCol w="424515">
+                  <a:extLst>
+                    <a:ext uri="{9D8B030D-6E8A-4147-A177-3AD203B41FA5}">
+                      <a16:colId xmlns:a16="http://schemas.microsoft.com/office/drawing/2014/main" val="3171215062"/>
+                    </a:ext>
+                  </a:extLst>
+                </a:gridCol>
+                <a:gridCol w="424515">
+                  <a:extLst>
+                    <a:ext uri="{9D8B030D-6E8A-4147-A177-3AD203B41FA5}">
+                      <a16:colId xmlns:a16="http://schemas.microsoft.com/office/drawing/2014/main" val="1834271854"/>
+                    </a:ext>
+                  </a:extLst>
+                </a:gridCol>
+                <a:gridCol w="424515">
+                  <a:extLst>
+                    <a:ext uri="{9D8B030D-6E8A-4147-A177-3AD203B41FA5}">
+                      <a16:colId xmlns:a16="http://schemas.microsoft.com/office/drawing/2014/main" val="4205236254"/>
+                    </a:ext>
+                  </a:extLst>
+                </a:gridCol>
+                <a:gridCol w="424515">
+                  <a:extLst>
+                    <a:ext uri="{9D8B030D-6E8A-4147-A177-3AD203B41FA5}">
+                      <a16:colId xmlns:a16="http://schemas.microsoft.com/office/drawing/2014/main" val="3279157793"/>
+                    </a:ext>
+                  </a:extLst>
+                </a:gridCol>
+                <a:gridCol w="424515">
+                  <a:extLst>
+                    <a:ext uri="{9D8B030D-6E8A-4147-A177-3AD203B41FA5}">
+                      <a16:colId xmlns:a16="http://schemas.microsoft.com/office/drawing/2014/main" val="1963954486"/>
+                    </a:ext>
+                  </a:extLst>
+                </a:gridCol>
+                <a:gridCol w="424515">
+                  <a:extLst>
+                    <a:ext uri="{9D8B030D-6E8A-4147-A177-3AD203B41FA5}">
+                      <a16:colId xmlns:a16="http://schemas.microsoft.com/office/drawing/2014/main" val="3575115612"/>
+                    </a:ext>
+                  </a:extLst>
+                </a:gridCol>
+                <a:gridCol w="424515">
+                  <a:extLst>
+                    <a:ext uri="{9D8B030D-6E8A-4147-A177-3AD203B41FA5}">
+                      <a16:colId xmlns:a16="http://schemas.microsoft.com/office/drawing/2014/main" val="1622658195"/>
+                    </a:ext>
+                  </a:extLst>
+                </a:gridCol>
+                <a:gridCol w="424515">
+                  <a:extLst>
+                    <a:ext uri="{9D8B030D-6E8A-4147-A177-3AD203B41FA5}">
+                      <a16:colId xmlns:a16="http://schemas.microsoft.com/office/drawing/2014/main" val="1174796318"/>
+                    </a:ext>
+                  </a:extLst>
+                </a:gridCol>
+                <a:gridCol w="424515">
+                  <a:extLst>
+                    <a:ext uri="{9D8B030D-6E8A-4147-A177-3AD203B41FA5}">
+                      <a16:colId xmlns:a16="http://schemas.microsoft.com/office/drawing/2014/main" val="1432171943"/>
+                    </a:ext>
+                  </a:extLst>
+                </a:gridCol>
+                <a:gridCol w="424515">
+                  <a:extLst>
+                    <a:ext uri="{9D8B030D-6E8A-4147-A177-3AD203B41FA5}">
+                      <a16:colId xmlns:a16="http://schemas.microsoft.com/office/drawing/2014/main" val="2502420636"/>
+                    </a:ext>
+                  </a:extLst>
+                </a:gridCol>
+                <a:gridCol w="424515">
+                  <a:extLst>
+                    <a:ext uri="{9D8B030D-6E8A-4147-A177-3AD203B41FA5}">
+                      <a16:colId xmlns:a16="http://schemas.microsoft.com/office/drawing/2014/main" val="3429356292"/>
+                    </a:ext>
+                  </a:extLst>
+                </a:gridCol>
+                <a:gridCol w="424515">
+                  <a:extLst>
+                    <a:ext uri="{9D8B030D-6E8A-4147-A177-3AD203B41FA5}">
+                      <a16:colId xmlns:a16="http://schemas.microsoft.com/office/drawing/2014/main" val="1395076016"/>
+                    </a:ext>
+                  </a:extLst>
+                </a:gridCol>
+                <a:gridCol w="424515">
+                  <a:extLst>
+                    <a:ext uri="{9D8B030D-6E8A-4147-A177-3AD203B41FA5}">
+                      <a16:colId xmlns:a16="http://schemas.microsoft.com/office/drawing/2014/main" val="3404028043"/>
+                    </a:ext>
+                  </a:extLst>
+                </a:gridCol>
+                <a:gridCol w="424515">
+                  <a:extLst>
+                    <a:ext uri="{9D8B030D-6E8A-4147-A177-3AD203B41FA5}">
+                      <a16:colId xmlns:a16="http://schemas.microsoft.com/office/drawing/2014/main" val="979545995"/>
+                    </a:ext>
+                  </a:extLst>
+                </a:gridCol>
+                <a:gridCol w="424515">
+                  <a:extLst>
+                    <a:ext uri="{9D8B030D-6E8A-4147-A177-3AD203B41FA5}">
+                      <a16:colId xmlns:a16="http://schemas.microsoft.com/office/drawing/2014/main" val="3865027965"/>
+                    </a:ext>
+                  </a:extLst>
+                </a:gridCol>
+              </a:tblGrid>
+              <a:tr h="350225">
+                <a:tc>
+                  <a:txBody>
+                    <a:bodyPr/>
+                    <a:lstStyle/>
+                    <a:p>
+                      <a:pPr algn="l" fontAlgn="b"/>
+                      <a:endParaRPr lang="en-US" sz="800" b="0" i="0" u="none" strike="noStrike">
+                        <a:solidFill>
+                          <a:srgbClr val="000000"/>
+                        </a:solidFill>
+                        <a:effectLst/>
+                        <a:latin typeface="Calibri" panose="020F0502020204030204" pitchFamily="34" charset="0"/>
+                      </a:endParaRPr>
+                    </a:p>
+                  </a:txBody>
+                  <a:tcPr marL="0" marR="0" marT="0" marB="0" anchor="b"/>
+                </a:tc>
+                <a:tc>
+                  <a:txBody>
+                    <a:bodyPr/>
+                    <a:lstStyle/>
+                    <a:p>
+                      <a:pPr algn="l" fontAlgn="b"/>
+                      <a:r>
+                        <a:rPr lang="en-US" sz="800" u="none" strike="noStrike">
+                          <a:effectLst/>
+                        </a:rPr>
+                        <a:t>run name</a:t>
+                      </a:r>
+                      <a:endParaRPr lang="en-US" sz="800" b="1" i="0" u="none" strike="noStrike">
+                        <a:solidFill>
+                          <a:srgbClr val="000000"/>
+                        </a:solidFill>
+                        <a:effectLst/>
+                        <a:latin typeface="Calibri" panose="020F0502020204030204" pitchFamily="34" charset="0"/>
+                      </a:endParaRPr>
+                    </a:p>
+                  </a:txBody>
+                  <a:tcPr marL="0" marR="0" marT="0" marB="0" anchor="b"/>
+                </a:tc>
+                <a:tc>
+                  <a:txBody>
+                    <a:bodyPr/>
+                    <a:lstStyle/>
+                    <a:p>
+                      <a:pPr algn="l" fontAlgn="b"/>
+                      <a:r>
+                        <a:rPr lang="en-US" sz="800" u="none" strike="noStrike">
+                          <a:effectLst/>
+                        </a:rPr>
+                        <a:t>summary</a:t>
+                      </a:r>
+                      <a:endParaRPr lang="en-US" sz="800" b="1" i="0" u="none" strike="noStrike">
+                        <a:solidFill>
+                          <a:srgbClr val="000000"/>
+                        </a:solidFill>
+                        <a:effectLst/>
+                        <a:latin typeface="Calibri" panose="020F0502020204030204" pitchFamily="34" charset="0"/>
+                      </a:endParaRPr>
+                    </a:p>
+                  </a:txBody>
+                  <a:tcPr marL="0" marR="0" marT="0" marB="0" anchor="b"/>
+                </a:tc>
+                <a:tc>
+                  <a:txBody>
+                    <a:bodyPr/>
+                    <a:lstStyle/>
+                    <a:p>
+                      <a:pPr algn="l" fontAlgn="b"/>
+                      <a:r>
+                        <a:rPr lang="en-US" sz="800" u="none" strike="noStrike">
+                          <a:effectLst/>
+                        </a:rPr>
+                        <a:t>repsuc</a:t>
+                      </a:r>
+                      <a:endParaRPr lang="en-US" sz="800" b="1" i="0" u="none" strike="noStrike">
+                        <a:solidFill>
+                          <a:srgbClr val="000000"/>
+                        </a:solidFill>
+                        <a:effectLst/>
+                        <a:latin typeface="Calibri" panose="020F0502020204030204" pitchFamily="34" charset="0"/>
+                      </a:endParaRPr>
+                    </a:p>
+                  </a:txBody>
+                  <a:tcPr marL="0" marR="0" marT="0" marB="0" anchor="b"/>
+                </a:tc>
+                <a:tc>
+                  <a:txBody>
+                    <a:bodyPr/>
+                    <a:lstStyle/>
+                    <a:p>
+                      <a:pPr algn="l" fontAlgn="b"/>
+                      <a:r>
+                        <a:rPr lang="en-US" sz="800" u="none" strike="noStrike">
+                          <a:effectLst/>
+                        </a:rPr>
+                        <a:t>pop</a:t>
+                      </a:r>
+                      <a:endParaRPr lang="en-US" sz="800" b="1" i="0" u="none" strike="noStrike">
+                        <a:solidFill>
+                          <a:srgbClr val="000000"/>
+                        </a:solidFill>
+                        <a:effectLst/>
+                        <a:latin typeface="Calibri" panose="020F0502020204030204" pitchFamily="34" charset="0"/>
+                      </a:endParaRPr>
+                    </a:p>
+                  </a:txBody>
+                  <a:tcPr marL="0" marR="0" marT="0" marB="0" anchor="b"/>
+                </a:tc>
+                <a:tc>
+                  <a:txBody>
+                    <a:bodyPr/>
+                    <a:lstStyle/>
+                    <a:p>
+                      <a:pPr algn="l" fontAlgn="b"/>
+                      <a:r>
+                        <a:rPr lang="en-US" sz="800" u="none" strike="noStrike">
+                          <a:effectLst/>
+                        </a:rPr>
+                        <a:t>parameters</a:t>
+                      </a:r>
+                      <a:endParaRPr lang="en-US" sz="800" b="1" i="0" u="none" strike="noStrike">
+                        <a:solidFill>
+                          <a:srgbClr val="000000"/>
+                        </a:solidFill>
+                        <a:effectLst/>
+                        <a:latin typeface="Calibri" panose="020F0502020204030204" pitchFamily="34" charset="0"/>
+                      </a:endParaRPr>
+                    </a:p>
+                  </a:txBody>
+                  <a:tcPr marL="0" marR="0" marT="0" marB="0" anchor="b"/>
+                </a:tc>
+                <a:tc>
+                  <a:txBody>
+                    <a:bodyPr/>
+                    <a:lstStyle/>
+                    <a:p>
+                      <a:pPr algn="l" fontAlgn="b"/>
+                      <a:r>
+                        <a:rPr lang="en-US" sz="800" u="none" strike="noStrike">
+                          <a:effectLst/>
+                        </a:rPr>
+                        <a:t>nmig</a:t>
+                      </a:r>
+                      <a:endParaRPr lang="en-US" sz="800" b="1" i="0" u="none" strike="noStrike">
+                        <a:solidFill>
+                          <a:srgbClr val="000000"/>
+                        </a:solidFill>
+                        <a:effectLst/>
+                        <a:latin typeface="Calibri" panose="020F0502020204030204" pitchFamily="34" charset="0"/>
+                      </a:endParaRPr>
+                    </a:p>
+                  </a:txBody>
+                  <a:tcPr marL="0" marR="0" marT="0" marB="0" anchor="b"/>
+                </a:tc>
+                <a:tc>
+                  <a:txBody>
+                    <a:bodyPr/>
+                    <a:lstStyle/>
+                    <a:p>
+                      <a:pPr algn="l" fontAlgn="b"/>
+                      <a:r>
+                        <a:rPr lang="en-US" sz="800" u="none" strike="noStrike">
+                          <a:effectLst/>
+                        </a:rPr>
+                        <a:t>heteroz of source</a:t>
+                      </a:r>
+                      <a:endParaRPr lang="en-US" sz="800" b="1" i="0" u="none" strike="noStrike">
+                        <a:solidFill>
+                          <a:srgbClr val="000000"/>
+                        </a:solidFill>
+                        <a:effectLst/>
+                        <a:latin typeface="Calibri" panose="020F0502020204030204" pitchFamily="34" charset="0"/>
+                      </a:endParaRPr>
+                    </a:p>
+                  </a:txBody>
+                  <a:tcPr marL="0" marR="0" marT="0" marB="0" anchor="b"/>
+                </a:tc>
+                <a:tc>
+                  <a:txBody>
+                    <a:bodyPr/>
+                    <a:lstStyle/>
+                    <a:p>
+                      <a:pPr algn="l" fontAlgn="b"/>
+                      <a:r>
+                        <a:rPr lang="en-US" sz="800" u="none" strike="noStrike">
+                          <a:effectLst/>
+                        </a:rPr>
+                        <a:t>minor allel freq FOCAL</a:t>
+                      </a:r>
+                      <a:endParaRPr lang="en-US" sz="800" b="1" i="0" u="none" strike="noStrike">
+                        <a:solidFill>
+                          <a:srgbClr val="000000"/>
+                        </a:solidFill>
+                        <a:effectLst/>
+                        <a:latin typeface="Calibri" panose="020F0502020204030204" pitchFamily="34" charset="0"/>
+                      </a:endParaRPr>
+                    </a:p>
+                  </a:txBody>
+                  <a:tcPr marL="0" marR="0" marT="0" marB="0" anchor="b"/>
+                </a:tc>
+                <a:tc>
+                  <a:txBody>
+                    <a:bodyPr/>
+                    <a:lstStyle/>
+                    <a:p>
+                      <a:pPr algn="l" fontAlgn="b"/>
+                      <a:r>
+                        <a:rPr lang="en-US" sz="800" u="none" strike="noStrike">
+                          <a:effectLst/>
+                        </a:rPr>
+                        <a:t>n replicates</a:t>
+                      </a:r>
+                      <a:endParaRPr lang="en-US" sz="800" b="1" i="0" u="none" strike="noStrike">
+                        <a:solidFill>
+                          <a:srgbClr val="000000"/>
+                        </a:solidFill>
+                        <a:effectLst/>
+                        <a:latin typeface="Calibri" panose="020F0502020204030204" pitchFamily="34" charset="0"/>
+                      </a:endParaRPr>
+                    </a:p>
+                  </a:txBody>
+                  <a:tcPr marL="0" marR="0" marT="0" marB="0" anchor="b"/>
+                </a:tc>
+                <a:tc>
+                  <a:txBody>
+                    <a:bodyPr/>
+                    <a:lstStyle/>
+                    <a:p>
+                      <a:pPr algn="l" fontAlgn="b"/>
+                      <a:r>
+                        <a:rPr lang="en-US" sz="800" u="none" strike="noStrike">
+                          <a:effectLst/>
+                        </a:rPr>
+                        <a:t>dropK</a:t>
+                      </a:r>
+                      <a:endParaRPr lang="en-US" sz="800" b="1" i="0" u="none" strike="noStrike">
+                        <a:solidFill>
+                          <a:srgbClr val="000000"/>
+                        </a:solidFill>
+                        <a:effectLst/>
+                        <a:latin typeface="Calibri" panose="020F0502020204030204" pitchFamily="34" charset="0"/>
+                      </a:endParaRPr>
+                    </a:p>
+                  </a:txBody>
+                  <a:tcPr marL="0" marR="0" marT="0" marB="0" anchor="b"/>
+                </a:tc>
+                <a:tc>
+                  <a:txBody>
+                    <a:bodyPr/>
+                    <a:lstStyle/>
+                    <a:p>
+                      <a:pPr algn="l" fontAlgn="b"/>
+                      <a:r>
+                        <a:rPr lang="en-US" sz="800" u="none" strike="noStrike">
+                          <a:effectLst/>
+                        </a:rPr>
+                        <a:t>k</a:t>
+                      </a:r>
+                      <a:endParaRPr lang="en-US" sz="800" b="1" i="0" u="none" strike="noStrike">
+                        <a:solidFill>
+                          <a:srgbClr val="000000"/>
+                        </a:solidFill>
+                        <a:effectLst/>
+                        <a:latin typeface="Calibri" panose="020F0502020204030204" pitchFamily="34" charset="0"/>
+                      </a:endParaRPr>
+                    </a:p>
+                  </a:txBody>
+                  <a:tcPr marL="0" marR="0" marT="0" marB="0" anchor="b"/>
+                </a:tc>
+                <a:tc>
+                  <a:txBody>
+                    <a:bodyPr/>
+                    <a:lstStyle/>
+                    <a:p>
+                      <a:pPr algn="l" fontAlgn="b"/>
+                      <a:r>
+                        <a:rPr lang="en-US" sz="800" u="none" strike="noStrike">
+                          <a:effectLst/>
+                        </a:rPr>
+                        <a:t>nSNP</a:t>
+                      </a:r>
+                      <a:endParaRPr lang="en-US" sz="800" b="1" i="0" u="none" strike="noStrike">
+                        <a:solidFill>
+                          <a:srgbClr val="000000"/>
+                        </a:solidFill>
+                        <a:effectLst/>
+                        <a:latin typeface="Calibri" panose="020F0502020204030204" pitchFamily="34" charset="0"/>
+                      </a:endParaRPr>
+                    </a:p>
+                  </a:txBody>
+                  <a:tcPr marL="0" marR="0" marT="0" marB="0" anchor="b"/>
+                </a:tc>
+                <a:tc>
+                  <a:txBody>
+                    <a:bodyPr/>
+                    <a:lstStyle/>
+                    <a:p>
+                      <a:pPr algn="l" fontAlgn="b"/>
+                      <a:r>
+                        <a:rPr lang="en-US" sz="800" u="none" strike="noStrike">
+                          <a:effectLst/>
+                        </a:rPr>
+                        <a:t>drp</a:t>
+                      </a:r>
+                      <a:endParaRPr lang="en-US" sz="800" b="1" i="0" u="none" strike="noStrike">
+                        <a:solidFill>
+                          <a:srgbClr val="000000"/>
+                        </a:solidFill>
+                        <a:effectLst/>
+                        <a:latin typeface="Calibri" panose="020F0502020204030204" pitchFamily="34" charset="0"/>
+                      </a:endParaRPr>
+                    </a:p>
+                  </a:txBody>
+                  <a:tcPr marL="0" marR="0" marT="0" marB="0" anchor="b"/>
+                </a:tc>
+                <a:tc>
+                  <a:txBody>
+                    <a:bodyPr/>
+                    <a:lstStyle/>
+                    <a:p>
+                      <a:pPr algn="l" fontAlgn="b"/>
+                      <a:r>
+                        <a:rPr lang="en-US" sz="800" u="none" strike="noStrike">
+                          <a:effectLst/>
+                        </a:rPr>
+                        <a:t>dur</a:t>
+                      </a:r>
+                      <a:endParaRPr lang="en-US" sz="800" b="1" i="0" u="none" strike="noStrike">
+                        <a:solidFill>
+                          <a:srgbClr val="000000"/>
+                        </a:solidFill>
+                        <a:effectLst/>
+                        <a:latin typeface="Calibri" panose="020F0502020204030204" pitchFamily="34" charset="0"/>
+                      </a:endParaRPr>
+                    </a:p>
+                  </a:txBody>
+                  <a:tcPr marL="0" marR="0" marT="0" marB="0" anchor="b"/>
+                </a:tc>
+                <a:tc>
+                  <a:txBody>
+                    <a:bodyPr/>
+                    <a:lstStyle/>
+                    <a:p>
+                      <a:pPr algn="l" fontAlgn="b"/>
+                      <a:r>
+                        <a:rPr lang="en-US" sz="800" u="none" strike="noStrike">
+                          <a:effectLst/>
+                        </a:rPr>
+                        <a:t>maxage</a:t>
+                      </a:r>
+                      <a:endParaRPr lang="en-US" sz="800" b="1" i="0" u="none" strike="noStrike">
+                        <a:solidFill>
+                          <a:srgbClr val="000000"/>
+                        </a:solidFill>
+                        <a:effectLst/>
+                        <a:latin typeface="Calibri" panose="020F0502020204030204" pitchFamily="34" charset="0"/>
+                      </a:endParaRPr>
+                    </a:p>
+                  </a:txBody>
+                  <a:tcPr marL="0" marR="0" marT="0" marB="0" anchor="b"/>
+                </a:tc>
+                <a:tc>
+                  <a:txBody>
+                    <a:bodyPr/>
+                    <a:lstStyle/>
+                    <a:p>
+                      <a:pPr algn="l" fontAlgn="b"/>
+                      <a:r>
+                        <a:rPr lang="en-US" sz="800" u="none" strike="noStrike">
+                          <a:effectLst/>
+                        </a:rPr>
+                        <a:t>broodsize</a:t>
+                      </a:r>
+                      <a:endParaRPr lang="en-US" sz="800" b="1" i="0" u="none" strike="noStrike">
+                        <a:solidFill>
+                          <a:srgbClr val="000000"/>
+                        </a:solidFill>
+                        <a:effectLst/>
+                        <a:latin typeface="Calibri" panose="020F0502020204030204" pitchFamily="34" charset="0"/>
+                      </a:endParaRPr>
+                    </a:p>
+                  </a:txBody>
+                  <a:tcPr marL="0" marR="0" marT="0" marB="0" anchor="b"/>
+                </a:tc>
+                <a:tc>
+                  <a:txBody>
+                    <a:bodyPr/>
+                    <a:lstStyle/>
+                    <a:p>
+                      <a:pPr algn="l" fontAlgn="b"/>
+                      <a:r>
+                        <a:rPr lang="en-US" sz="800" u="none" strike="noStrike">
+                          <a:effectLst/>
+                        </a:rPr>
+                        <a:t>maturity</a:t>
+                      </a:r>
+                      <a:endParaRPr lang="en-US" sz="800" b="1" i="0" u="none" strike="noStrike">
+                        <a:solidFill>
+                          <a:srgbClr val="000000"/>
+                        </a:solidFill>
+                        <a:effectLst/>
+                        <a:latin typeface="Calibri" panose="020F0502020204030204" pitchFamily="34" charset="0"/>
+                      </a:endParaRPr>
+                    </a:p>
+                  </a:txBody>
+                  <a:tcPr marL="0" marR="0" marT="0" marB="0" anchor="b"/>
+                </a:tc>
+                <a:tc>
+                  <a:txBody>
+                    <a:bodyPr/>
+                    <a:lstStyle/>
+                    <a:p>
+                      <a:pPr algn="l" fontAlgn="b"/>
+                      <a:r>
+                        <a:rPr lang="en-US" sz="800" u="none" strike="noStrike">
+                          <a:effectLst/>
+                        </a:rPr>
+                        <a:t>years</a:t>
+                      </a:r>
+                      <a:endParaRPr lang="en-US" sz="800" b="1" i="0" u="none" strike="noStrike">
+                        <a:solidFill>
+                          <a:srgbClr val="000000"/>
+                        </a:solidFill>
+                        <a:effectLst/>
+                        <a:latin typeface="Calibri" panose="020F0502020204030204" pitchFamily="34" charset="0"/>
+                      </a:endParaRPr>
+                    </a:p>
+                  </a:txBody>
+                  <a:tcPr marL="0" marR="0" marT="0" marB="0" anchor="b"/>
+                </a:tc>
+                <a:tc>
+                  <a:txBody>
+                    <a:bodyPr/>
+                    <a:lstStyle/>
+                    <a:p>
+                      <a:pPr algn="l" fontAlgn="b"/>
+                      <a:r>
+                        <a:rPr lang="en-US" sz="800" u="none" strike="noStrike">
+                          <a:effectLst/>
+                        </a:rPr>
+                        <a:t>r0</a:t>
+                      </a:r>
+                      <a:endParaRPr lang="en-US" sz="800" b="1" i="0" u="none" strike="noStrike">
+                        <a:solidFill>
+                          <a:srgbClr val="000000"/>
+                        </a:solidFill>
+                        <a:effectLst/>
+                        <a:latin typeface="Calibri" panose="020F0502020204030204" pitchFamily="34" charset="0"/>
+                      </a:endParaRPr>
+                    </a:p>
+                  </a:txBody>
+                  <a:tcPr marL="0" marR="0" marT="0" marB="0" anchor="b"/>
+                </a:tc>
+                <a:tc>
+                  <a:txBody>
+                    <a:bodyPr/>
+                    <a:lstStyle/>
+                    <a:p>
+                      <a:pPr algn="l" fontAlgn="b"/>
+                      <a:r>
+                        <a:rPr lang="en-US" sz="800" u="none" strike="noStrike">
+                          <a:effectLst/>
+                        </a:rPr>
+                        <a:t>ratemort</a:t>
+                      </a:r>
+                      <a:endParaRPr lang="en-US" sz="800" b="1" i="0" u="none" strike="noStrike">
+                        <a:solidFill>
+                          <a:srgbClr val="000000"/>
+                        </a:solidFill>
+                        <a:effectLst/>
+                        <a:latin typeface="Calibri" panose="020F0502020204030204" pitchFamily="34" charset="0"/>
+                      </a:endParaRPr>
+                    </a:p>
+                  </a:txBody>
+                  <a:tcPr marL="0" marR="0" marT="0" marB="0" anchor="b"/>
+                </a:tc>
+                <a:tc>
+                  <a:txBody>
+                    <a:bodyPr/>
+                    <a:lstStyle/>
+                    <a:p>
+                      <a:pPr algn="l" fontAlgn="b"/>
+                      <a:r>
+                        <a:rPr lang="en-US" sz="800" u="none" strike="noStrike">
+                          <a:effectLst/>
+                        </a:rPr>
+                        <a:t>nSNP.mig</a:t>
+                      </a:r>
+                      <a:endParaRPr lang="en-US" sz="800" b="1" i="0" u="none" strike="noStrike">
+                        <a:solidFill>
+                          <a:srgbClr val="000000"/>
+                        </a:solidFill>
+                        <a:effectLst/>
+                        <a:latin typeface="Calibri" panose="020F0502020204030204" pitchFamily="34" charset="0"/>
+                      </a:endParaRPr>
+                    </a:p>
+                  </a:txBody>
+                  <a:tcPr marL="0" marR="0" marT="0" marB="0" anchor="b"/>
+                </a:tc>
+                <a:tc>
+                  <a:txBody>
+                    <a:bodyPr/>
+                    <a:lstStyle/>
+                    <a:p>
+                      <a:pPr algn="l" fontAlgn="b"/>
+                      <a:r>
+                        <a:rPr lang="en-US" sz="800" u="none" strike="noStrike">
+                          <a:effectLst/>
+                        </a:rPr>
+                        <a:t>nSNP.cons</a:t>
+                      </a:r>
+                      <a:endParaRPr lang="en-US" sz="800" b="1" i="0" u="none" strike="noStrike">
+                        <a:solidFill>
+                          <a:srgbClr val="000000"/>
+                        </a:solidFill>
+                        <a:effectLst/>
+                        <a:latin typeface="Calibri" panose="020F0502020204030204" pitchFamily="34" charset="0"/>
+                      </a:endParaRPr>
+                    </a:p>
+                  </a:txBody>
+                  <a:tcPr marL="0" marR="0" marT="0" marB="0" anchor="b"/>
+                </a:tc>
+                <a:extLst>
+                  <a:ext uri="{0D108BD9-81ED-4DB2-BD59-A6C34878D82A}">
+                    <a16:rowId xmlns:a16="http://schemas.microsoft.com/office/drawing/2014/main" val="1168478142"/>
+                  </a:ext>
+                </a:extLst>
+              </a:tr>
+              <a:tr h="233483">
+                <a:tc>
+                  <a:txBody>
+                    <a:bodyPr/>
+                    <a:lstStyle/>
+                    <a:p>
+                      <a:pPr algn="l" fontAlgn="b"/>
+                      <a:r>
+                        <a:rPr lang="en-US" sz="800" u="none" strike="noStrike">
+                          <a:effectLst/>
+                        </a:rPr>
+                        <a:t>478283:478287</a:t>
+                      </a:r>
+                      <a:endParaRPr lang="en-US" sz="800" b="0" i="0" u="none" strike="noStrike">
+                        <a:solidFill>
+                          <a:srgbClr val="000000"/>
+                        </a:solidFill>
+                        <a:effectLst/>
+                        <a:latin typeface="Calibri" panose="020F0502020204030204" pitchFamily="34" charset="0"/>
+                      </a:endParaRPr>
+                    </a:p>
+                  </a:txBody>
+                  <a:tcPr marL="0" marR="0" marT="0" marB="0" anchor="b"/>
+                </a:tc>
+                <a:tc>
+                  <a:txBody>
+                    <a:bodyPr/>
+                    <a:lstStyle/>
+                    <a:p>
+                      <a:pPr algn="l" fontAlgn="b"/>
+                      <a:r>
+                        <a:rPr lang="en-US" sz="800" u="none" strike="noStrike">
+                          <a:effectLst/>
+                        </a:rPr>
+                        <a:t>run_f</a:t>
+                      </a:r>
+                      <a:endParaRPr lang="en-US" sz="800" b="0" i="0" u="none" strike="noStrike">
+                        <a:solidFill>
+                          <a:srgbClr val="000000"/>
+                        </a:solidFill>
+                        <a:effectLst/>
+                        <a:latin typeface="Calibri" panose="020F0502020204030204" pitchFamily="34" charset="0"/>
+                      </a:endParaRPr>
+                    </a:p>
+                  </a:txBody>
+                  <a:tcPr marL="0" marR="0" marT="0" marB="0" anchor="b"/>
+                </a:tc>
+                <a:tc>
+                  <a:txBody>
+                    <a:bodyPr/>
+                    <a:lstStyle/>
+                    <a:p>
+                      <a:pPr algn="l" fontAlgn="b"/>
+                      <a:r>
+                        <a:rPr lang="en-US" sz="800" u="none" strike="noStrike">
+                          <a:effectLst/>
+                        </a:rPr>
+                        <a:t>y</a:t>
+                      </a:r>
+                      <a:endParaRPr lang="en-US" sz="800" b="0" i="0" u="none" strike="noStrike">
+                        <a:solidFill>
+                          <a:srgbClr val="000000"/>
+                        </a:solidFill>
+                        <a:effectLst/>
+                        <a:latin typeface="Calibri" panose="020F0502020204030204" pitchFamily="34" charset="0"/>
+                      </a:endParaRPr>
+                    </a:p>
+                  </a:txBody>
+                  <a:tcPr marL="0" marR="0" marT="0" marB="0" anchor="b"/>
+                </a:tc>
+                <a:tc>
+                  <a:txBody>
+                    <a:bodyPr/>
+                    <a:lstStyle/>
+                    <a:p>
+                      <a:pPr algn="l" fontAlgn="b"/>
+                      <a:r>
+                        <a:rPr lang="en-US" sz="800" u="none" strike="noStrike">
+                          <a:effectLst/>
+                        </a:rPr>
+                        <a:t>y</a:t>
+                      </a:r>
+                      <a:endParaRPr lang="en-US" sz="800" b="0" i="0" u="none" strike="noStrike">
+                        <a:solidFill>
+                          <a:srgbClr val="000000"/>
+                        </a:solidFill>
+                        <a:effectLst/>
+                        <a:latin typeface="Calibri" panose="020F0502020204030204" pitchFamily="34" charset="0"/>
+                      </a:endParaRPr>
+                    </a:p>
+                  </a:txBody>
+                  <a:tcPr marL="0" marR="0" marT="0" marB="0" anchor="b"/>
+                </a:tc>
+                <a:tc>
+                  <a:txBody>
+                    <a:bodyPr/>
+                    <a:lstStyle/>
+                    <a:p>
+                      <a:pPr algn="l" fontAlgn="b"/>
+                      <a:r>
+                        <a:rPr lang="en-US" sz="800" u="none" strike="noStrike">
+                          <a:effectLst/>
+                        </a:rPr>
+                        <a:t>y</a:t>
+                      </a:r>
+                      <a:endParaRPr lang="en-US" sz="800" b="0" i="0" u="none" strike="noStrike">
+                        <a:solidFill>
+                          <a:srgbClr val="000000"/>
+                        </a:solidFill>
+                        <a:effectLst/>
+                        <a:latin typeface="Calibri" panose="020F0502020204030204" pitchFamily="34" charset="0"/>
+                      </a:endParaRPr>
+                    </a:p>
+                  </a:txBody>
+                  <a:tcPr marL="0" marR="0" marT="0" marB="0" anchor="b"/>
+                </a:tc>
+                <a:tc>
+                  <a:txBody>
+                    <a:bodyPr/>
+                    <a:lstStyle/>
+                    <a:p>
+                      <a:pPr algn="l" fontAlgn="b"/>
+                      <a:r>
+                        <a:rPr lang="en-US" sz="800" u="none" strike="noStrike">
+                          <a:effectLst/>
+                        </a:rPr>
+                        <a:t>y</a:t>
+                      </a:r>
+                      <a:endParaRPr lang="en-US" sz="800" b="0" i="0" u="none" strike="noStrike">
+                        <a:solidFill>
+                          <a:srgbClr val="000000"/>
+                        </a:solidFill>
+                        <a:effectLst/>
+                        <a:latin typeface="Calibri" panose="020F0502020204030204" pitchFamily="34" charset="0"/>
+                      </a:endParaRPr>
+                    </a:p>
+                  </a:txBody>
+                  <a:tcPr marL="0" marR="0" marT="0" marB="0" anchor="b"/>
+                </a:tc>
+                <a:tc>
+                  <a:txBody>
+                    <a:bodyPr/>
+                    <a:lstStyle/>
+                    <a:p>
+                      <a:pPr algn="l" fontAlgn="b"/>
+                      <a:r>
+                        <a:rPr lang="en-US" sz="800" u="none" strike="noStrike">
+                          <a:effectLst/>
+                        </a:rPr>
+                        <a:t>all 4</a:t>
+                      </a:r>
+                      <a:endParaRPr lang="en-US" sz="800" b="0" i="0" u="none" strike="noStrike">
+                        <a:solidFill>
+                          <a:srgbClr val="000000"/>
+                        </a:solidFill>
+                        <a:effectLst/>
+                        <a:latin typeface="Calibri" panose="020F0502020204030204" pitchFamily="34" charset="0"/>
+                      </a:endParaRPr>
+                    </a:p>
+                  </a:txBody>
+                  <a:tcPr marL="0" marR="0" marT="0" marB="0" anchor="b"/>
+                </a:tc>
+                <a:tc>
+                  <a:txBody>
+                    <a:bodyPr/>
+                    <a:lstStyle/>
+                    <a:p>
+                      <a:pPr algn="r" fontAlgn="b"/>
+                      <a:r>
+                        <a:rPr lang="en-US" sz="800" u="none" strike="noStrike">
+                          <a:effectLst/>
+                        </a:rPr>
+                        <a:t>0.45</a:t>
+                      </a:r>
+                      <a:endParaRPr lang="en-US" sz="800" b="0" i="0" u="none" strike="noStrike">
+                        <a:solidFill>
+                          <a:srgbClr val="000000"/>
+                        </a:solidFill>
+                        <a:effectLst/>
+                        <a:latin typeface="Calibri" panose="020F0502020204030204" pitchFamily="34" charset="0"/>
+                      </a:endParaRPr>
+                    </a:p>
+                  </a:txBody>
+                  <a:tcPr marL="0" marR="0" marT="0" marB="0" anchor="b"/>
+                </a:tc>
+                <a:tc>
+                  <a:txBody>
+                    <a:bodyPr/>
+                    <a:lstStyle/>
+                    <a:p>
+                      <a:pPr algn="r" fontAlgn="b"/>
+                      <a:r>
+                        <a:rPr lang="en-US" sz="800" u="none" strike="noStrike">
+                          <a:effectLst/>
+                        </a:rPr>
+                        <a:t>0.07</a:t>
+                      </a:r>
+                      <a:endParaRPr lang="en-US" sz="800" b="0" i="0" u="none" strike="noStrike">
+                        <a:solidFill>
+                          <a:srgbClr val="000000"/>
+                        </a:solidFill>
+                        <a:effectLst/>
+                        <a:latin typeface="Calibri" panose="020F0502020204030204" pitchFamily="34" charset="0"/>
+                      </a:endParaRPr>
+                    </a:p>
+                  </a:txBody>
+                  <a:tcPr marL="0" marR="0" marT="0" marB="0" anchor="b"/>
+                </a:tc>
+                <a:tc>
+                  <a:txBody>
+                    <a:bodyPr/>
+                    <a:lstStyle/>
+                    <a:p>
+                      <a:pPr algn="r" fontAlgn="b"/>
+                      <a:r>
+                        <a:rPr lang="en-US" sz="800" u="none" strike="noStrike">
+                          <a:effectLst/>
+                        </a:rPr>
+                        <a:t>1</a:t>
+                      </a:r>
+                      <a:endParaRPr lang="en-US" sz="800" b="0" i="0" u="none" strike="noStrike">
+                        <a:solidFill>
+                          <a:srgbClr val="000000"/>
+                        </a:solidFill>
+                        <a:effectLst/>
+                        <a:latin typeface="Calibri" panose="020F0502020204030204" pitchFamily="34" charset="0"/>
+                      </a:endParaRPr>
+                    </a:p>
+                  </a:txBody>
+                  <a:tcPr marL="0" marR="0" marT="0" marB="0" anchor="b"/>
+                </a:tc>
+                <a:tc>
+                  <a:txBody>
+                    <a:bodyPr/>
+                    <a:lstStyle/>
+                    <a:p>
+                      <a:pPr algn="r" fontAlgn="b"/>
+                      <a:r>
+                        <a:rPr lang="en-US" sz="800" u="none" strike="noStrike">
+                          <a:effectLst/>
+                        </a:rPr>
+                        <a:t>300</a:t>
+                      </a:r>
+                      <a:endParaRPr lang="en-US" sz="800" b="0" i="0" u="none" strike="noStrike">
+                        <a:solidFill>
+                          <a:srgbClr val="000000"/>
+                        </a:solidFill>
+                        <a:effectLst/>
+                        <a:latin typeface="Calibri" panose="020F0502020204030204" pitchFamily="34" charset="0"/>
+                      </a:endParaRPr>
+                    </a:p>
+                  </a:txBody>
+                  <a:tcPr marL="0" marR="0" marT="0" marB="0" anchor="b"/>
+                </a:tc>
+                <a:tc>
+                  <a:txBody>
+                    <a:bodyPr/>
+                    <a:lstStyle/>
+                    <a:p>
+                      <a:pPr algn="r" fontAlgn="b"/>
+                      <a:r>
+                        <a:rPr lang="en-US" sz="800" u="none" strike="noStrike">
+                          <a:effectLst/>
+                        </a:rPr>
+                        <a:t>1000</a:t>
+                      </a:r>
+                      <a:endParaRPr lang="en-US" sz="800" b="0" i="0" u="none" strike="noStrike">
+                        <a:solidFill>
+                          <a:srgbClr val="000000"/>
+                        </a:solidFill>
+                        <a:effectLst/>
+                        <a:latin typeface="Calibri" panose="020F0502020204030204" pitchFamily="34" charset="0"/>
+                      </a:endParaRPr>
+                    </a:p>
+                  </a:txBody>
+                  <a:tcPr marL="0" marR="0" marT="0" marB="0" anchor="b"/>
+                </a:tc>
+                <a:tc>
+                  <a:txBody>
+                    <a:bodyPr/>
+                    <a:lstStyle/>
+                    <a:p>
+                      <a:pPr algn="r" fontAlgn="b"/>
+                      <a:r>
+                        <a:rPr lang="en-US" sz="800" u="none" strike="noStrike">
+                          <a:effectLst/>
+                        </a:rPr>
+                        <a:t>1000</a:t>
+                      </a:r>
+                      <a:endParaRPr lang="en-US" sz="800" b="0" i="0" u="none" strike="noStrike">
+                        <a:solidFill>
+                          <a:srgbClr val="000000"/>
+                        </a:solidFill>
+                        <a:effectLst/>
+                        <a:latin typeface="Calibri" panose="020F0502020204030204" pitchFamily="34" charset="0"/>
+                      </a:endParaRPr>
+                    </a:p>
+                  </a:txBody>
+                  <a:tcPr marL="0" marR="0" marT="0" marB="0" anchor="b"/>
+                </a:tc>
+                <a:tc>
+                  <a:txBody>
+                    <a:bodyPr/>
+                    <a:lstStyle/>
+                    <a:p>
+                      <a:pPr algn="r" fontAlgn="b"/>
+                      <a:r>
+                        <a:rPr lang="en-US" sz="800" u="none" strike="noStrike">
+                          <a:effectLst/>
+                        </a:rPr>
+                        <a:t>10</a:t>
+                      </a:r>
+                      <a:endParaRPr lang="en-US" sz="800" b="0" i="0" u="none" strike="noStrike">
+                        <a:solidFill>
+                          <a:srgbClr val="000000"/>
+                        </a:solidFill>
+                        <a:effectLst/>
+                        <a:latin typeface="Calibri" panose="020F0502020204030204" pitchFamily="34" charset="0"/>
+                      </a:endParaRPr>
+                    </a:p>
+                  </a:txBody>
+                  <a:tcPr marL="0" marR="0" marT="0" marB="0" anchor="b"/>
+                </a:tc>
+                <a:tc>
+                  <a:txBody>
+                    <a:bodyPr/>
+                    <a:lstStyle/>
+                    <a:p>
+                      <a:pPr algn="r" fontAlgn="b"/>
+                      <a:r>
+                        <a:rPr lang="en-US" sz="800" u="none" strike="noStrike">
+                          <a:effectLst/>
+                        </a:rPr>
+                        <a:t>40</a:t>
+                      </a:r>
+                      <a:endParaRPr lang="en-US" sz="800" b="0" i="0" u="none" strike="noStrike">
+                        <a:solidFill>
+                          <a:srgbClr val="000000"/>
+                        </a:solidFill>
+                        <a:effectLst/>
+                        <a:latin typeface="Calibri" panose="020F0502020204030204" pitchFamily="34" charset="0"/>
+                      </a:endParaRPr>
+                    </a:p>
+                  </a:txBody>
+                  <a:tcPr marL="0" marR="0" marT="0" marB="0" anchor="b"/>
+                </a:tc>
+                <a:tc>
+                  <a:txBody>
+                    <a:bodyPr/>
+                    <a:lstStyle/>
+                    <a:p>
+                      <a:pPr algn="r" fontAlgn="b"/>
+                      <a:r>
+                        <a:rPr lang="en-US" sz="800" u="none" strike="noStrike">
+                          <a:effectLst/>
+                        </a:rPr>
+                        <a:t>9</a:t>
+                      </a:r>
+                      <a:endParaRPr lang="en-US" sz="800" b="0" i="0" u="none" strike="noStrike">
+                        <a:solidFill>
+                          <a:srgbClr val="000000"/>
+                        </a:solidFill>
+                        <a:effectLst/>
+                        <a:latin typeface="Calibri" panose="020F0502020204030204" pitchFamily="34" charset="0"/>
+                      </a:endParaRPr>
+                    </a:p>
+                  </a:txBody>
+                  <a:tcPr marL="0" marR="0" marT="0" marB="0" anchor="b"/>
+                </a:tc>
+                <a:tc>
+                  <a:txBody>
+                    <a:bodyPr/>
+                    <a:lstStyle/>
+                    <a:p>
+                      <a:pPr algn="r" fontAlgn="b"/>
+                      <a:r>
+                        <a:rPr lang="en-US" sz="800" u="none" strike="noStrike">
+                          <a:effectLst/>
+                        </a:rPr>
+                        <a:t>2</a:t>
+                      </a:r>
+                      <a:endParaRPr lang="en-US" sz="800" b="0" i="0" u="none" strike="noStrike">
+                        <a:solidFill>
+                          <a:srgbClr val="000000"/>
+                        </a:solidFill>
+                        <a:effectLst/>
+                        <a:latin typeface="Calibri" panose="020F0502020204030204" pitchFamily="34" charset="0"/>
+                      </a:endParaRPr>
+                    </a:p>
+                  </a:txBody>
+                  <a:tcPr marL="0" marR="0" marT="0" marB="0" anchor="b"/>
+                </a:tc>
+                <a:tc>
+                  <a:txBody>
+                    <a:bodyPr/>
+                    <a:lstStyle/>
+                    <a:p>
+                      <a:pPr algn="r" fontAlgn="b"/>
+                      <a:r>
+                        <a:rPr lang="en-US" sz="800" u="none" strike="noStrike">
+                          <a:effectLst/>
+                        </a:rPr>
+                        <a:t>1</a:t>
+                      </a:r>
+                      <a:endParaRPr lang="en-US" sz="800" b="0" i="0" u="none" strike="noStrike">
+                        <a:solidFill>
+                          <a:srgbClr val="000000"/>
+                        </a:solidFill>
+                        <a:effectLst/>
+                        <a:latin typeface="Calibri" panose="020F0502020204030204" pitchFamily="34" charset="0"/>
+                      </a:endParaRPr>
+                    </a:p>
+                  </a:txBody>
+                  <a:tcPr marL="0" marR="0" marT="0" marB="0" anchor="b"/>
+                </a:tc>
+                <a:tc>
+                  <a:txBody>
+                    <a:bodyPr/>
+                    <a:lstStyle/>
+                    <a:p>
+                      <a:pPr algn="r" fontAlgn="b"/>
+                      <a:r>
+                        <a:rPr lang="en-US" sz="800" u="none" strike="noStrike">
+                          <a:effectLst/>
+                        </a:rPr>
+                        <a:t>350</a:t>
+                      </a:r>
+                      <a:endParaRPr lang="en-US" sz="800" b="0" i="0" u="none" strike="noStrike">
+                        <a:solidFill>
+                          <a:srgbClr val="000000"/>
+                        </a:solidFill>
+                        <a:effectLst/>
+                        <a:latin typeface="Calibri" panose="020F0502020204030204" pitchFamily="34" charset="0"/>
+                      </a:endParaRPr>
+                    </a:p>
+                  </a:txBody>
+                  <a:tcPr marL="0" marR="0" marT="0" marB="0" anchor="b"/>
+                </a:tc>
+                <a:tc>
+                  <a:txBody>
+                    <a:bodyPr/>
+                    <a:lstStyle/>
+                    <a:p>
+                      <a:pPr algn="r" fontAlgn="b"/>
+                      <a:r>
+                        <a:rPr lang="en-US" sz="800" u="none" strike="noStrike">
+                          <a:effectLst/>
+                        </a:rPr>
+                        <a:t>1</a:t>
+                      </a:r>
+                      <a:endParaRPr lang="en-US" sz="800" b="0" i="0" u="none" strike="noStrike">
+                        <a:solidFill>
+                          <a:srgbClr val="000000"/>
+                        </a:solidFill>
+                        <a:effectLst/>
+                        <a:latin typeface="Calibri" panose="020F0502020204030204" pitchFamily="34" charset="0"/>
+                      </a:endParaRPr>
+                    </a:p>
+                  </a:txBody>
+                  <a:tcPr marL="0" marR="0" marT="0" marB="0" anchor="b"/>
+                </a:tc>
+                <a:tc>
+                  <a:txBody>
+                    <a:bodyPr/>
+                    <a:lstStyle/>
+                    <a:p>
+                      <a:pPr algn="l" fontAlgn="b"/>
+                      <a:endParaRPr lang="en-US" sz="800" b="0" i="0" u="none" strike="noStrike">
+                        <a:solidFill>
+                          <a:srgbClr val="000000"/>
+                        </a:solidFill>
+                        <a:effectLst/>
+                        <a:latin typeface="Calibri" panose="020F0502020204030204" pitchFamily="34" charset="0"/>
+                      </a:endParaRPr>
+                    </a:p>
+                  </a:txBody>
+                  <a:tcPr marL="0" marR="0" marT="0" marB="0" anchor="b"/>
+                </a:tc>
+                <a:tc>
+                  <a:txBody>
+                    <a:bodyPr/>
+                    <a:lstStyle/>
+                    <a:p>
+                      <a:pPr algn="r" fontAlgn="b"/>
+                      <a:r>
+                        <a:rPr lang="en-US" sz="800" u="none" strike="noStrike">
+                          <a:effectLst/>
+                        </a:rPr>
+                        <a:t>100</a:t>
+                      </a:r>
+                      <a:endParaRPr lang="en-US" sz="800" b="0" i="0" u="none" strike="noStrike">
+                        <a:solidFill>
+                          <a:srgbClr val="000000"/>
+                        </a:solidFill>
+                        <a:effectLst/>
+                        <a:latin typeface="Calibri" panose="020F0502020204030204" pitchFamily="34" charset="0"/>
+                      </a:endParaRPr>
+                    </a:p>
+                  </a:txBody>
+                  <a:tcPr marL="0" marR="0" marT="0" marB="0" anchor="b"/>
+                </a:tc>
+                <a:tc>
+                  <a:txBody>
+                    <a:bodyPr/>
+                    <a:lstStyle/>
+                    <a:p>
+                      <a:pPr algn="r" fontAlgn="b"/>
+                      <a:r>
+                        <a:rPr lang="en-US" sz="800" u="none" strike="noStrike" dirty="0">
+                          <a:effectLst/>
+                        </a:rPr>
+                        <a:t>0</a:t>
+                      </a:r>
+                      <a:endParaRPr lang="en-US" sz="800" b="0" i="0" u="none" strike="noStrike" dirty="0">
+                        <a:solidFill>
+                          <a:srgbClr val="000000"/>
+                        </a:solidFill>
+                        <a:effectLst/>
+                        <a:latin typeface="Calibri" panose="020F0502020204030204" pitchFamily="34" charset="0"/>
+                      </a:endParaRPr>
+                    </a:p>
+                  </a:txBody>
+                  <a:tcPr marL="0" marR="0" marT="0" marB="0" anchor="b"/>
+                </a:tc>
+                <a:extLst>
+                  <a:ext uri="{0D108BD9-81ED-4DB2-BD59-A6C34878D82A}">
+                    <a16:rowId xmlns:a16="http://schemas.microsoft.com/office/drawing/2014/main" val="1001055811"/>
+                  </a:ext>
+                </a:extLst>
+              </a:tr>
+            </a:tbl>
+          </a:graphicData>
+        </a:graphic>
+      </p:graphicFrame>
+      <p:pic>
+        <p:nvPicPr>
+          <p:cNvPr id="3" name="Picture 2">
+            <a:extLst>
+              <a:ext uri="{FF2B5EF4-FFF2-40B4-BE49-F238E27FC236}">
+                <a16:creationId xmlns:a16="http://schemas.microsoft.com/office/drawing/2014/main" id="{32F48A7C-5DB9-D559-12C1-12F2271FC892}"/>
+              </a:ext>
+            </a:extLst>
+          </p:cNvPr>
+          <p:cNvPicPr>
+            <a:picLocks noChangeAspect="1"/>
+          </p:cNvPicPr>
+          <p:nvPr/>
+        </p:nvPicPr>
+        <p:blipFill>
+          <a:blip r:embed="rId2"/>
+          <a:stretch>
+            <a:fillRect/>
+          </a:stretch>
+        </p:blipFill>
+        <p:spPr>
+          <a:xfrm>
+            <a:off x="672859" y="1552308"/>
+            <a:ext cx="2148301" cy="2381337"/>
+          </a:xfrm>
+          <a:prstGeom prst="rect">
+            <a:avLst/>
+          </a:prstGeom>
+        </p:spPr>
+      </p:pic>
+      <p:pic>
+        <p:nvPicPr>
+          <p:cNvPr id="6" name="Picture 5">
+            <a:extLst>
+              <a:ext uri="{FF2B5EF4-FFF2-40B4-BE49-F238E27FC236}">
+                <a16:creationId xmlns:a16="http://schemas.microsoft.com/office/drawing/2014/main" id="{F82751FC-F824-299B-D267-7FA643F151E7}"/>
+              </a:ext>
+            </a:extLst>
+          </p:cNvPr>
+          <p:cNvPicPr>
+            <a:picLocks noChangeAspect="1"/>
+          </p:cNvPicPr>
+          <p:nvPr/>
+        </p:nvPicPr>
+        <p:blipFill>
+          <a:blip r:embed="rId3"/>
+          <a:stretch>
+            <a:fillRect/>
+          </a:stretch>
+        </p:blipFill>
+        <p:spPr>
+          <a:xfrm>
+            <a:off x="3054689" y="1552308"/>
+            <a:ext cx="2148301" cy="2381337"/>
+          </a:xfrm>
+          <a:prstGeom prst="rect">
+            <a:avLst/>
+          </a:prstGeom>
+        </p:spPr>
+      </p:pic>
+      <p:pic>
+        <p:nvPicPr>
+          <p:cNvPr id="8" name="Picture 7">
+            <a:extLst>
+              <a:ext uri="{FF2B5EF4-FFF2-40B4-BE49-F238E27FC236}">
+                <a16:creationId xmlns:a16="http://schemas.microsoft.com/office/drawing/2014/main" id="{07A5BAF2-C349-B29A-3B3E-9A9425B99CBE}"/>
+              </a:ext>
+            </a:extLst>
+          </p:cNvPr>
+          <p:cNvPicPr>
+            <a:picLocks noChangeAspect="1"/>
+          </p:cNvPicPr>
+          <p:nvPr/>
+        </p:nvPicPr>
+        <p:blipFill>
+          <a:blip r:embed="rId4"/>
+          <a:stretch>
+            <a:fillRect/>
+          </a:stretch>
+        </p:blipFill>
+        <p:spPr>
+          <a:xfrm>
+            <a:off x="4128839" y="1962285"/>
+            <a:ext cx="704293" cy="780691"/>
+          </a:xfrm>
+          <a:prstGeom prst="rect">
+            <a:avLst/>
+          </a:prstGeom>
+        </p:spPr>
+      </p:pic>
+      <p:pic>
+        <p:nvPicPr>
+          <p:cNvPr id="10" name="Picture 9">
+            <a:extLst>
+              <a:ext uri="{FF2B5EF4-FFF2-40B4-BE49-F238E27FC236}">
+                <a16:creationId xmlns:a16="http://schemas.microsoft.com/office/drawing/2014/main" id="{CBEC46FB-AE4F-BB6D-C852-C26764CDB088}"/>
+              </a:ext>
+            </a:extLst>
+          </p:cNvPr>
+          <p:cNvPicPr>
+            <a:picLocks noChangeAspect="1"/>
+          </p:cNvPicPr>
+          <p:nvPr/>
+        </p:nvPicPr>
+        <p:blipFill>
+          <a:blip r:embed="rId5"/>
+          <a:stretch>
+            <a:fillRect/>
+          </a:stretch>
+        </p:blipFill>
+        <p:spPr>
+          <a:xfrm>
+            <a:off x="5436519" y="1508250"/>
+            <a:ext cx="2227793" cy="2469451"/>
+          </a:xfrm>
+          <a:prstGeom prst="rect">
+            <a:avLst/>
+          </a:prstGeom>
+        </p:spPr>
+      </p:pic>
+      <p:pic>
+        <p:nvPicPr>
+          <p:cNvPr id="12" name="Picture 11">
+            <a:extLst>
+              <a:ext uri="{FF2B5EF4-FFF2-40B4-BE49-F238E27FC236}">
+                <a16:creationId xmlns:a16="http://schemas.microsoft.com/office/drawing/2014/main" id="{68F26267-5AF1-FF55-05C3-FBEAF6484DB3}"/>
+              </a:ext>
+            </a:extLst>
+          </p:cNvPr>
+          <p:cNvPicPr>
+            <a:picLocks noChangeAspect="1"/>
+          </p:cNvPicPr>
+          <p:nvPr/>
+        </p:nvPicPr>
+        <p:blipFill>
+          <a:blip r:embed="rId6"/>
+          <a:stretch>
+            <a:fillRect/>
+          </a:stretch>
+        </p:blipFill>
+        <p:spPr>
+          <a:xfrm>
+            <a:off x="7897841" y="1508249"/>
+            <a:ext cx="2227793" cy="2469452"/>
+          </a:xfrm>
+          <a:prstGeom prst="rect">
+            <a:avLst/>
+          </a:prstGeom>
+        </p:spPr>
+      </p:pic>
+      <p:pic>
+        <p:nvPicPr>
+          <p:cNvPr id="14" name="Picture 13">
+            <a:extLst>
+              <a:ext uri="{FF2B5EF4-FFF2-40B4-BE49-F238E27FC236}">
+                <a16:creationId xmlns:a16="http://schemas.microsoft.com/office/drawing/2014/main" id="{43640A63-1C4D-F22E-6E1F-24A30967E524}"/>
+              </a:ext>
+            </a:extLst>
+          </p:cNvPr>
+          <p:cNvPicPr>
+            <a:picLocks noChangeAspect="1"/>
+          </p:cNvPicPr>
+          <p:nvPr/>
+        </p:nvPicPr>
+        <p:blipFill>
+          <a:blip r:embed="rId7"/>
+          <a:stretch>
+            <a:fillRect/>
+          </a:stretch>
+        </p:blipFill>
+        <p:spPr>
+          <a:xfrm>
+            <a:off x="3002983" y="3806803"/>
+            <a:ext cx="2433536" cy="2697513"/>
+          </a:xfrm>
+          <a:prstGeom prst="rect">
+            <a:avLst/>
+          </a:prstGeom>
+        </p:spPr>
+      </p:pic>
+      <p:pic>
+        <p:nvPicPr>
+          <p:cNvPr id="16" name="Picture 15">
+            <a:extLst>
+              <a:ext uri="{FF2B5EF4-FFF2-40B4-BE49-F238E27FC236}">
+                <a16:creationId xmlns:a16="http://schemas.microsoft.com/office/drawing/2014/main" id="{C77DF7EA-54BA-7660-327C-111C206FF18A}"/>
+              </a:ext>
+            </a:extLst>
+          </p:cNvPr>
+          <p:cNvPicPr>
+            <a:picLocks noChangeAspect="1"/>
+          </p:cNvPicPr>
+          <p:nvPr/>
+        </p:nvPicPr>
+        <p:blipFill>
+          <a:blip r:embed="rId8"/>
+          <a:stretch>
+            <a:fillRect/>
+          </a:stretch>
+        </p:blipFill>
+        <p:spPr>
+          <a:xfrm>
+            <a:off x="5622397" y="3806802"/>
+            <a:ext cx="2433537" cy="2697514"/>
+          </a:xfrm>
+          <a:prstGeom prst="rect">
+            <a:avLst/>
+          </a:prstGeom>
+        </p:spPr>
+      </p:pic>
+    </p:spTree>
+    <p:extLst>
+      <p:ext uri="{BB962C8B-B14F-4D97-AF65-F5344CB8AC3E}">
+        <p14:creationId xmlns:p14="http://schemas.microsoft.com/office/powerpoint/2010/main" val="554839229"/>
+      </p:ext>
+    </p:extLst>
+  </p:cSld>
+  <p:clrMapOvr>
+    <a:masterClrMapping/>
+  </p:clrMapOvr>
+</p:sld>
+</file>
+
+<file path=ppt/slides/slide8.xml><?xml version="1.0" encoding="utf-8"?>
+<p:sld xmlns:a="http://schemas.openxmlformats.org/drawingml/2006/main" xmlns:r="http://schemas.openxmlformats.org/officeDocument/2006/relationships" xmlns:p="http://schemas.openxmlformats.org/presentationml/2006/main">
+  <p:cSld>
+    <p:spTree>
+      <p:nvGrpSpPr>
+        <p:cNvPr id="1" name=""/>
+        <p:cNvGrpSpPr/>
+        <p:nvPr/>
+      </p:nvGrpSpPr>
+      <p:grpSpPr>
+        <a:xfrm>
+          <a:off x="0" y="0"/>
+          <a:ext cx="0" cy="0"/>
+          <a:chOff x="0" y="0"/>
+          <a:chExt cx="0" cy="0"/>
+        </a:xfrm>
+      </p:grpSpPr>
+      <p:graphicFrame>
+        <p:nvGraphicFramePr>
+          <p:cNvPr id="4" name="Table 3">
+            <a:extLst>
+              <a:ext uri="{FF2B5EF4-FFF2-40B4-BE49-F238E27FC236}">
+                <a16:creationId xmlns:a16="http://schemas.microsoft.com/office/drawing/2014/main" id="{13F95CB8-166F-1D2C-0A32-E15093BCA0C4}"/>
+              </a:ext>
+            </a:extLst>
+          </p:cNvPr>
+          <p:cNvGraphicFramePr>
+            <a:graphicFrameLocks noGrp="1"/>
+          </p:cNvGraphicFramePr>
+          <p:nvPr>
+            <p:extLst>
+              <p:ext uri="{D42A27DB-BD31-4B8C-83A1-F6EECF244321}">
+                <p14:modId xmlns:p14="http://schemas.microsoft.com/office/powerpoint/2010/main" val="984836312"/>
+              </p:ext>
+            </p:extLst>
+          </p:nvPr>
+        </p:nvGraphicFramePr>
+        <p:xfrm>
+          <a:off x="1078345" y="796059"/>
+          <a:ext cx="10515592" cy="609600"/>
+        </p:xfrm>
+        <a:graphic>
+          <a:graphicData uri="http://schemas.openxmlformats.org/drawingml/2006/table">
+            <a:tbl>
+              <a:tblPr>
+                <a:tableStyleId>{5C22544A-7EE6-4342-B048-85BDC9FD1C3A}</a:tableStyleId>
+              </a:tblPr>
+              <a:tblGrid>
+                <a:gridCol w="619085">
+                  <a:extLst>
+                    <a:ext uri="{9D8B030D-6E8A-4147-A177-3AD203B41FA5}">
+                      <a16:colId xmlns:a16="http://schemas.microsoft.com/office/drawing/2014/main" val="934230214"/>
+                    </a:ext>
+                  </a:extLst>
+                </a:gridCol>
+                <a:gridCol w="937471">
+                  <a:extLst>
+                    <a:ext uri="{9D8B030D-6E8A-4147-A177-3AD203B41FA5}">
+                      <a16:colId xmlns:a16="http://schemas.microsoft.com/office/drawing/2014/main" val="1841004591"/>
+                    </a:ext>
+                  </a:extLst>
+                </a:gridCol>
+                <a:gridCol w="468736">
+                  <a:extLst>
+                    <a:ext uri="{9D8B030D-6E8A-4147-A177-3AD203B41FA5}">
+                      <a16:colId xmlns:a16="http://schemas.microsoft.com/office/drawing/2014/main" val="1129806993"/>
+                    </a:ext>
+                  </a:extLst>
+                </a:gridCol>
+                <a:gridCol w="424515">
+                  <a:extLst>
+                    <a:ext uri="{9D8B030D-6E8A-4147-A177-3AD203B41FA5}">
+                      <a16:colId xmlns:a16="http://schemas.microsoft.com/office/drawing/2014/main" val="246482227"/>
+                    </a:ext>
+                  </a:extLst>
+                </a:gridCol>
+                <a:gridCol w="424515">
+                  <a:extLst>
+                    <a:ext uri="{9D8B030D-6E8A-4147-A177-3AD203B41FA5}">
+                      <a16:colId xmlns:a16="http://schemas.microsoft.com/office/drawing/2014/main" val="1130670672"/>
+                    </a:ext>
+                  </a:extLst>
+                </a:gridCol>
+                <a:gridCol w="424515">
+                  <a:extLst>
+                    <a:ext uri="{9D8B030D-6E8A-4147-A177-3AD203B41FA5}">
+                      <a16:colId xmlns:a16="http://schemas.microsoft.com/office/drawing/2014/main" val="2309474526"/>
+                    </a:ext>
+                  </a:extLst>
+                </a:gridCol>
+                <a:gridCol w="424515">
+                  <a:extLst>
+                    <a:ext uri="{9D8B030D-6E8A-4147-A177-3AD203B41FA5}">
+                      <a16:colId xmlns:a16="http://schemas.microsoft.com/office/drawing/2014/main" val="1107618019"/>
+                    </a:ext>
+                  </a:extLst>
+                </a:gridCol>
+                <a:gridCol w="424515">
+                  <a:extLst>
+                    <a:ext uri="{9D8B030D-6E8A-4147-A177-3AD203B41FA5}">
+                      <a16:colId xmlns:a16="http://schemas.microsoft.com/office/drawing/2014/main" val="914268203"/>
+                    </a:ext>
+                  </a:extLst>
+                </a:gridCol>
+                <a:gridCol w="424515">
+                  <a:extLst>
+                    <a:ext uri="{9D8B030D-6E8A-4147-A177-3AD203B41FA5}">
+                      <a16:colId xmlns:a16="http://schemas.microsoft.com/office/drawing/2014/main" val="3171215062"/>
+                    </a:ext>
+                  </a:extLst>
+                </a:gridCol>
+                <a:gridCol w="424515">
+                  <a:extLst>
+                    <a:ext uri="{9D8B030D-6E8A-4147-A177-3AD203B41FA5}">
+                      <a16:colId xmlns:a16="http://schemas.microsoft.com/office/drawing/2014/main" val="1834271854"/>
+                    </a:ext>
+                  </a:extLst>
+                </a:gridCol>
+                <a:gridCol w="424515">
+                  <a:extLst>
+                    <a:ext uri="{9D8B030D-6E8A-4147-A177-3AD203B41FA5}">
+                      <a16:colId xmlns:a16="http://schemas.microsoft.com/office/drawing/2014/main" val="4205236254"/>
+                    </a:ext>
+                  </a:extLst>
+                </a:gridCol>
+                <a:gridCol w="424515">
+                  <a:extLst>
+                    <a:ext uri="{9D8B030D-6E8A-4147-A177-3AD203B41FA5}">
+                      <a16:colId xmlns:a16="http://schemas.microsoft.com/office/drawing/2014/main" val="3279157793"/>
+                    </a:ext>
+                  </a:extLst>
+                </a:gridCol>
+                <a:gridCol w="424515">
+                  <a:extLst>
+                    <a:ext uri="{9D8B030D-6E8A-4147-A177-3AD203B41FA5}">
+                      <a16:colId xmlns:a16="http://schemas.microsoft.com/office/drawing/2014/main" val="1963954486"/>
+                    </a:ext>
+                  </a:extLst>
+                </a:gridCol>
+                <a:gridCol w="424515">
+                  <a:extLst>
+                    <a:ext uri="{9D8B030D-6E8A-4147-A177-3AD203B41FA5}">
+                      <a16:colId xmlns:a16="http://schemas.microsoft.com/office/drawing/2014/main" val="3575115612"/>
+                    </a:ext>
+                  </a:extLst>
+                </a:gridCol>
+                <a:gridCol w="424515">
+                  <a:extLst>
+                    <a:ext uri="{9D8B030D-6E8A-4147-A177-3AD203B41FA5}">
+                      <a16:colId xmlns:a16="http://schemas.microsoft.com/office/drawing/2014/main" val="1622658195"/>
+                    </a:ext>
+                  </a:extLst>
+                </a:gridCol>
+                <a:gridCol w="424515">
+                  <a:extLst>
+                    <a:ext uri="{9D8B030D-6E8A-4147-A177-3AD203B41FA5}">
+                      <a16:colId xmlns:a16="http://schemas.microsoft.com/office/drawing/2014/main" val="1174796318"/>
+                    </a:ext>
+                  </a:extLst>
+                </a:gridCol>
+                <a:gridCol w="424515">
+                  <a:extLst>
+                    <a:ext uri="{9D8B030D-6E8A-4147-A177-3AD203B41FA5}">
+                      <a16:colId xmlns:a16="http://schemas.microsoft.com/office/drawing/2014/main" val="1432171943"/>
+                    </a:ext>
+                  </a:extLst>
+                </a:gridCol>
+                <a:gridCol w="424515">
+                  <a:extLst>
+                    <a:ext uri="{9D8B030D-6E8A-4147-A177-3AD203B41FA5}">
+                      <a16:colId xmlns:a16="http://schemas.microsoft.com/office/drawing/2014/main" val="2502420636"/>
+                    </a:ext>
+                  </a:extLst>
+                </a:gridCol>
+                <a:gridCol w="424515">
+                  <a:extLst>
+                    <a:ext uri="{9D8B030D-6E8A-4147-A177-3AD203B41FA5}">
+                      <a16:colId xmlns:a16="http://schemas.microsoft.com/office/drawing/2014/main" val="3429356292"/>
+                    </a:ext>
+                  </a:extLst>
+                </a:gridCol>
+                <a:gridCol w="424515">
+                  <a:extLst>
+                    <a:ext uri="{9D8B030D-6E8A-4147-A177-3AD203B41FA5}">
+                      <a16:colId xmlns:a16="http://schemas.microsoft.com/office/drawing/2014/main" val="1395076016"/>
+                    </a:ext>
+                  </a:extLst>
+                </a:gridCol>
+                <a:gridCol w="424515">
+                  <a:extLst>
+                    <a:ext uri="{9D8B030D-6E8A-4147-A177-3AD203B41FA5}">
+                      <a16:colId xmlns:a16="http://schemas.microsoft.com/office/drawing/2014/main" val="3404028043"/>
+                    </a:ext>
+                  </a:extLst>
+                </a:gridCol>
+                <a:gridCol w="424515">
+                  <a:extLst>
+                    <a:ext uri="{9D8B030D-6E8A-4147-A177-3AD203B41FA5}">
+                      <a16:colId xmlns:a16="http://schemas.microsoft.com/office/drawing/2014/main" val="979545995"/>
+                    </a:ext>
+                  </a:extLst>
+                </a:gridCol>
+                <a:gridCol w="424515">
+                  <a:extLst>
+                    <a:ext uri="{9D8B030D-6E8A-4147-A177-3AD203B41FA5}">
+                      <a16:colId xmlns:a16="http://schemas.microsoft.com/office/drawing/2014/main" val="3865027965"/>
+                    </a:ext>
+                  </a:extLst>
+                </a:gridCol>
+              </a:tblGrid>
+              <a:tr h="350225">
+                <a:tc>
+                  <a:txBody>
+                    <a:bodyPr/>
+                    <a:lstStyle/>
+                    <a:p>
+                      <a:pPr algn="l" fontAlgn="b"/>
+                      <a:endParaRPr lang="en-US" sz="800" b="0" i="0" u="none" strike="noStrike">
+                        <a:solidFill>
+                          <a:srgbClr val="000000"/>
+                        </a:solidFill>
+                        <a:effectLst/>
+                        <a:latin typeface="Calibri" panose="020F0502020204030204" pitchFamily="34" charset="0"/>
+                      </a:endParaRPr>
+                    </a:p>
+                  </a:txBody>
+                  <a:tcPr marL="0" marR="0" marT="0" marB="0" anchor="b"/>
+                </a:tc>
+                <a:tc>
+                  <a:txBody>
+                    <a:bodyPr/>
+                    <a:lstStyle/>
+                    <a:p>
+                      <a:pPr algn="l" fontAlgn="b"/>
+                      <a:r>
+                        <a:rPr lang="en-US" sz="800" u="none" strike="noStrike">
+                          <a:effectLst/>
+                        </a:rPr>
+                        <a:t>run name</a:t>
+                      </a:r>
+                      <a:endParaRPr lang="en-US" sz="800" b="1" i="0" u="none" strike="noStrike">
+                        <a:solidFill>
+                          <a:srgbClr val="000000"/>
+                        </a:solidFill>
+                        <a:effectLst/>
+                        <a:latin typeface="Calibri" panose="020F0502020204030204" pitchFamily="34" charset="0"/>
+                      </a:endParaRPr>
+                    </a:p>
+                  </a:txBody>
+                  <a:tcPr marL="0" marR="0" marT="0" marB="0" anchor="b"/>
+                </a:tc>
+                <a:tc>
+                  <a:txBody>
+                    <a:bodyPr/>
+                    <a:lstStyle/>
+                    <a:p>
+                      <a:pPr algn="l" fontAlgn="b"/>
+                      <a:r>
+                        <a:rPr lang="en-US" sz="800" u="none" strike="noStrike">
+                          <a:effectLst/>
+                        </a:rPr>
+                        <a:t>summary</a:t>
+                      </a:r>
+                      <a:endParaRPr lang="en-US" sz="800" b="1" i="0" u="none" strike="noStrike">
+                        <a:solidFill>
+                          <a:srgbClr val="000000"/>
+                        </a:solidFill>
+                        <a:effectLst/>
+                        <a:latin typeface="Calibri" panose="020F0502020204030204" pitchFamily="34" charset="0"/>
+                      </a:endParaRPr>
+                    </a:p>
+                  </a:txBody>
+                  <a:tcPr marL="0" marR="0" marT="0" marB="0" anchor="b"/>
+                </a:tc>
+                <a:tc>
+                  <a:txBody>
+                    <a:bodyPr/>
+                    <a:lstStyle/>
+                    <a:p>
+                      <a:pPr algn="l" fontAlgn="b"/>
+                      <a:r>
+                        <a:rPr lang="en-US" sz="800" u="none" strike="noStrike">
+                          <a:effectLst/>
+                        </a:rPr>
+                        <a:t>repsuc</a:t>
+                      </a:r>
+                      <a:endParaRPr lang="en-US" sz="800" b="1" i="0" u="none" strike="noStrike">
+                        <a:solidFill>
+                          <a:srgbClr val="000000"/>
+                        </a:solidFill>
+                        <a:effectLst/>
+                        <a:latin typeface="Calibri" panose="020F0502020204030204" pitchFamily="34" charset="0"/>
+                      </a:endParaRPr>
+                    </a:p>
+                  </a:txBody>
+                  <a:tcPr marL="0" marR="0" marT="0" marB="0" anchor="b"/>
+                </a:tc>
+                <a:tc>
+                  <a:txBody>
+                    <a:bodyPr/>
+                    <a:lstStyle/>
+                    <a:p>
+                      <a:pPr algn="l" fontAlgn="b"/>
+                      <a:r>
+                        <a:rPr lang="en-US" sz="800" u="none" strike="noStrike">
+                          <a:effectLst/>
+                        </a:rPr>
+                        <a:t>pop</a:t>
+                      </a:r>
+                      <a:endParaRPr lang="en-US" sz="800" b="1" i="0" u="none" strike="noStrike">
+                        <a:solidFill>
+                          <a:srgbClr val="000000"/>
+                        </a:solidFill>
+                        <a:effectLst/>
+                        <a:latin typeface="Calibri" panose="020F0502020204030204" pitchFamily="34" charset="0"/>
+                      </a:endParaRPr>
+                    </a:p>
+                  </a:txBody>
+                  <a:tcPr marL="0" marR="0" marT="0" marB="0" anchor="b"/>
+                </a:tc>
+                <a:tc>
+                  <a:txBody>
+                    <a:bodyPr/>
+                    <a:lstStyle/>
+                    <a:p>
+                      <a:pPr algn="l" fontAlgn="b"/>
+                      <a:r>
+                        <a:rPr lang="en-US" sz="800" u="none" strike="noStrike">
+                          <a:effectLst/>
+                        </a:rPr>
+                        <a:t>parameters</a:t>
+                      </a:r>
+                      <a:endParaRPr lang="en-US" sz="800" b="1" i="0" u="none" strike="noStrike">
+                        <a:solidFill>
+                          <a:srgbClr val="000000"/>
+                        </a:solidFill>
+                        <a:effectLst/>
+                        <a:latin typeface="Calibri" panose="020F0502020204030204" pitchFamily="34" charset="0"/>
+                      </a:endParaRPr>
+                    </a:p>
+                  </a:txBody>
+                  <a:tcPr marL="0" marR="0" marT="0" marB="0" anchor="b"/>
+                </a:tc>
+                <a:tc>
+                  <a:txBody>
+                    <a:bodyPr/>
+                    <a:lstStyle/>
+                    <a:p>
+                      <a:pPr algn="l" fontAlgn="b"/>
+                      <a:r>
+                        <a:rPr lang="en-US" sz="800" u="none" strike="noStrike">
+                          <a:effectLst/>
+                        </a:rPr>
+                        <a:t>nmig</a:t>
+                      </a:r>
+                      <a:endParaRPr lang="en-US" sz="800" b="1" i="0" u="none" strike="noStrike">
+                        <a:solidFill>
+                          <a:srgbClr val="000000"/>
+                        </a:solidFill>
+                        <a:effectLst/>
+                        <a:latin typeface="Calibri" panose="020F0502020204030204" pitchFamily="34" charset="0"/>
+                      </a:endParaRPr>
+                    </a:p>
+                  </a:txBody>
+                  <a:tcPr marL="0" marR="0" marT="0" marB="0" anchor="b"/>
+                </a:tc>
+                <a:tc>
+                  <a:txBody>
+                    <a:bodyPr/>
+                    <a:lstStyle/>
+                    <a:p>
+                      <a:pPr algn="l" fontAlgn="b"/>
+                      <a:r>
+                        <a:rPr lang="en-US" sz="800" u="none" strike="noStrike">
+                          <a:effectLst/>
+                        </a:rPr>
+                        <a:t>heteroz of source</a:t>
+                      </a:r>
+                      <a:endParaRPr lang="en-US" sz="800" b="1" i="0" u="none" strike="noStrike">
+                        <a:solidFill>
+                          <a:srgbClr val="000000"/>
+                        </a:solidFill>
+                        <a:effectLst/>
+                        <a:latin typeface="Calibri" panose="020F0502020204030204" pitchFamily="34" charset="0"/>
+                      </a:endParaRPr>
+                    </a:p>
+                  </a:txBody>
+                  <a:tcPr marL="0" marR="0" marT="0" marB="0" anchor="b"/>
+                </a:tc>
+                <a:tc>
+                  <a:txBody>
+                    <a:bodyPr/>
+                    <a:lstStyle/>
+                    <a:p>
+                      <a:pPr algn="l" fontAlgn="b"/>
+                      <a:r>
+                        <a:rPr lang="en-US" sz="800" u="none" strike="noStrike">
+                          <a:effectLst/>
+                        </a:rPr>
+                        <a:t>minor allel freq FOCAL</a:t>
+                      </a:r>
+                      <a:endParaRPr lang="en-US" sz="800" b="1" i="0" u="none" strike="noStrike">
+                        <a:solidFill>
+                          <a:srgbClr val="000000"/>
+                        </a:solidFill>
+                        <a:effectLst/>
+                        <a:latin typeface="Calibri" panose="020F0502020204030204" pitchFamily="34" charset="0"/>
+                      </a:endParaRPr>
+                    </a:p>
+                  </a:txBody>
+                  <a:tcPr marL="0" marR="0" marT="0" marB="0" anchor="b"/>
+                </a:tc>
+                <a:tc>
+                  <a:txBody>
+                    <a:bodyPr/>
+                    <a:lstStyle/>
+                    <a:p>
+                      <a:pPr algn="l" fontAlgn="b"/>
+                      <a:r>
+                        <a:rPr lang="en-US" sz="800" u="none" strike="noStrike">
+                          <a:effectLst/>
+                        </a:rPr>
+                        <a:t>n replicates</a:t>
+                      </a:r>
+                      <a:endParaRPr lang="en-US" sz="800" b="1" i="0" u="none" strike="noStrike">
+                        <a:solidFill>
+                          <a:srgbClr val="000000"/>
+                        </a:solidFill>
+                        <a:effectLst/>
+                        <a:latin typeface="Calibri" panose="020F0502020204030204" pitchFamily="34" charset="0"/>
+                      </a:endParaRPr>
+                    </a:p>
+                  </a:txBody>
+                  <a:tcPr marL="0" marR="0" marT="0" marB="0" anchor="b"/>
+                </a:tc>
+                <a:tc>
+                  <a:txBody>
+                    <a:bodyPr/>
+                    <a:lstStyle/>
+                    <a:p>
+                      <a:pPr algn="l" fontAlgn="b"/>
+                      <a:r>
+                        <a:rPr lang="en-US" sz="800" u="none" strike="noStrike">
+                          <a:effectLst/>
+                        </a:rPr>
+                        <a:t>dropK</a:t>
+                      </a:r>
+                      <a:endParaRPr lang="en-US" sz="800" b="1" i="0" u="none" strike="noStrike">
+                        <a:solidFill>
+                          <a:srgbClr val="000000"/>
+                        </a:solidFill>
+                        <a:effectLst/>
+                        <a:latin typeface="Calibri" panose="020F0502020204030204" pitchFamily="34" charset="0"/>
+                      </a:endParaRPr>
+                    </a:p>
+                  </a:txBody>
+                  <a:tcPr marL="0" marR="0" marT="0" marB="0" anchor="b"/>
+                </a:tc>
+                <a:tc>
+                  <a:txBody>
+                    <a:bodyPr/>
+                    <a:lstStyle/>
+                    <a:p>
+                      <a:pPr algn="l" fontAlgn="b"/>
+                      <a:r>
+                        <a:rPr lang="en-US" sz="800" u="none" strike="noStrike">
+                          <a:effectLst/>
+                        </a:rPr>
+                        <a:t>k</a:t>
+                      </a:r>
+                      <a:endParaRPr lang="en-US" sz="800" b="1" i="0" u="none" strike="noStrike">
+                        <a:solidFill>
+                          <a:srgbClr val="000000"/>
+                        </a:solidFill>
+                        <a:effectLst/>
+                        <a:latin typeface="Calibri" panose="020F0502020204030204" pitchFamily="34" charset="0"/>
+                      </a:endParaRPr>
+                    </a:p>
+                  </a:txBody>
+                  <a:tcPr marL="0" marR="0" marT="0" marB="0" anchor="b"/>
+                </a:tc>
+                <a:tc>
+                  <a:txBody>
+                    <a:bodyPr/>
+                    <a:lstStyle/>
+                    <a:p>
+                      <a:pPr algn="l" fontAlgn="b"/>
+                      <a:r>
+                        <a:rPr lang="en-US" sz="800" u="none" strike="noStrike">
+                          <a:effectLst/>
+                        </a:rPr>
+                        <a:t>nSNP</a:t>
+                      </a:r>
+                      <a:endParaRPr lang="en-US" sz="800" b="1" i="0" u="none" strike="noStrike">
+                        <a:solidFill>
+                          <a:srgbClr val="000000"/>
+                        </a:solidFill>
+                        <a:effectLst/>
+                        <a:latin typeface="Calibri" panose="020F0502020204030204" pitchFamily="34" charset="0"/>
+                      </a:endParaRPr>
+                    </a:p>
+                  </a:txBody>
+                  <a:tcPr marL="0" marR="0" marT="0" marB="0" anchor="b"/>
+                </a:tc>
+                <a:tc>
+                  <a:txBody>
+                    <a:bodyPr/>
+                    <a:lstStyle/>
+                    <a:p>
+                      <a:pPr algn="l" fontAlgn="b"/>
+                      <a:r>
+                        <a:rPr lang="en-US" sz="800" u="none" strike="noStrike">
+                          <a:effectLst/>
+                        </a:rPr>
+                        <a:t>drp</a:t>
+                      </a:r>
+                      <a:endParaRPr lang="en-US" sz="800" b="1" i="0" u="none" strike="noStrike">
+                        <a:solidFill>
+                          <a:srgbClr val="000000"/>
+                        </a:solidFill>
+                        <a:effectLst/>
+                        <a:latin typeface="Calibri" panose="020F0502020204030204" pitchFamily="34" charset="0"/>
+                      </a:endParaRPr>
+                    </a:p>
+                  </a:txBody>
+                  <a:tcPr marL="0" marR="0" marT="0" marB="0" anchor="b"/>
+                </a:tc>
+                <a:tc>
+                  <a:txBody>
+                    <a:bodyPr/>
+                    <a:lstStyle/>
+                    <a:p>
+                      <a:pPr algn="l" fontAlgn="b"/>
+                      <a:r>
+                        <a:rPr lang="en-US" sz="800" u="none" strike="noStrike">
+                          <a:effectLst/>
+                        </a:rPr>
+                        <a:t>dur</a:t>
+                      </a:r>
+                      <a:endParaRPr lang="en-US" sz="800" b="1" i="0" u="none" strike="noStrike">
+                        <a:solidFill>
+                          <a:srgbClr val="000000"/>
+                        </a:solidFill>
+                        <a:effectLst/>
+                        <a:latin typeface="Calibri" panose="020F0502020204030204" pitchFamily="34" charset="0"/>
+                      </a:endParaRPr>
+                    </a:p>
+                  </a:txBody>
+                  <a:tcPr marL="0" marR="0" marT="0" marB="0" anchor="b"/>
+                </a:tc>
+                <a:tc>
+                  <a:txBody>
+                    <a:bodyPr/>
+                    <a:lstStyle/>
+                    <a:p>
+                      <a:pPr algn="l" fontAlgn="b"/>
+                      <a:r>
+                        <a:rPr lang="en-US" sz="800" u="none" strike="noStrike">
+                          <a:effectLst/>
+                        </a:rPr>
+                        <a:t>maxage</a:t>
+                      </a:r>
+                      <a:endParaRPr lang="en-US" sz="800" b="1" i="0" u="none" strike="noStrike">
+                        <a:solidFill>
+                          <a:srgbClr val="000000"/>
+                        </a:solidFill>
+                        <a:effectLst/>
+                        <a:latin typeface="Calibri" panose="020F0502020204030204" pitchFamily="34" charset="0"/>
+                      </a:endParaRPr>
+                    </a:p>
+                  </a:txBody>
+                  <a:tcPr marL="0" marR="0" marT="0" marB="0" anchor="b"/>
+                </a:tc>
+                <a:tc>
+                  <a:txBody>
+                    <a:bodyPr/>
+                    <a:lstStyle/>
+                    <a:p>
+                      <a:pPr algn="l" fontAlgn="b"/>
+                      <a:r>
+                        <a:rPr lang="en-US" sz="800" u="none" strike="noStrike">
+                          <a:effectLst/>
+                        </a:rPr>
+                        <a:t>broodsize</a:t>
+                      </a:r>
+                      <a:endParaRPr lang="en-US" sz="800" b="1" i="0" u="none" strike="noStrike">
+                        <a:solidFill>
+                          <a:srgbClr val="000000"/>
+                        </a:solidFill>
+                        <a:effectLst/>
+                        <a:latin typeface="Calibri" panose="020F0502020204030204" pitchFamily="34" charset="0"/>
+                      </a:endParaRPr>
+                    </a:p>
+                  </a:txBody>
+                  <a:tcPr marL="0" marR="0" marT="0" marB="0" anchor="b"/>
+                </a:tc>
+                <a:tc>
+                  <a:txBody>
+                    <a:bodyPr/>
+                    <a:lstStyle/>
+                    <a:p>
+                      <a:pPr algn="l" fontAlgn="b"/>
+                      <a:r>
+                        <a:rPr lang="en-US" sz="800" u="none" strike="noStrike">
+                          <a:effectLst/>
+                        </a:rPr>
+                        <a:t>maturity</a:t>
+                      </a:r>
+                      <a:endParaRPr lang="en-US" sz="800" b="1" i="0" u="none" strike="noStrike">
+                        <a:solidFill>
+                          <a:srgbClr val="000000"/>
+                        </a:solidFill>
+                        <a:effectLst/>
+                        <a:latin typeface="Calibri" panose="020F0502020204030204" pitchFamily="34" charset="0"/>
+                      </a:endParaRPr>
+                    </a:p>
+                  </a:txBody>
+                  <a:tcPr marL="0" marR="0" marT="0" marB="0" anchor="b"/>
+                </a:tc>
+                <a:tc>
+                  <a:txBody>
+                    <a:bodyPr/>
+                    <a:lstStyle/>
+                    <a:p>
+                      <a:pPr algn="l" fontAlgn="b"/>
+                      <a:r>
+                        <a:rPr lang="en-US" sz="800" u="none" strike="noStrike">
+                          <a:effectLst/>
+                        </a:rPr>
+                        <a:t>years</a:t>
+                      </a:r>
+                      <a:endParaRPr lang="en-US" sz="800" b="1" i="0" u="none" strike="noStrike">
+                        <a:solidFill>
+                          <a:srgbClr val="000000"/>
+                        </a:solidFill>
+                        <a:effectLst/>
+                        <a:latin typeface="Calibri" panose="020F0502020204030204" pitchFamily="34" charset="0"/>
+                      </a:endParaRPr>
+                    </a:p>
+                  </a:txBody>
+                  <a:tcPr marL="0" marR="0" marT="0" marB="0" anchor="b"/>
+                </a:tc>
+                <a:tc>
+                  <a:txBody>
+                    <a:bodyPr/>
+                    <a:lstStyle/>
+                    <a:p>
+                      <a:pPr algn="l" fontAlgn="b"/>
+                      <a:r>
+                        <a:rPr lang="en-US" sz="800" u="none" strike="noStrike">
+                          <a:effectLst/>
+                        </a:rPr>
+                        <a:t>r0</a:t>
+                      </a:r>
+                      <a:endParaRPr lang="en-US" sz="800" b="1" i="0" u="none" strike="noStrike">
+                        <a:solidFill>
+                          <a:srgbClr val="000000"/>
+                        </a:solidFill>
+                        <a:effectLst/>
+                        <a:latin typeface="Calibri" panose="020F0502020204030204" pitchFamily="34" charset="0"/>
+                      </a:endParaRPr>
+                    </a:p>
+                  </a:txBody>
+                  <a:tcPr marL="0" marR="0" marT="0" marB="0" anchor="b"/>
+                </a:tc>
+                <a:tc>
+                  <a:txBody>
+                    <a:bodyPr/>
+                    <a:lstStyle/>
+                    <a:p>
+                      <a:pPr algn="l" fontAlgn="b"/>
+                      <a:r>
+                        <a:rPr lang="en-US" sz="800" u="none" strike="noStrike">
+                          <a:effectLst/>
+                        </a:rPr>
+                        <a:t>ratemort</a:t>
+                      </a:r>
+                      <a:endParaRPr lang="en-US" sz="800" b="1" i="0" u="none" strike="noStrike">
+                        <a:solidFill>
+                          <a:srgbClr val="000000"/>
+                        </a:solidFill>
+                        <a:effectLst/>
+                        <a:latin typeface="Calibri" panose="020F0502020204030204" pitchFamily="34" charset="0"/>
+                      </a:endParaRPr>
+                    </a:p>
+                  </a:txBody>
+                  <a:tcPr marL="0" marR="0" marT="0" marB="0" anchor="b"/>
+                </a:tc>
+                <a:tc>
+                  <a:txBody>
+                    <a:bodyPr/>
+                    <a:lstStyle/>
+                    <a:p>
+                      <a:pPr algn="l" fontAlgn="b"/>
+                      <a:r>
+                        <a:rPr lang="en-US" sz="800" u="none" strike="noStrike">
+                          <a:effectLst/>
+                        </a:rPr>
+                        <a:t>nSNP.mig</a:t>
+                      </a:r>
+                      <a:endParaRPr lang="en-US" sz="800" b="1" i="0" u="none" strike="noStrike">
+                        <a:solidFill>
+                          <a:srgbClr val="000000"/>
+                        </a:solidFill>
+                        <a:effectLst/>
+                        <a:latin typeface="Calibri" panose="020F0502020204030204" pitchFamily="34" charset="0"/>
+                      </a:endParaRPr>
+                    </a:p>
+                  </a:txBody>
+                  <a:tcPr marL="0" marR="0" marT="0" marB="0" anchor="b"/>
+                </a:tc>
+                <a:tc>
+                  <a:txBody>
+                    <a:bodyPr/>
+                    <a:lstStyle/>
+                    <a:p>
+                      <a:pPr algn="l" fontAlgn="b"/>
+                      <a:r>
+                        <a:rPr lang="en-US" sz="800" u="none" strike="noStrike">
+                          <a:effectLst/>
+                        </a:rPr>
+                        <a:t>nSNP.cons</a:t>
+                      </a:r>
+                      <a:endParaRPr lang="en-US" sz="800" b="1" i="0" u="none" strike="noStrike">
+                        <a:solidFill>
+                          <a:srgbClr val="000000"/>
+                        </a:solidFill>
+                        <a:effectLst/>
+                        <a:latin typeface="Calibri" panose="020F0502020204030204" pitchFamily="34" charset="0"/>
+                      </a:endParaRPr>
+                    </a:p>
+                  </a:txBody>
+                  <a:tcPr marL="0" marR="0" marT="0" marB="0" anchor="b"/>
+                </a:tc>
+                <a:extLst>
+                  <a:ext uri="{0D108BD9-81ED-4DB2-BD59-A6C34878D82A}">
+                    <a16:rowId xmlns:a16="http://schemas.microsoft.com/office/drawing/2014/main" val="1168478142"/>
+                  </a:ext>
+                </a:extLst>
+              </a:tr>
+              <a:tr h="233483">
+                <a:tc>
+                  <a:txBody>
+                    <a:bodyPr/>
+                    <a:lstStyle/>
+                    <a:p>
+                      <a:pPr algn="l" fontAlgn="b"/>
+                      <a:r>
+                        <a:rPr lang="en-US" sz="800" u="none" strike="noStrike" dirty="0">
+                          <a:effectLst/>
+                        </a:rPr>
+                        <a:t>478289:478293</a:t>
+                      </a:r>
+                      <a:endParaRPr lang="en-US" sz="800" b="0" i="0" u="none" strike="noStrike" dirty="0">
+                        <a:solidFill>
+                          <a:srgbClr val="000000"/>
+                        </a:solidFill>
+                        <a:effectLst/>
+                        <a:latin typeface="Calibri" panose="020F0502020204030204" pitchFamily="34" charset="0"/>
+                      </a:endParaRPr>
+                    </a:p>
+                  </a:txBody>
+                  <a:tcPr marL="0" marR="0" marT="0" marB="0" anchor="b"/>
+                </a:tc>
+                <a:tc>
+                  <a:txBody>
+                    <a:bodyPr/>
+                    <a:lstStyle/>
+                    <a:p>
+                      <a:pPr algn="l" fontAlgn="b"/>
+                      <a:r>
+                        <a:rPr lang="en-US" sz="800" u="none" strike="noStrike" dirty="0" err="1">
+                          <a:effectLst/>
+                        </a:rPr>
+                        <a:t>run_g</a:t>
+                      </a:r>
+                      <a:endParaRPr lang="en-US" sz="800" b="0" i="0" u="none" strike="noStrike" dirty="0">
+                        <a:solidFill>
+                          <a:srgbClr val="000000"/>
+                        </a:solidFill>
+                        <a:effectLst/>
+                        <a:latin typeface="Calibri" panose="020F0502020204030204" pitchFamily="34" charset="0"/>
+                      </a:endParaRPr>
+                    </a:p>
+                  </a:txBody>
+                  <a:tcPr marL="0" marR="0" marT="0" marB="0" anchor="b"/>
+                </a:tc>
+                <a:tc>
+                  <a:txBody>
+                    <a:bodyPr/>
+                    <a:lstStyle/>
+                    <a:p>
+                      <a:pPr algn="l" fontAlgn="b"/>
+                      <a:r>
+                        <a:rPr lang="en-US" sz="800" u="none" strike="noStrike" dirty="0">
+                          <a:effectLst/>
+                        </a:rPr>
+                        <a:t>y</a:t>
+                      </a:r>
+                      <a:endParaRPr lang="en-US" sz="800" b="0" i="0" u="none" strike="noStrike" dirty="0">
+                        <a:solidFill>
+                          <a:srgbClr val="000000"/>
+                        </a:solidFill>
+                        <a:effectLst/>
+                        <a:latin typeface="Calibri" panose="020F0502020204030204" pitchFamily="34" charset="0"/>
+                      </a:endParaRPr>
+                    </a:p>
+                  </a:txBody>
+                  <a:tcPr marL="0" marR="0" marT="0" marB="0" anchor="b"/>
+                </a:tc>
+                <a:tc>
+                  <a:txBody>
+                    <a:bodyPr/>
+                    <a:lstStyle/>
+                    <a:p>
+                      <a:pPr algn="l" fontAlgn="b"/>
+                      <a:r>
+                        <a:rPr lang="en-US" sz="800" u="none" strike="noStrike">
+                          <a:effectLst/>
+                        </a:rPr>
+                        <a:t>y</a:t>
+                      </a:r>
+                      <a:endParaRPr lang="en-US" sz="800" b="0" i="0" u="none" strike="noStrike">
+                        <a:solidFill>
+                          <a:srgbClr val="000000"/>
+                        </a:solidFill>
+                        <a:effectLst/>
+                        <a:latin typeface="Calibri" panose="020F0502020204030204" pitchFamily="34" charset="0"/>
+                      </a:endParaRPr>
+                    </a:p>
+                  </a:txBody>
+                  <a:tcPr marL="0" marR="0" marT="0" marB="0" anchor="b"/>
+                </a:tc>
+                <a:tc>
+                  <a:txBody>
+                    <a:bodyPr/>
+                    <a:lstStyle/>
+                    <a:p>
+                      <a:pPr algn="l" fontAlgn="b"/>
+                      <a:r>
+                        <a:rPr lang="en-US" sz="800" u="none" strike="noStrike">
+                          <a:effectLst/>
+                        </a:rPr>
+                        <a:t>y</a:t>
+                      </a:r>
+                      <a:endParaRPr lang="en-US" sz="800" b="0" i="0" u="none" strike="noStrike">
+                        <a:solidFill>
+                          <a:srgbClr val="000000"/>
+                        </a:solidFill>
+                        <a:effectLst/>
+                        <a:latin typeface="Calibri" panose="020F0502020204030204" pitchFamily="34" charset="0"/>
+                      </a:endParaRPr>
+                    </a:p>
+                  </a:txBody>
+                  <a:tcPr marL="0" marR="0" marT="0" marB="0" anchor="b"/>
+                </a:tc>
+                <a:tc>
+                  <a:txBody>
+                    <a:bodyPr/>
+                    <a:lstStyle/>
+                    <a:p>
+                      <a:pPr algn="l" fontAlgn="b"/>
+                      <a:r>
+                        <a:rPr lang="en-US" sz="800" u="none" strike="noStrike">
+                          <a:effectLst/>
+                        </a:rPr>
+                        <a:t>y</a:t>
+                      </a:r>
+                      <a:endParaRPr lang="en-US" sz="800" b="0" i="0" u="none" strike="noStrike">
+                        <a:solidFill>
+                          <a:srgbClr val="000000"/>
+                        </a:solidFill>
+                        <a:effectLst/>
+                        <a:latin typeface="Calibri" panose="020F0502020204030204" pitchFamily="34" charset="0"/>
+                      </a:endParaRPr>
+                    </a:p>
+                  </a:txBody>
+                  <a:tcPr marL="0" marR="0" marT="0" marB="0" anchor="b"/>
+                </a:tc>
+                <a:tc>
+                  <a:txBody>
+                    <a:bodyPr/>
+                    <a:lstStyle/>
+                    <a:p>
+                      <a:pPr algn="l" fontAlgn="b"/>
+                      <a:r>
+                        <a:rPr lang="en-US" sz="800" u="none" strike="noStrike">
+                          <a:effectLst/>
+                        </a:rPr>
+                        <a:t>all 4</a:t>
+                      </a:r>
+                      <a:endParaRPr lang="en-US" sz="800" b="0" i="0" u="none" strike="noStrike">
+                        <a:solidFill>
+                          <a:srgbClr val="000000"/>
+                        </a:solidFill>
+                        <a:effectLst/>
+                        <a:latin typeface="Calibri" panose="020F0502020204030204" pitchFamily="34" charset="0"/>
+                      </a:endParaRPr>
+                    </a:p>
+                  </a:txBody>
+                  <a:tcPr marL="0" marR="0" marT="0" marB="0" anchor="b"/>
+                </a:tc>
+                <a:tc>
+                  <a:txBody>
+                    <a:bodyPr/>
+                    <a:lstStyle/>
+                    <a:p>
+                      <a:pPr algn="r" fontAlgn="b"/>
+                      <a:r>
+                        <a:rPr lang="en-US" sz="800" u="none" strike="noStrike">
+                          <a:effectLst/>
+                        </a:rPr>
+                        <a:t>0.07</a:t>
+                      </a:r>
+                      <a:endParaRPr lang="en-US" sz="800" b="0" i="0" u="none" strike="noStrike">
+                        <a:solidFill>
+                          <a:srgbClr val="000000"/>
+                        </a:solidFill>
+                        <a:effectLst/>
+                        <a:latin typeface="Calibri" panose="020F0502020204030204" pitchFamily="34" charset="0"/>
+                      </a:endParaRPr>
+                    </a:p>
+                  </a:txBody>
+                  <a:tcPr marL="0" marR="0" marT="0" marB="0" anchor="b"/>
+                </a:tc>
+                <a:tc>
+                  <a:txBody>
+                    <a:bodyPr/>
+                    <a:lstStyle/>
+                    <a:p>
+                      <a:pPr algn="r" fontAlgn="b"/>
+                      <a:r>
+                        <a:rPr lang="en-US" sz="800" u="none" strike="noStrike">
+                          <a:effectLst/>
+                        </a:rPr>
+                        <a:t>0.07</a:t>
+                      </a:r>
+                      <a:endParaRPr lang="en-US" sz="800" b="0" i="0" u="none" strike="noStrike">
+                        <a:solidFill>
+                          <a:srgbClr val="000000"/>
+                        </a:solidFill>
+                        <a:effectLst/>
+                        <a:latin typeface="Calibri" panose="020F0502020204030204" pitchFamily="34" charset="0"/>
+                      </a:endParaRPr>
+                    </a:p>
+                  </a:txBody>
+                  <a:tcPr marL="0" marR="0" marT="0" marB="0" anchor="b"/>
+                </a:tc>
+                <a:tc>
+                  <a:txBody>
+                    <a:bodyPr/>
+                    <a:lstStyle/>
+                    <a:p>
+                      <a:pPr algn="r" fontAlgn="b"/>
+                      <a:r>
+                        <a:rPr lang="en-US" sz="800" u="none" strike="noStrike">
+                          <a:effectLst/>
+                        </a:rPr>
+                        <a:t>1</a:t>
+                      </a:r>
+                      <a:endParaRPr lang="en-US" sz="800" b="0" i="0" u="none" strike="noStrike">
+                        <a:solidFill>
+                          <a:srgbClr val="000000"/>
+                        </a:solidFill>
+                        <a:effectLst/>
+                        <a:latin typeface="Calibri" panose="020F0502020204030204" pitchFamily="34" charset="0"/>
+                      </a:endParaRPr>
+                    </a:p>
+                  </a:txBody>
+                  <a:tcPr marL="0" marR="0" marT="0" marB="0" anchor="b"/>
+                </a:tc>
+                <a:tc>
+                  <a:txBody>
+                    <a:bodyPr/>
+                    <a:lstStyle/>
+                    <a:p>
+                      <a:pPr algn="r" fontAlgn="b"/>
+                      <a:r>
+                        <a:rPr lang="en-US" sz="800" u="none" strike="noStrike">
+                          <a:effectLst/>
+                        </a:rPr>
+                        <a:t>300</a:t>
+                      </a:r>
+                      <a:endParaRPr lang="en-US" sz="800" b="0" i="0" u="none" strike="noStrike">
+                        <a:solidFill>
+                          <a:srgbClr val="000000"/>
+                        </a:solidFill>
+                        <a:effectLst/>
+                        <a:latin typeface="Calibri" panose="020F0502020204030204" pitchFamily="34" charset="0"/>
+                      </a:endParaRPr>
+                    </a:p>
+                  </a:txBody>
+                  <a:tcPr marL="0" marR="0" marT="0" marB="0" anchor="b"/>
+                </a:tc>
+                <a:tc>
+                  <a:txBody>
+                    <a:bodyPr/>
+                    <a:lstStyle/>
+                    <a:p>
+                      <a:pPr algn="r" fontAlgn="b"/>
+                      <a:r>
+                        <a:rPr lang="en-US" sz="800" u="none" strike="noStrike">
+                          <a:effectLst/>
+                        </a:rPr>
+                        <a:t>1000</a:t>
+                      </a:r>
+                      <a:endParaRPr lang="en-US" sz="800" b="0" i="0" u="none" strike="noStrike">
+                        <a:solidFill>
+                          <a:srgbClr val="000000"/>
+                        </a:solidFill>
+                        <a:effectLst/>
+                        <a:latin typeface="Calibri" panose="020F0502020204030204" pitchFamily="34" charset="0"/>
+                      </a:endParaRPr>
+                    </a:p>
+                  </a:txBody>
+                  <a:tcPr marL="0" marR="0" marT="0" marB="0" anchor="b"/>
+                </a:tc>
+                <a:tc>
+                  <a:txBody>
+                    <a:bodyPr/>
+                    <a:lstStyle/>
+                    <a:p>
+                      <a:pPr algn="r" fontAlgn="b"/>
+                      <a:r>
+                        <a:rPr lang="en-US" sz="800" u="none" strike="noStrike">
+                          <a:effectLst/>
+                        </a:rPr>
+                        <a:t>1000</a:t>
+                      </a:r>
+                      <a:endParaRPr lang="en-US" sz="800" b="0" i="0" u="none" strike="noStrike">
+                        <a:solidFill>
+                          <a:srgbClr val="000000"/>
+                        </a:solidFill>
+                        <a:effectLst/>
+                        <a:latin typeface="Calibri" panose="020F0502020204030204" pitchFamily="34" charset="0"/>
+                      </a:endParaRPr>
+                    </a:p>
+                  </a:txBody>
+                  <a:tcPr marL="0" marR="0" marT="0" marB="0" anchor="b"/>
+                </a:tc>
+                <a:tc>
+                  <a:txBody>
+                    <a:bodyPr/>
+                    <a:lstStyle/>
+                    <a:p>
+                      <a:pPr algn="r" fontAlgn="b"/>
+                      <a:r>
+                        <a:rPr lang="en-US" sz="800" u="none" strike="noStrike">
+                          <a:effectLst/>
+                        </a:rPr>
+                        <a:t>10</a:t>
+                      </a:r>
+                      <a:endParaRPr lang="en-US" sz="800" b="0" i="0" u="none" strike="noStrike">
+                        <a:solidFill>
+                          <a:srgbClr val="000000"/>
+                        </a:solidFill>
+                        <a:effectLst/>
+                        <a:latin typeface="Calibri" panose="020F0502020204030204" pitchFamily="34" charset="0"/>
+                      </a:endParaRPr>
+                    </a:p>
+                  </a:txBody>
+                  <a:tcPr marL="0" marR="0" marT="0" marB="0" anchor="b"/>
+                </a:tc>
+                <a:tc>
+                  <a:txBody>
+                    <a:bodyPr/>
+                    <a:lstStyle/>
+                    <a:p>
+                      <a:pPr algn="r" fontAlgn="b"/>
+                      <a:r>
+                        <a:rPr lang="en-US" sz="800" u="none" strike="noStrike">
+                          <a:effectLst/>
+                        </a:rPr>
+                        <a:t>40</a:t>
+                      </a:r>
+                      <a:endParaRPr lang="en-US" sz="800" b="0" i="0" u="none" strike="noStrike">
+                        <a:solidFill>
+                          <a:srgbClr val="000000"/>
+                        </a:solidFill>
+                        <a:effectLst/>
+                        <a:latin typeface="Calibri" panose="020F0502020204030204" pitchFamily="34" charset="0"/>
+                      </a:endParaRPr>
+                    </a:p>
+                  </a:txBody>
+                  <a:tcPr marL="0" marR="0" marT="0" marB="0" anchor="b"/>
+                </a:tc>
+                <a:tc>
+                  <a:txBody>
+                    <a:bodyPr/>
+                    <a:lstStyle/>
+                    <a:p>
+                      <a:pPr algn="r" fontAlgn="b"/>
+                      <a:r>
+                        <a:rPr lang="en-US" sz="800" u="none" strike="noStrike">
+                          <a:effectLst/>
+                        </a:rPr>
+                        <a:t>9</a:t>
+                      </a:r>
+                      <a:endParaRPr lang="en-US" sz="800" b="0" i="0" u="none" strike="noStrike">
+                        <a:solidFill>
+                          <a:srgbClr val="000000"/>
+                        </a:solidFill>
+                        <a:effectLst/>
+                        <a:latin typeface="Calibri" panose="020F0502020204030204" pitchFamily="34" charset="0"/>
+                      </a:endParaRPr>
+                    </a:p>
+                  </a:txBody>
+                  <a:tcPr marL="0" marR="0" marT="0" marB="0" anchor="b"/>
+                </a:tc>
+                <a:tc>
+                  <a:txBody>
+                    <a:bodyPr/>
+                    <a:lstStyle/>
+                    <a:p>
+                      <a:pPr algn="r" fontAlgn="b"/>
+                      <a:r>
+                        <a:rPr lang="en-US" sz="800" u="none" strike="noStrike">
+                          <a:effectLst/>
+                        </a:rPr>
+                        <a:t>2</a:t>
+                      </a:r>
+                      <a:endParaRPr lang="en-US" sz="800" b="0" i="0" u="none" strike="noStrike">
+                        <a:solidFill>
+                          <a:srgbClr val="000000"/>
+                        </a:solidFill>
+                        <a:effectLst/>
+                        <a:latin typeface="Calibri" panose="020F0502020204030204" pitchFamily="34" charset="0"/>
+                      </a:endParaRPr>
+                    </a:p>
+                  </a:txBody>
+                  <a:tcPr marL="0" marR="0" marT="0" marB="0" anchor="b"/>
+                </a:tc>
+                <a:tc>
+                  <a:txBody>
+                    <a:bodyPr/>
+                    <a:lstStyle/>
+                    <a:p>
+                      <a:pPr algn="r" fontAlgn="b"/>
+                      <a:r>
+                        <a:rPr lang="en-US" sz="800" u="none" strike="noStrike">
+                          <a:effectLst/>
+                        </a:rPr>
+                        <a:t>1</a:t>
+                      </a:r>
+                      <a:endParaRPr lang="en-US" sz="800" b="0" i="0" u="none" strike="noStrike">
+                        <a:solidFill>
+                          <a:srgbClr val="000000"/>
+                        </a:solidFill>
+                        <a:effectLst/>
+                        <a:latin typeface="Calibri" panose="020F0502020204030204" pitchFamily="34" charset="0"/>
+                      </a:endParaRPr>
+                    </a:p>
+                  </a:txBody>
+                  <a:tcPr marL="0" marR="0" marT="0" marB="0" anchor="b"/>
+                </a:tc>
+                <a:tc>
+                  <a:txBody>
+                    <a:bodyPr/>
+                    <a:lstStyle/>
+                    <a:p>
+                      <a:pPr algn="r" fontAlgn="b"/>
+                      <a:r>
+                        <a:rPr lang="en-US" sz="800" u="none" strike="noStrike">
+                          <a:effectLst/>
+                        </a:rPr>
+                        <a:t>350</a:t>
+                      </a:r>
+                      <a:endParaRPr lang="en-US" sz="800" b="0" i="0" u="none" strike="noStrike">
+                        <a:solidFill>
+                          <a:srgbClr val="000000"/>
+                        </a:solidFill>
+                        <a:effectLst/>
+                        <a:latin typeface="Calibri" panose="020F0502020204030204" pitchFamily="34" charset="0"/>
+                      </a:endParaRPr>
+                    </a:p>
+                  </a:txBody>
+                  <a:tcPr marL="0" marR="0" marT="0" marB="0" anchor="b"/>
+                </a:tc>
+                <a:tc>
+                  <a:txBody>
+                    <a:bodyPr/>
+                    <a:lstStyle/>
+                    <a:p>
+                      <a:pPr algn="r" fontAlgn="b"/>
+                      <a:r>
+                        <a:rPr lang="en-US" sz="800" u="none" strike="noStrike">
+                          <a:effectLst/>
+                        </a:rPr>
+                        <a:t>1</a:t>
+                      </a:r>
+                      <a:endParaRPr lang="en-US" sz="800" b="0" i="0" u="none" strike="noStrike">
+                        <a:solidFill>
+                          <a:srgbClr val="000000"/>
+                        </a:solidFill>
+                        <a:effectLst/>
+                        <a:latin typeface="Calibri" panose="020F0502020204030204" pitchFamily="34" charset="0"/>
+                      </a:endParaRPr>
+                    </a:p>
+                  </a:txBody>
+                  <a:tcPr marL="0" marR="0" marT="0" marB="0" anchor="b"/>
+                </a:tc>
+                <a:tc>
+                  <a:txBody>
+                    <a:bodyPr/>
+                    <a:lstStyle/>
+                    <a:p>
+                      <a:pPr algn="l" fontAlgn="b"/>
+                      <a:endParaRPr lang="en-US" sz="800" b="0" i="0" u="none" strike="noStrike">
+                        <a:solidFill>
+                          <a:srgbClr val="000000"/>
+                        </a:solidFill>
+                        <a:effectLst/>
+                        <a:latin typeface="Calibri" panose="020F0502020204030204" pitchFamily="34" charset="0"/>
+                      </a:endParaRPr>
+                    </a:p>
+                  </a:txBody>
+                  <a:tcPr marL="0" marR="0" marT="0" marB="0" anchor="b"/>
+                </a:tc>
+                <a:tc>
+                  <a:txBody>
+                    <a:bodyPr/>
+                    <a:lstStyle/>
+                    <a:p>
+                      <a:pPr algn="r" fontAlgn="b"/>
+                      <a:r>
+                        <a:rPr lang="en-US" sz="800" u="none" strike="noStrike">
+                          <a:effectLst/>
+                        </a:rPr>
+                        <a:t>100</a:t>
+                      </a:r>
+                      <a:endParaRPr lang="en-US" sz="800" b="0" i="0" u="none" strike="noStrike">
+                        <a:solidFill>
+                          <a:srgbClr val="000000"/>
+                        </a:solidFill>
+                        <a:effectLst/>
+                        <a:latin typeface="Calibri" panose="020F0502020204030204" pitchFamily="34" charset="0"/>
+                      </a:endParaRPr>
+                    </a:p>
+                  </a:txBody>
+                  <a:tcPr marL="0" marR="0" marT="0" marB="0" anchor="b"/>
+                </a:tc>
+                <a:tc>
+                  <a:txBody>
+                    <a:bodyPr/>
+                    <a:lstStyle/>
+                    <a:p>
+                      <a:pPr algn="r" fontAlgn="b"/>
+                      <a:r>
+                        <a:rPr lang="en-US" sz="800" u="none" strike="noStrike" dirty="0">
+                          <a:effectLst/>
+                        </a:rPr>
+                        <a:t>0</a:t>
+                      </a:r>
+                      <a:endParaRPr lang="en-US" sz="800" b="0" i="0" u="none" strike="noStrike" dirty="0">
+                        <a:solidFill>
+                          <a:srgbClr val="000000"/>
+                        </a:solidFill>
+                        <a:effectLst/>
+                        <a:latin typeface="Calibri" panose="020F0502020204030204" pitchFamily="34" charset="0"/>
+                      </a:endParaRPr>
+                    </a:p>
+                  </a:txBody>
+                  <a:tcPr marL="0" marR="0" marT="0" marB="0" anchor="b"/>
+                </a:tc>
+                <a:extLst>
+                  <a:ext uri="{0D108BD9-81ED-4DB2-BD59-A6C34878D82A}">
+                    <a16:rowId xmlns:a16="http://schemas.microsoft.com/office/drawing/2014/main" val="2745275204"/>
+                  </a:ext>
+                </a:extLst>
+              </a:tr>
+            </a:tbl>
+          </a:graphicData>
+        </a:graphic>
+      </p:graphicFrame>
+      <p:pic>
+        <p:nvPicPr>
+          <p:cNvPr id="6" name="Picture 5">
+            <a:extLst>
+              <a:ext uri="{FF2B5EF4-FFF2-40B4-BE49-F238E27FC236}">
+                <a16:creationId xmlns:a16="http://schemas.microsoft.com/office/drawing/2014/main" id="{78778ACC-47E6-5011-95B1-CE70E4706051}"/>
+              </a:ext>
+            </a:extLst>
+          </p:cNvPr>
+          <p:cNvPicPr>
+            <a:picLocks noChangeAspect="1"/>
+          </p:cNvPicPr>
+          <p:nvPr/>
+        </p:nvPicPr>
+        <p:blipFill>
+          <a:blip r:embed="rId2"/>
+          <a:stretch>
+            <a:fillRect/>
+          </a:stretch>
+        </p:blipFill>
+        <p:spPr>
+          <a:xfrm>
+            <a:off x="2841138" y="1560934"/>
+            <a:ext cx="2438228" cy="2702714"/>
+          </a:xfrm>
+          <a:prstGeom prst="rect">
+            <a:avLst/>
+          </a:prstGeom>
+        </p:spPr>
+      </p:pic>
+      <p:pic>
+        <p:nvPicPr>
+          <p:cNvPr id="8" name="Picture 7">
+            <a:extLst>
+              <a:ext uri="{FF2B5EF4-FFF2-40B4-BE49-F238E27FC236}">
+                <a16:creationId xmlns:a16="http://schemas.microsoft.com/office/drawing/2014/main" id="{5B04ECB9-7489-0B7D-E34B-66F6FF6B6E2A}"/>
+              </a:ext>
+            </a:extLst>
+          </p:cNvPr>
+          <p:cNvPicPr>
+            <a:picLocks noChangeAspect="1"/>
+          </p:cNvPicPr>
+          <p:nvPr/>
+        </p:nvPicPr>
+        <p:blipFill>
+          <a:blip r:embed="rId3"/>
+          <a:stretch>
+            <a:fillRect/>
+          </a:stretch>
+        </p:blipFill>
+        <p:spPr>
+          <a:xfrm>
+            <a:off x="3933645" y="1819187"/>
+            <a:ext cx="1116221" cy="1237303"/>
+          </a:xfrm>
+          <a:prstGeom prst="rect">
+            <a:avLst/>
+          </a:prstGeom>
+        </p:spPr>
+      </p:pic>
+      <p:pic>
+        <p:nvPicPr>
+          <p:cNvPr id="10" name="Picture 9">
+            <a:extLst>
+              <a:ext uri="{FF2B5EF4-FFF2-40B4-BE49-F238E27FC236}">
+                <a16:creationId xmlns:a16="http://schemas.microsoft.com/office/drawing/2014/main" id="{83FD23C4-11A7-D6A4-6622-471536E40690}"/>
+              </a:ext>
+            </a:extLst>
+          </p:cNvPr>
+          <p:cNvPicPr>
+            <a:picLocks noChangeAspect="1"/>
+          </p:cNvPicPr>
+          <p:nvPr/>
+        </p:nvPicPr>
+        <p:blipFill>
+          <a:blip r:embed="rId4"/>
+          <a:stretch>
+            <a:fillRect/>
+          </a:stretch>
+        </p:blipFill>
+        <p:spPr>
+          <a:xfrm>
+            <a:off x="358034" y="1536062"/>
+            <a:ext cx="2483104" cy="2752458"/>
+          </a:xfrm>
+          <a:prstGeom prst="rect">
+            <a:avLst/>
+          </a:prstGeom>
+        </p:spPr>
+      </p:pic>
+      <p:pic>
+        <p:nvPicPr>
+          <p:cNvPr id="12" name="Picture 11">
+            <a:extLst>
+              <a:ext uri="{FF2B5EF4-FFF2-40B4-BE49-F238E27FC236}">
+                <a16:creationId xmlns:a16="http://schemas.microsoft.com/office/drawing/2014/main" id="{22B7A9D1-43AB-7A22-8712-0538671026D0}"/>
+              </a:ext>
+            </a:extLst>
+          </p:cNvPr>
+          <p:cNvPicPr>
+            <a:picLocks noChangeAspect="1"/>
+          </p:cNvPicPr>
+          <p:nvPr/>
+        </p:nvPicPr>
+        <p:blipFill>
+          <a:blip r:embed="rId5"/>
+          <a:stretch>
+            <a:fillRect/>
+          </a:stretch>
+        </p:blipFill>
+        <p:spPr>
+          <a:xfrm>
+            <a:off x="5527366" y="1560934"/>
+            <a:ext cx="2438229" cy="2702715"/>
+          </a:xfrm>
+          <a:prstGeom prst="rect">
+            <a:avLst/>
+          </a:prstGeom>
+        </p:spPr>
+      </p:pic>
+      <p:pic>
+        <p:nvPicPr>
+          <p:cNvPr id="14" name="Picture 13">
+            <a:extLst>
+              <a:ext uri="{FF2B5EF4-FFF2-40B4-BE49-F238E27FC236}">
+                <a16:creationId xmlns:a16="http://schemas.microsoft.com/office/drawing/2014/main" id="{0B871F05-F7D5-5673-C963-C9DAAA27BD28}"/>
+              </a:ext>
+            </a:extLst>
+          </p:cNvPr>
+          <p:cNvPicPr>
+            <a:picLocks noChangeAspect="1"/>
+          </p:cNvPicPr>
+          <p:nvPr/>
+        </p:nvPicPr>
+        <p:blipFill>
+          <a:blip r:embed="rId6"/>
+          <a:stretch>
+            <a:fillRect/>
+          </a:stretch>
+        </p:blipFill>
+        <p:spPr>
+          <a:xfrm>
+            <a:off x="8131747" y="1585805"/>
+            <a:ext cx="2438229" cy="2702715"/>
+          </a:xfrm>
+          <a:prstGeom prst="rect">
+            <a:avLst/>
+          </a:prstGeom>
+        </p:spPr>
+      </p:pic>
+      <p:pic>
+        <p:nvPicPr>
+          <p:cNvPr id="16" name="Picture 15">
+            <a:extLst>
+              <a:ext uri="{FF2B5EF4-FFF2-40B4-BE49-F238E27FC236}">
+                <a16:creationId xmlns:a16="http://schemas.microsoft.com/office/drawing/2014/main" id="{B8DCCB1E-06D9-59C9-346A-E6FE56F3386B}"/>
+              </a:ext>
+            </a:extLst>
+          </p:cNvPr>
+          <p:cNvPicPr>
+            <a:picLocks noChangeAspect="1"/>
+          </p:cNvPicPr>
+          <p:nvPr/>
+        </p:nvPicPr>
+        <p:blipFill>
+          <a:blip r:embed="rId7"/>
+          <a:stretch>
+            <a:fillRect/>
+          </a:stretch>
+        </p:blipFill>
+        <p:spPr>
+          <a:xfrm>
+            <a:off x="2841136" y="4155284"/>
+            <a:ext cx="2438230" cy="2702716"/>
+          </a:xfrm>
+          <a:prstGeom prst="rect">
+            <a:avLst/>
+          </a:prstGeom>
+        </p:spPr>
+      </p:pic>
+      <p:pic>
+        <p:nvPicPr>
+          <p:cNvPr id="18" name="Picture 17">
+            <a:extLst>
+              <a:ext uri="{FF2B5EF4-FFF2-40B4-BE49-F238E27FC236}">
+                <a16:creationId xmlns:a16="http://schemas.microsoft.com/office/drawing/2014/main" id="{BB35661E-AC51-445F-B9F3-5B811F44AD9F}"/>
+              </a:ext>
+            </a:extLst>
+          </p:cNvPr>
+          <p:cNvPicPr>
+            <a:picLocks noChangeAspect="1"/>
+          </p:cNvPicPr>
+          <p:nvPr/>
+        </p:nvPicPr>
+        <p:blipFill>
+          <a:blip r:embed="rId8"/>
+          <a:stretch>
+            <a:fillRect/>
+          </a:stretch>
+        </p:blipFill>
+        <p:spPr>
+          <a:xfrm>
+            <a:off x="5610440" y="4155283"/>
+            <a:ext cx="2438231" cy="2702717"/>
+          </a:xfrm>
+          <a:prstGeom prst="rect">
+            <a:avLst/>
+          </a:prstGeom>
+        </p:spPr>
+      </p:pic>
+      <p:pic>
+        <p:nvPicPr>
+          <p:cNvPr id="20" name="Picture 19">
+            <a:extLst>
+              <a:ext uri="{FF2B5EF4-FFF2-40B4-BE49-F238E27FC236}">
+                <a16:creationId xmlns:a16="http://schemas.microsoft.com/office/drawing/2014/main" id="{0F8EE263-0725-38EB-16ED-F847D7C33123}"/>
+              </a:ext>
+            </a:extLst>
+          </p:cNvPr>
+          <p:cNvPicPr>
+            <a:picLocks noChangeAspect="1"/>
+          </p:cNvPicPr>
+          <p:nvPr/>
+        </p:nvPicPr>
+        <p:blipFill>
+          <a:blip r:embed="rId9"/>
+          <a:stretch>
+            <a:fillRect/>
+          </a:stretch>
+        </p:blipFill>
+        <p:spPr>
+          <a:xfrm>
+            <a:off x="8213595" y="4242543"/>
+            <a:ext cx="2280788" cy="2528196"/>
+          </a:xfrm>
+          <a:prstGeom prst="rect">
+            <a:avLst/>
+          </a:prstGeom>
+        </p:spPr>
+      </p:pic>
+    </p:spTree>
+    <p:extLst>
+      <p:ext uri="{BB962C8B-B14F-4D97-AF65-F5344CB8AC3E}">
+        <p14:creationId xmlns:p14="http://schemas.microsoft.com/office/powerpoint/2010/main" val="2832546585"/>
       </p:ext>
     </p:extLst>
   </p:cSld>
